--- a/Javas设计模式-吉立建/Java设计模式-ppt/02-面向对象设计原则.pptx
+++ b/Javas设计模式-吉立建/Java设计模式-ppt/02-面向对象设计原则.pptx
@@ -304,7 +304,7 @@
               <a:pPr>
                 <a:defRPr/>
               </a:pPr>
-              <a:t>2018/3/16</a:t>
+              <a:t>2021/10/9</a:t>
             </a:fld>
             <a:endParaRPr lang="zh-CN" altLang="en-US"/>
           </a:p>
@@ -340,7 +340,7 @@
           <a:lstStyle/>
           <a:p>
             <a:pPr lvl="0"/>
-            <a:endParaRPr lang="zh-CN" altLang="en-US" noProof="0" smtClean="0"/>
+            <a:endParaRPr lang="zh-CN" altLang="en-US" noProof="0"/>
           </a:p>
         </p:txBody>
       </p:sp>
@@ -371,35 +371,35 @@
           <a:p>
             <a:pPr lvl="0"/>
             <a:r>
-              <a:rPr lang="zh-CN" altLang="en-US" noProof="0" smtClean="0"/>
+              <a:rPr lang="zh-CN" altLang="en-US" noProof="0"/>
               <a:t>单击此处编辑母版文本样式</a:t>
             </a:r>
           </a:p>
           <a:p>
             <a:pPr lvl="1"/>
             <a:r>
-              <a:rPr lang="zh-CN" altLang="en-US" noProof="0" smtClean="0"/>
+              <a:rPr lang="zh-CN" altLang="en-US" noProof="0"/>
               <a:t>第二级</a:t>
             </a:r>
           </a:p>
           <a:p>
             <a:pPr lvl="2"/>
             <a:r>
-              <a:rPr lang="zh-CN" altLang="en-US" noProof="0" smtClean="0"/>
+              <a:rPr lang="zh-CN" altLang="en-US" noProof="0"/>
               <a:t>第三级</a:t>
             </a:r>
           </a:p>
           <a:p>
             <a:pPr lvl="3"/>
             <a:r>
-              <a:rPr lang="zh-CN" altLang="en-US" noProof="0" smtClean="0"/>
+              <a:rPr lang="zh-CN" altLang="en-US" noProof="0"/>
               <a:t>第四级</a:t>
             </a:r>
           </a:p>
           <a:p>
             <a:pPr lvl="4"/>
             <a:r>
-              <a:rPr lang="zh-CN" altLang="en-US" noProof="0" smtClean="0"/>
+              <a:rPr lang="zh-CN" altLang="en-US" noProof="0"/>
               <a:t>第五级</a:t>
             </a:r>
           </a:p>
@@ -707,7 +707,7 @@
                 <a:spcPct val="0"/>
               </a:spcBef>
             </a:pPr>
-            <a:endParaRPr lang="zh-CN" altLang="en-US" smtClean="0"/>
+            <a:endParaRPr lang="zh-CN" altLang="en-US"/>
           </a:p>
         </p:txBody>
       </p:sp>
@@ -862,7 +862,7 @@
               <a:pPr/>
               <a:t>7</a:t>
             </a:fld>
-            <a:endParaRPr lang="zh-CN" altLang="en-US" smtClean="0"/>
+            <a:endParaRPr lang="zh-CN" altLang="en-US"/>
           </a:p>
         </p:txBody>
       </p:sp>
@@ -1149,13 +1149,6 @@
   <p:clrMapOvr>
     <a:masterClrMapping/>
   </p:clrMapOvr>
-  <p:timing>
-    <p:tnLst>
-      <p:par>
-        <p:cTn id="1" dur="indefinite" restart="never" nodeType="tmRoot"/>
-      </p:par>
-    </p:tnLst>
-  </p:timing>
 </p:sldLayout>
 </file>
 
@@ -1192,10 +1185,9 @@
           <a:lstStyle/>
           <a:p>
             <a:r>
-              <a:rPr lang="zh-CN" altLang="en-US" smtClean="0"/>
+              <a:rPr lang="zh-CN" altLang="en-US"/>
               <a:t>单击此处编辑母版标题样式</a:t>
             </a:r>
-            <a:endParaRPr lang="zh-CN" altLang="en-US"/>
           </a:p>
         </p:txBody>
       </p:sp>
@@ -1216,38 +1208,37 @@
           <a:p>
             <a:pPr lvl="0"/>
             <a:r>
-              <a:rPr lang="zh-CN" altLang="en-US" smtClean="0"/>
+              <a:rPr lang="zh-CN" altLang="en-US"/>
               <a:t>单击此处编辑母版文本样式</a:t>
             </a:r>
           </a:p>
           <a:p>
             <a:pPr lvl="1"/>
             <a:r>
-              <a:rPr lang="zh-CN" altLang="en-US" smtClean="0"/>
+              <a:rPr lang="zh-CN" altLang="en-US"/>
               <a:t>第二级</a:t>
             </a:r>
           </a:p>
           <a:p>
             <a:pPr lvl="2"/>
             <a:r>
-              <a:rPr lang="zh-CN" altLang="en-US" smtClean="0"/>
+              <a:rPr lang="zh-CN" altLang="en-US"/>
               <a:t>第三级</a:t>
             </a:r>
           </a:p>
           <a:p>
             <a:pPr lvl="3"/>
             <a:r>
-              <a:rPr lang="zh-CN" altLang="en-US" smtClean="0"/>
+              <a:rPr lang="zh-CN" altLang="en-US"/>
               <a:t>第四级</a:t>
             </a:r>
           </a:p>
           <a:p>
             <a:pPr lvl="4"/>
             <a:r>
-              <a:rPr lang="zh-CN" altLang="en-US" smtClean="0"/>
+              <a:rPr lang="zh-CN" altLang="en-US"/>
               <a:t>第五级</a:t>
             </a:r>
-            <a:endParaRPr lang="zh-CN" altLang="en-US"/>
           </a:p>
         </p:txBody>
       </p:sp>
@@ -1388,10 +1379,9 @@
           <a:lstStyle/>
           <a:p>
             <a:r>
-              <a:rPr lang="zh-CN" altLang="en-US" smtClean="0"/>
+              <a:rPr lang="zh-CN" altLang="en-US"/>
               <a:t>单击此处编辑母版标题样式</a:t>
             </a:r>
-            <a:endParaRPr lang="zh-CN" altLang="en-US"/>
           </a:p>
         </p:txBody>
       </p:sp>
@@ -1417,38 +1407,37 @@
           <a:p>
             <a:pPr lvl="0"/>
             <a:r>
-              <a:rPr lang="zh-CN" altLang="en-US" smtClean="0"/>
+              <a:rPr lang="zh-CN" altLang="en-US"/>
               <a:t>单击此处编辑母版文本样式</a:t>
             </a:r>
           </a:p>
           <a:p>
             <a:pPr lvl="1"/>
             <a:r>
-              <a:rPr lang="zh-CN" altLang="en-US" smtClean="0"/>
+              <a:rPr lang="zh-CN" altLang="en-US"/>
               <a:t>第二级</a:t>
             </a:r>
           </a:p>
           <a:p>
             <a:pPr lvl="2"/>
             <a:r>
-              <a:rPr lang="zh-CN" altLang="en-US" smtClean="0"/>
+              <a:rPr lang="zh-CN" altLang="en-US"/>
               <a:t>第三级</a:t>
             </a:r>
           </a:p>
           <a:p>
             <a:pPr lvl="3"/>
             <a:r>
-              <a:rPr lang="zh-CN" altLang="en-US" smtClean="0"/>
+              <a:rPr lang="zh-CN" altLang="en-US"/>
               <a:t>第四级</a:t>
             </a:r>
           </a:p>
           <a:p>
             <a:pPr lvl="4"/>
             <a:r>
-              <a:rPr lang="zh-CN" altLang="en-US" smtClean="0"/>
+              <a:rPr lang="zh-CN" altLang="en-US"/>
               <a:t>第五级</a:t>
             </a:r>
-            <a:endParaRPr lang="zh-CN" altLang="en-US"/>
           </a:p>
         </p:txBody>
       </p:sp>
@@ -1589,10 +1578,9 @@
           <a:lstStyle/>
           <a:p>
             <a:r>
-              <a:rPr lang="zh-CN" altLang="en-US" smtClean="0"/>
+              <a:rPr lang="zh-CN" altLang="en-US"/>
               <a:t>单击此处编辑母版标题样式</a:t>
             </a:r>
-            <a:endParaRPr lang="zh-CN" altLang="en-US"/>
           </a:p>
         </p:txBody>
       </p:sp>
@@ -1618,38 +1606,37 @@
           <a:p>
             <a:pPr lvl="0"/>
             <a:r>
-              <a:rPr lang="zh-CN" altLang="en-US" smtClean="0"/>
+              <a:rPr lang="zh-CN" altLang="en-US"/>
               <a:t>单击此处编辑母版文本样式</a:t>
             </a:r>
           </a:p>
           <a:p>
             <a:pPr lvl="1"/>
             <a:r>
-              <a:rPr lang="zh-CN" altLang="en-US" smtClean="0"/>
+              <a:rPr lang="zh-CN" altLang="en-US"/>
               <a:t>第二级</a:t>
             </a:r>
           </a:p>
           <a:p>
             <a:pPr lvl="2"/>
             <a:r>
-              <a:rPr lang="zh-CN" altLang="en-US" smtClean="0"/>
+              <a:rPr lang="zh-CN" altLang="en-US"/>
               <a:t>第三级</a:t>
             </a:r>
           </a:p>
           <a:p>
             <a:pPr lvl="3"/>
             <a:r>
-              <a:rPr lang="zh-CN" altLang="en-US" smtClean="0"/>
+              <a:rPr lang="zh-CN" altLang="en-US"/>
               <a:t>第四级</a:t>
             </a:r>
           </a:p>
           <a:p>
             <a:pPr lvl="4"/>
             <a:r>
-              <a:rPr lang="zh-CN" altLang="en-US" smtClean="0"/>
+              <a:rPr lang="zh-CN" altLang="en-US"/>
               <a:t>第五级</a:t>
             </a:r>
-            <a:endParaRPr lang="zh-CN" altLang="en-US"/>
           </a:p>
         </p:txBody>
       </p:sp>
@@ -1675,38 +1662,37 @@
           <a:p>
             <a:pPr lvl="0"/>
             <a:r>
-              <a:rPr lang="zh-CN" altLang="en-US" smtClean="0"/>
+              <a:rPr lang="zh-CN" altLang="en-US"/>
               <a:t>单击此处编辑母版文本样式</a:t>
             </a:r>
           </a:p>
           <a:p>
             <a:pPr lvl="1"/>
             <a:r>
-              <a:rPr lang="zh-CN" altLang="en-US" smtClean="0"/>
+              <a:rPr lang="zh-CN" altLang="en-US"/>
               <a:t>第二级</a:t>
             </a:r>
           </a:p>
           <a:p>
             <a:pPr lvl="2"/>
             <a:r>
-              <a:rPr lang="zh-CN" altLang="en-US" smtClean="0"/>
+              <a:rPr lang="zh-CN" altLang="en-US"/>
               <a:t>第三级</a:t>
             </a:r>
           </a:p>
           <a:p>
             <a:pPr lvl="3"/>
             <a:r>
-              <a:rPr lang="zh-CN" altLang="en-US" smtClean="0"/>
+              <a:rPr lang="zh-CN" altLang="en-US"/>
               <a:t>第四级</a:t>
             </a:r>
           </a:p>
           <a:p>
             <a:pPr lvl="4"/>
             <a:r>
-              <a:rPr lang="zh-CN" altLang="en-US" smtClean="0"/>
+              <a:rPr lang="zh-CN" altLang="en-US"/>
               <a:t>第五级</a:t>
             </a:r>
-            <a:endParaRPr lang="zh-CN" altLang="en-US"/>
           </a:p>
         </p:txBody>
       </p:sp>
@@ -1842,10 +1828,9 @@
           <a:lstStyle/>
           <a:p>
             <a:r>
-              <a:rPr lang="zh-CN" altLang="en-US" smtClean="0"/>
+              <a:rPr lang="zh-CN" altLang="en-US"/>
               <a:t>单击此处编辑母版标题样式</a:t>
             </a:r>
-            <a:endParaRPr lang="zh-CN" altLang="en-US"/>
           </a:p>
         </p:txBody>
       </p:sp>
@@ -1866,38 +1851,37 @@
           <a:p>
             <a:pPr lvl="0"/>
             <a:r>
-              <a:rPr lang="zh-CN" altLang="en-US" smtClean="0"/>
+              <a:rPr lang="zh-CN" altLang="en-US"/>
               <a:t>单击此处编辑母版文本样式</a:t>
             </a:r>
           </a:p>
           <a:p>
             <a:pPr lvl="1"/>
             <a:r>
-              <a:rPr lang="zh-CN" altLang="en-US" smtClean="0"/>
+              <a:rPr lang="zh-CN" altLang="en-US"/>
               <a:t>第二级</a:t>
             </a:r>
           </a:p>
           <a:p>
             <a:pPr lvl="2"/>
             <a:r>
-              <a:rPr lang="zh-CN" altLang="en-US" smtClean="0"/>
+              <a:rPr lang="zh-CN" altLang="en-US"/>
               <a:t>第三级</a:t>
             </a:r>
           </a:p>
           <a:p>
             <a:pPr lvl="3"/>
             <a:r>
-              <a:rPr lang="zh-CN" altLang="en-US" smtClean="0"/>
+              <a:rPr lang="zh-CN" altLang="en-US"/>
               <a:t>第四级</a:t>
             </a:r>
           </a:p>
           <a:p>
             <a:pPr lvl="4"/>
             <a:r>
-              <a:rPr lang="zh-CN" altLang="en-US" smtClean="0"/>
+              <a:rPr lang="zh-CN" altLang="en-US"/>
               <a:t>第五级</a:t>
             </a:r>
-            <a:endParaRPr lang="zh-CN" altLang="en-US"/>
           </a:p>
         </p:txBody>
       </p:sp>
@@ -1997,13 +1981,6 @@
   <p:clrMapOvr>
     <a:masterClrMapping/>
   </p:clrMapOvr>
-  <p:timing>
-    <p:tnLst>
-      <p:par>
-        <p:cTn id="1" dur="indefinite" restart="never" nodeType="tmRoot"/>
-      </p:par>
-    </p:tnLst>
-  </p:timing>
 </p:sldLayout>
 </file>
 
@@ -2049,10 +2026,9 @@
           </a:lstStyle>
           <a:p>
             <a:r>
-              <a:rPr lang="zh-CN" altLang="en-US" smtClean="0"/>
+              <a:rPr lang="zh-CN" altLang="en-US"/>
               <a:t>单击此处编辑母版标题样式</a:t>
             </a:r>
-            <a:endParaRPr lang="zh-CN" altLang="en-US"/>
           </a:p>
         </p:txBody>
       </p:sp>
@@ -2115,7 +2091,7 @@
           <a:p>
             <a:pPr lvl="0"/>
             <a:r>
-              <a:rPr lang="zh-CN" altLang="en-US" smtClean="0"/>
+              <a:rPr lang="zh-CN" altLang="en-US"/>
               <a:t>单击此处编辑母版文本样式</a:t>
             </a:r>
           </a:p>
@@ -2253,10 +2229,9 @@
           <a:lstStyle/>
           <a:p>
             <a:r>
-              <a:rPr lang="zh-CN" altLang="en-US" smtClean="0"/>
+              <a:rPr lang="zh-CN" altLang="en-US"/>
               <a:t>单击此处编辑母版标题样式</a:t>
             </a:r>
-            <a:endParaRPr lang="zh-CN" altLang="en-US"/>
           </a:p>
         </p:txBody>
       </p:sp>
@@ -2310,38 +2285,37 @@
           <a:p>
             <a:pPr lvl="0"/>
             <a:r>
-              <a:rPr lang="zh-CN" altLang="en-US" smtClean="0"/>
+              <a:rPr lang="zh-CN" altLang="en-US"/>
               <a:t>单击此处编辑母版文本样式</a:t>
             </a:r>
           </a:p>
           <a:p>
             <a:pPr lvl="1"/>
             <a:r>
-              <a:rPr lang="zh-CN" altLang="en-US" smtClean="0"/>
+              <a:rPr lang="zh-CN" altLang="en-US"/>
               <a:t>第二级</a:t>
             </a:r>
           </a:p>
           <a:p>
             <a:pPr lvl="2"/>
             <a:r>
-              <a:rPr lang="zh-CN" altLang="en-US" smtClean="0"/>
+              <a:rPr lang="zh-CN" altLang="en-US"/>
               <a:t>第三级</a:t>
             </a:r>
           </a:p>
           <a:p>
             <a:pPr lvl="3"/>
             <a:r>
-              <a:rPr lang="zh-CN" altLang="en-US" smtClean="0"/>
+              <a:rPr lang="zh-CN" altLang="en-US"/>
               <a:t>第四级</a:t>
             </a:r>
           </a:p>
           <a:p>
             <a:pPr lvl="4"/>
             <a:r>
-              <a:rPr lang="zh-CN" altLang="en-US" smtClean="0"/>
+              <a:rPr lang="zh-CN" altLang="en-US"/>
               <a:t>第五级</a:t>
             </a:r>
-            <a:endParaRPr lang="zh-CN" altLang="en-US"/>
           </a:p>
         </p:txBody>
       </p:sp>
@@ -2395,38 +2369,37 @@
           <a:p>
             <a:pPr lvl="0"/>
             <a:r>
-              <a:rPr lang="zh-CN" altLang="en-US" smtClean="0"/>
+              <a:rPr lang="zh-CN" altLang="en-US"/>
               <a:t>单击此处编辑母版文本样式</a:t>
             </a:r>
           </a:p>
           <a:p>
             <a:pPr lvl="1"/>
             <a:r>
-              <a:rPr lang="zh-CN" altLang="en-US" smtClean="0"/>
+              <a:rPr lang="zh-CN" altLang="en-US"/>
               <a:t>第二级</a:t>
             </a:r>
           </a:p>
           <a:p>
             <a:pPr lvl="2"/>
             <a:r>
-              <a:rPr lang="zh-CN" altLang="en-US" smtClean="0"/>
+              <a:rPr lang="zh-CN" altLang="en-US"/>
               <a:t>第三级</a:t>
             </a:r>
           </a:p>
           <a:p>
             <a:pPr lvl="3"/>
             <a:r>
-              <a:rPr lang="zh-CN" altLang="en-US" smtClean="0"/>
+              <a:rPr lang="zh-CN" altLang="en-US"/>
               <a:t>第四级</a:t>
             </a:r>
           </a:p>
           <a:p>
             <a:pPr lvl="4"/>
             <a:r>
-              <a:rPr lang="zh-CN" altLang="en-US" smtClean="0"/>
+              <a:rPr lang="zh-CN" altLang="en-US"/>
               <a:t>第五级</a:t>
             </a:r>
-            <a:endParaRPr lang="zh-CN" altLang="en-US"/>
           </a:p>
         </p:txBody>
       </p:sp>
@@ -2571,10 +2544,9 @@
           </a:lstStyle>
           <a:p>
             <a:r>
-              <a:rPr lang="zh-CN" altLang="en-US" smtClean="0"/>
+              <a:rPr lang="zh-CN" altLang="en-US"/>
               <a:t>单击此处编辑母版标题样式</a:t>
             </a:r>
-            <a:endParaRPr lang="zh-CN" altLang="en-US"/>
           </a:p>
         </p:txBody>
       </p:sp>
@@ -2637,7 +2609,7 @@
           <a:p>
             <a:pPr lvl="0"/>
             <a:r>
-              <a:rPr lang="zh-CN" altLang="en-US" smtClean="0"/>
+              <a:rPr lang="zh-CN" altLang="en-US"/>
               <a:t>单击此处编辑母版文本样式</a:t>
             </a:r>
           </a:p>
@@ -2693,38 +2665,37 @@
           <a:p>
             <a:pPr lvl="0"/>
             <a:r>
-              <a:rPr lang="zh-CN" altLang="en-US" smtClean="0"/>
+              <a:rPr lang="zh-CN" altLang="en-US"/>
               <a:t>单击此处编辑母版文本样式</a:t>
             </a:r>
           </a:p>
           <a:p>
             <a:pPr lvl="1"/>
             <a:r>
-              <a:rPr lang="zh-CN" altLang="en-US" smtClean="0"/>
+              <a:rPr lang="zh-CN" altLang="en-US"/>
               <a:t>第二级</a:t>
             </a:r>
           </a:p>
           <a:p>
             <a:pPr lvl="2"/>
             <a:r>
-              <a:rPr lang="zh-CN" altLang="en-US" smtClean="0"/>
+              <a:rPr lang="zh-CN" altLang="en-US"/>
               <a:t>第三级</a:t>
             </a:r>
           </a:p>
           <a:p>
             <a:pPr lvl="3"/>
             <a:r>
-              <a:rPr lang="zh-CN" altLang="en-US" smtClean="0"/>
+              <a:rPr lang="zh-CN" altLang="en-US"/>
               <a:t>第四级</a:t>
             </a:r>
           </a:p>
           <a:p>
             <a:pPr lvl="4"/>
             <a:r>
-              <a:rPr lang="zh-CN" altLang="en-US" smtClean="0"/>
+              <a:rPr lang="zh-CN" altLang="en-US"/>
               <a:t>第五级</a:t>
             </a:r>
-            <a:endParaRPr lang="zh-CN" altLang="en-US"/>
           </a:p>
         </p:txBody>
       </p:sp>
@@ -2787,7 +2758,7 @@
           <a:p>
             <a:pPr lvl="0"/>
             <a:r>
-              <a:rPr lang="zh-CN" altLang="en-US" smtClean="0"/>
+              <a:rPr lang="zh-CN" altLang="en-US"/>
               <a:t>单击此处编辑母版文本样式</a:t>
             </a:r>
           </a:p>
@@ -2843,38 +2814,37 @@
           <a:p>
             <a:pPr lvl="0"/>
             <a:r>
-              <a:rPr lang="zh-CN" altLang="en-US" smtClean="0"/>
+              <a:rPr lang="zh-CN" altLang="en-US"/>
               <a:t>单击此处编辑母版文本样式</a:t>
             </a:r>
           </a:p>
           <a:p>
             <a:pPr lvl="1"/>
             <a:r>
-              <a:rPr lang="zh-CN" altLang="en-US" smtClean="0"/>
+              <a:rPr lang="zh-CN" altLang="en-US"/>
               <a:t>第二级</a:t>
             </a:r>
           </a:p>
           <a:p>
             <a:pPr lvl="2"/>
             <a:r>
-              <a:rPr lang="zh-CN" altLang="en-US" smtClean="0"/>
+              <a:rPr lang="zh-CN" altLang="en-US"/>
               <a:t>第三级</a:t>
             </a:r>
           </a:p>
           <a:p>
             <a:pPr lvl="3"/>
             <a:r>
-              <a:rPr lang="zh-CN" altLang="en-US" smtClean="0"/>
+              <a:rPr lang="zh-CN" altLang="en-US"/>
               <a:t>第四级</a:t>
             </a:r>
           </a:p>
           <a:p>
             <a:pPr lvl="4"/>
             <a:r>
-              <a:rPr lang="zh-CN" altLang="en-US" smtClean="0"/>
+              <a:rPr lang="zh-CN" altLang="en-US"/>
               <a:t>第五级</a:t>
             </a:r>
-            <a:endParaRPr lang="zh-CN" altLang="en-US"/>
           </a:p>
         </p:txBody>
       </p:sp>
@@ -3010,10 +2980,9 @@
           <a:lstStyle/>
           <a:p>
             <a:r>
-              <a:rPr lang="zh-CN" altLang="en-US" smtClean="0"/>
+              <a:rPr lang="zh-CN" altLang="en-US"/>
               <a:t>单击此处编辑母版标题样式</a:t>
             </a:r>
-            <a:endParaRPr lang="zh-CN" altLang="en-US"/>
           </a:p>
         </p:txBody>
       </p:sp>
@@ -3274,10 +3243,9 @@
           </a:lstStyle>
           <a:p>
             <a:r>
-              <a:rPr lang="zh-CN" altLang="en-US" smtClean="0"/>
+              <a:rPr lang="zh-CN" altLang="en-US"/>
               <a:t>单击此处编辑母版标题样式</a:t>
             </a:r>
-            <a:endParaRPr lang="zh-CN" altLang="en-US"/>
           </a:p>
         </p:txBody>
       </p:sp>
@@ -3331,38 +3299,37 @@
           <a:p>
             <a:pPr lvl="0"/>
             <a:r>
-              <a:rPr lang="zh-CN" altLang="en-US" smtClean="0"/>
+              <a:rPr lang="zh-CN" altLang="en-US"/>
               <a:t>单击此处编辑母版文本样式</a:t>
             </a:r>
           </a:p>
           <a:p>
             <a:pPr lvl="1"/>
             <a:r>
-              <a:rPr lang="zh-CN" altLang="en-US" smtClean="0"/>
+              <a:rPr lang="zh-CN" altLang="en-US"/>
               <a:t>第二级</a:t>
             </a:r>
           </a:p>
           <a:p>
             <a:pPr lvl="2"/>
             <a:r>
-              <a:rPr lang="zh-CN" altLang="en-US" smtClean="0"/>
+              <a:rPr lang="zh-CN" altLang="en-US"/>
               <a:t>第三级</a:t>
             </a:r>
           </a:p>
           <a:p>
             <a:pPr lvl="3"/>
             <a:r>
-              <a:rPr lang="zh-CN" altLang="en-US" smtClean="0"/>
+              <a:rPr lang="zh-CN" altLang="en-US"/>
               <a:t>第四级</a:t>
             </a:r>
           </a:p>
           <a:p>
             <a:pPr lvl="4"/>
             <a:r>
-              <a:rPr lang="zh-CN" altLang="en-US" smtClean="0"/>
+              <a:rPr lang="zh-CN" altLang="en-US"/>
               <a:t>第五级</a:t>
             </a:r>
-            <a:endParaRPr lang="zh-CN" altLang="en-US"/>
           </a:p>
         </p:txBody>
       </p:sp>
@@ -3425,7 +3392,7 @@
           <a:p>
             <a:pPr lvl="0"/>
             <a:r>
-              <a:rPr lang="zh-CN" altLang="en-US" smtClean="0"/>
+              <a:rPr lang="zh-CN" altLang="en-US"/>
               <a:t>单击此处编辑母版文本样式</a:t>
             </a:r>
           </a:p>
@@ -3572,10 +3539,9 @@
           </a:lstStyle>
           <a:p>
             <a:r>
-              <a:rPr lang="zh-CN" altLang="en-US" smtClean="0"/>
+              <a:rPr lang="zh-CN" altLang="en-US"/>
               <a:t>单击此处编辑母版标题样式</a:t>
             </a:r>
-            <a:endParaRPr lang="zh-CN" altLang="en-US"/>
           </a:p>
         </p:txBody>
       </p:sp>
@@ -3637,7 +3603,7 @@
           </a:lstStyle>
           <a:p>
             <a:pPr lvl="0"/>
-            <a:endParaRPr lang="zh-CN" altLang="en-US" noProof="0" smtClean="0"/>
+            <a:endParaRPr lang="zh-CN" altLang="en-US" noProof="0"/>
           </a:p>
         </p:txBody>
       </p:sp>
@@ -3700,7 +3666,7 @@
           <a:p>
             <a:pPr lvl="0"/>
             <a:r>
-              <a:rPr lang="zh-CN" altLang="en-US" smtClean="0"/>
+              <a:rPr lang="zh-CN" altLang="en-US"/>
               <a:t>单击此处编辑母版文本样式</a:t>
             </a:r>
           </a:p>
@@ -3886,7 +3852,7 @@
           <a:p>
             <a:pPr lvl="0"/>
             <a:r>
-              <a:rPr lang="zh-CN" altLang="en-US" smtClean="0"/>
+              <a:rPr lang="zh-CN" altLang="en-US"/>
               <a:t>标题标题标题</a:t>
             </a:r>
           </a:p>
@@ -3944,25 +3910,25 @@
           <a:p>
             <a:pPr lvl="0"/>
             <a:r>
-              <a:rPr lang="en-US" altLang="zh-CN" smtClean="0"/>
+              <a:rPr lang="en-US" altLang="zh-CN"/>
               <a:t> </a:t>
             </a:r>
             <a:r>
-              <a:rPr lang="zh-CN" altLang="en-US" smtClean="0"/>
+              <a:rPr lang="zh-CN" altLang="en-US"/>
               <a:t>第一级</a:t>
             </a:r>
           </a:p>
           <a:p>
             <a:pPr lvl="1"/>
             <a:r>
-              <a:rPr lang="zh-CN" altLang="en-US" smtClean="0"/>
+              <a:rPr lang="zh-CN" altLang="en-US"/>
               <a:t> 第二级</a:t>
             </a:r>
           </a:p>
           <a:p>
             <a:pPr lvl="2"/>
             <a:r>
-              <a:rPr lang="zh-CN" altLang="en-US" smtClean="0"/>
+              <a:rPr lang="zh-CN" altLang="en-US"/>
               <a:t> 第三级</a:t>
             </a:r>
           </a:p>
@@ -4278,13 +4244,6 @@
     <p:sldLayoutId id="2147483905" r:id="rId11"/>
     <p:sldLayoutId id="2147483906" r:id="rId12"/>
   </p:sldLayoutIdLst>
-  <p:timing>
-    <p:tnLst>
-      <p:par>
-        <p:cTn id="1" dur="indefinite" restart="never" nodeType="tmRoot"/>
-      </p:par>
-    </p:tnLst>
-  </p:timing>
   <p:txStyles>
     <p:titleStyle>
       <a:lvl1pPr algn="l" rtl="0" eaLnBrk="0" fontAlgn="base" hangingPunct="0">
@@ -4732,7 +4691,7 @@
               <a:defRPr/>
             </a:pPr>
             <a:r>
-              <a:rPr lang="en-US" altLang="zh-CN" b="1" dirty="0" smtClean="0">
+              <a:rPr lang="en-US" altLang="zh-CN" b="1" dirty="0">
                 <a:solidFill>
                   <a:srgbClr val="FF6600"/>
                 </a:solidFill>
@@ -4740,11 +4699,11 @@
               <a:t>D</a:t>
             </a:r>
             <a:r>
-              <a:rPr lang="en-US" altLang="zh-CN" b="1" dirty="0" smtClean="0"/>
+              <a:rPr lang="en-US" altLang="zh-CN" b="1" dirty="0"/>
               <a:t>esign </a:t>
             </a:r>
             <a:r>
-              <a:rPr lang="en-US" altLang="zh-CN" b="1" dirty="0" smtClean="0">
+              <a:rPr lang="en-US" altLang="zh-CN" b="1" dirty="0">
                 <a:solidFill>
                   <a:srgbClr val="FF6600"/>
                 </a:solidFill>
@@ -4752,10 +4711,10 @@
               <a:t>P</a:t>
             </a:r>
             <a:r>
-              <a:rPr lang="en-US" altLang="zh-CN" b="1" dirty="0" smtClean="0"/>
+              <a:rPr lang="en-US" altLang="zh-CN" b="1" dirty="0"/>
               <a:t>atterns</a:t>
             </a:r>
-            <a:endParaRPr lang="zh-CN" altLang="en-US" b="1" dirty="0" smtClean="0">
+            <a:endParaRPr lang="zh-CN" altLang="en-US" b="1" dirty="0">
               <a:effectLst>
                 <a:outerShdw blurRad="38100" dist="38100" dir="2700000" algn="tl">
                   <a:srgbClr val="C0C0C0"/>
@@ -4789,7 +4748,7 @@
               <a:defRPr/>
             </a:pPr>
             <a:r>
-              <a:rPr lang="zh-CN" altLang="en-US" sz="4800" b="1" dirty="0" smtClean="0"/>
+              <a:rPr lang="zh-CN" altLang="en-US" sz="4800" b="1" dirty="0"/>
               <a:t>面向对象设计原则</a:t>
             </a:r>
           </a:p>
@@ -5054,13 +5013,6 @@
   <p:clrMapOvr>
     <a:masterClrMapping/>
   </p:clrMapOvr>
-  <p:timing>
-    <p:tnLst>
-      <p:par>
-        <p:cTn id="1" dur="indefinite" restart="never" nodeType="tmRoot"/>
-      </p:par>
-    </p:tnLst>
-  </p:timing>
 </p:sld>
 </file>
 
@@ -5103,7 +5055,7 @@
           <a:p>
             <a:pPr eaLnBrk="1" hangingPunct="1"/>
             <a:r>
-              <a:rPr lang="zh-CN" altLang="en-US" smtClean="0"/>
+              <a:rPr lang="zh-CN" altLang="en-US"/>
               <a:t>单一职责原则 </a:t>
             </a:r>
           </a:p>
@@ -5126,20 +5078,20 @@
           <a:p>
             <a:pPr eaLnBrk="1" hangingPunct="1"/>
             <a:r>
-              <a:rPr lang="zh-CN" altLang="en-US" smtClean="0"/>
+              <a:rPr lang="zh-CN" altLang="en-US" dirty="0"/>
               <a:t>单一职责原则实例 </a:t>
             </a:r>
           </a:p>
           <a:p>
             <a:pPr lvl="1" eaLnBrk="1" hangingPunct="1"/>
             <a:r>
-              <a:rPr lang="zh-CN" altLang="en-US" smtClean="0"/>
+              <a:rPr lang="zh-CN" altLang="en-US" dirty="0"/>
               <a:t>实例解析 </a:t>
             </a:r>
           </a:p>
           <a:p>
             <a:pPr lvl="1" eaLnBrk="1" hangingPunct="1"/>
-            <a:endParaRPr lang="en-US" altLang="zh-CN" smtClean="0"/>
+            <a:endParaRPr lang="en-US" altLang="zh-CN" dirty="0"/>
           </a:p>
         </p:txBody>
       </p:sp>
@@ -5207,13 +5159,6 @@
   <p:clrMapOvr>
     <a:masterClrMapping/>
   </p:clrMapOvr>
-  <p:timing>
-    <p:tnLst>
-      <p:par>
-        <p:cTn id="1" dur="indefinite" restart="never" nodeType="tmRoot"/>
-      </p:par>
-    </p:tnLst>
-  </p:timing>
 </p:sld>
 </file>
 
@@ -5256,7 +5201,7 @@
           <a:p>
             <a:pPr eaLnBrk="1" hangingPunct="1"/>
             <a:r>
-              <a:rPr lang="zh-CN" altLang="en-US" smtClean="0"/>
+              <a:rPr lang="zh-CN" altLang="en-US"/>
               <a:t>开闭原则</a:t>
             </a:r>
           </a:p>
@@ -5279,19 +5224,19 @@
           <a:p>
             <a:pPr eaLnBrk="1" hangingPunct="1"/>
             <a:r>
-              <a:rPr lang="zh-CN" altLang="en-US" smtClean="0"/>
+              <a:rPr lang="zh-CN" altLang="en-US" dirty="0"/>
               <a:t>开闭原则定义 </a:t>
             </a:r>
-            <a:endParaRPr lang="zh-CN" altLang="en-US" sz="3600" smtClean="0"/>
+            <a:endParaRPr lang="zh-CN" altLang="en-US" sz="3600" dirty="0"/>
           </a:p>
           <a:p>
             <a:pPr lvl="1" eaLnBrk="1" hangingPunct="1"/>
             <a:r>
-              <a:rPr lang="zh-CN" altLang="en-US" smtClean="0"/>
+              <a:rPr lang="zh-CN" altLang="en-US" dirty="0"/>
               <a:t>开闭原则是</a:t>
             </a:r>
             <a:r>
-              <a:rPr lang="zh-CN" altLang="en-US" smtClean="0">
+              <a:rPr lang="zh-CN" altLang="en-US" dirty="0">
                 <a:solidFill>
                   <a:srgbClr val="FF3300"/>
                 </a:solidFill>
@@ -5299,13 +5244,13 @@
               <a:t>面向对象的可复用设计的第一块基石</a:t>
             </a:r>
             <a:r>
-              <a:rPr lang="zh-CN" altLang="en-US" smtClean="0"/>
+              <a:rPr lang="zh-CN" altLang="en-US" dirty="0"/>
               <a:t>，是最重要的面向对象设计原则</a:t>
             </a:r>
           </a:p>
           <a:p>
             <a:pPr lvl="1" eaLnBrk="1" hangingPunct="1"/>
-            <a:endParaRPr lang="zh-CN" altLang="en-US" smtClean="0"/>
+            <a:endParaRPr lang="zh-CN" altLang="en-US" dirty="0"/>
           </a:p>
         </p:txBody>
       </p:sp>
@@ -5326,7 +5271,13 @@
             <a:tbl>
               <a:tblPr/>
               <a:tblGrid>
-                <a:gridCol w="8229600"/>
+                <a:gridCol w="8229600">
+                  <a:extLst>
+                    <a:ext uri="{9D8B030D-6E8A-4147-A177-3AD203B41FA5}">
+                      <a16:colId xmlns:a16="http://schemas.microsoft.com/office/drawing/2014/main" val="20000"/>
+                    </a:ext>
+                  </a:extLst>
+                </a:gridCol>
               </a:tblGrid>
               <a:tr h="1463675">
                 <a:tc>
@@ -5340,7 +5291,7 @@
                         </a:spcAft>
                       </a:pPr>
                       <a:r>
-                        <a:rPr lang="zh-CN" altLang="en-US" sz="2400" b="1" kern="100" dirty="0" smtClean="0">
+                        <a:rPr lang="zh-CN" altLang="en-US" sz="2400" b="1" kern="100" dirty="0">
                           <a:latin typeface="Times New Roman"/>
                           <a:ea typeface="宋体"/>
                           <a:cs typeface="Times New Roman"/>
@@ -5348,7 +5299,7 @@
                         <a:t>开闭原则：</a:t>
                       </a:r>
                       <a:r>
-                        <a:rPr lang="zh-CN" altLang="en-US" sz="2400" b="0" kern="100" dirty="0" smtClean="0">
+                        <a:rPr lang="zh-CN" altLang="en-US" sz="2400" b="0" kern="100" dirty="0">
                           <a:latin typeface="Times New Roman"/>
                           <a:ea typeface="宋体"/>
                           <a:cs typeface="Times New Roman"/>
@@ -5356,7 +5307,7 @@
                         <a:t>软件实体应当</a:t>
                       </a:r>
                       <a:r>
-                        <a:rPr lang="zh-CN" altLang="en-US" sz="2400" b="1" kern="100" dirty="0" smtClean="0">
+                        <a:rPr lang="zh-CN" altLang="en-US" sz="2400" b="1" kern="100" dirty="0">
                           <a:solidFill>
                             <a:srgbClr val="FF3300"/>
                           </a:solidFill>
@@ -5367,14 +5318,14 @@
                         <a:t>对扩展开放，对修改关闭</a:t>
                       </a:r>
                       <a:r>
-                        <a:rPr lang="zh-CN" altLang="en-US" sz="2400" b="0" kern="100" dirty="0" smtClean="0">
+                        <a:rPr lang="zh-CN" altLang="en-US" sz="2400" b="0" kern="100" dirty="0">
                           <a:latin typeface="Times New Roman"/>
                           <a:ea typeface="宋体"/>
                           <a:cs typeface="Times New Roman"/>
                         </a:rPr>
                         <a:t>。</a:t>
                       </a:r>
-                      <a:endParaRPr lang="en-US" altLang="zh-CN" sz="2400" b="0" kern="100" dirty="0" smtClean="0">
+                      <a:endParaRPr lang="en-US" altLang="zh-CN" sz="2400" b="0" kern="100" dirty="0">
                         <a:latin typeface="Times New Roman"/>
                         <a:ea typeface="宋体"/>
                         <a:cs typeface="Times New Roman"/>
@@ -5386,7 +5337,7 @@
                           <a:spcPts val="0"/>
                         </a:spcAft>
                       </a:pPr>
-                      <a:endParaRPr lang="zh-CN" altLang="en-US" sz="2400" b="1" kern="100" dirty="0" smtClean="0">
+                      <a:endParaRPr lang="zh-CN" altLang="en-US" sz="2400" b="1" kern="100" dirty="0">
                         <a:latin typeface="Times New Roman"/>
                         <a:ea typeface="宋体"/>
                         <a:cs typeface="Times New Roman"/>
@@ -5399,7 +5350,7 @@
                         </a:spcAft>
                       </a:pPr>
                       <a:r>
-                        <a:rPr lang="en-US" altLang="zh-CN" sz="2400" b="1" kern="100" dirty="0" smtClean="0">
+                        <a:rPr lang="en-US" altLang="zh-CN" sz="2400" b="1" kern="100" dirty="0">
                           <a:latin typeface="Times New Roman"/>
                           <a:ea typeface="宋体"/>
                           <a:cs typeface="Times New Roman"/>
@@ -5407,7 +5358,7 @@
                         <a:t>Open-Closed Principle (OCP): </a:t>
                       </a:r>
                       <a:r>
-                        <a:rPr lang="en-US" altLang="zh-CN" sz="2400" b="0" kern="100" dirty="0" smtClean="0">
+                        <a:rPr lang="en-US" altLang="zh-CN" sz="2400" b="0" kern="100" dirty="0">
                           <a:latin typeface="Times New Roman"/>
                           <a:ea typeface="宋体"/>
                           <a:cs typeface="Times New Roman"/>
@@ -5415,7 +5366,7 @@
                         <a:t>Software entities should be </a:t>
                       </a:r>
                       <a:r>
-                        <a:rPr lang="en-US" altLang="zh-CN" sz="2400" b="1" kern="100" dirty="0" smtClean="0">
+                        <a:rPr lang="en-US" altLang="zh-CN" sz="2400" b="1" kern="100" dirty="0">
                           <a:solidFill>
                             <a:srgbClr val="FF3300"/>
                           </a:solidFill>
@@ -5426,7 +5377,7 @@
                         <a:t>open for extension</a:t>
                       </a:r>
                       <a:r>
-                        <a:rPr lang="en-US" altLang="zh-CN" sz="2400" b="0" kern="100" dirty="0" smtClean="0">
+                        <a:rPr lang="en-US" altLang="zh-CN" sz="2400" b="0" kern="100" dirty="0">
                           <a:latin typeface="Times New Roman"/>
                           <a:ea typeface="宋体"/>
                           <a:cs typeface="Times New Roman"/>
@@ -5434,7 +5385,7 @@
                         <a:t>, but </a:t>
                       </a:r>
                       <a:r>
-                        <a:rPr lang="en-US" altLang="zh-CN" sz="2400" b="1" kern="100" dirty="0" smtClean="0">
+                        <a:rPr lang="en-US" altLang="zh-CN" sz="2400" b="1" kern="100" dirty="0">
                           <a:solidFill>
                             <a:srgbClr val="FF3300"/>
                           </a:solidFill>
@@ -5445,7 +5396,7 @@
                         <a:t>closed for modification</a:t>
                       </a:r>
                       <a:r>
-                        <a:rPr lang="en-US" altLang="zh-CN" sz="2400" b="0" kern="100" dirty="0" smtClean="0">
+                        <a:rPr lang="en-US" altLang="zh-CN" sz="2400" b="0" kern="100" dirty="0">
                           <a:latin typeface="Times New Roman"/>
                           <a:ea typeface="宋体"/>
                           <a:cs typeface="Times New Roman"/>
@@ -5498,6 +5449,11 @@
                     </a:solidFill>
                   </a:tcPr>
                 </a:tc>
+                <a:extLst>
+                  <a:ext uri="{0D108BD9-81ED-4DB2-BD59-A6C34878D82A}">
+                    <a16:rowId xmlns:a16="http://schemas.microsoft.com/office/drawing/2014/main" val="10000"/>
+                  </a:ext>
+                </a:extLst>
               </a:tr>
             </a:tbl>
           </a:graphicData>
@@ -5513,13 +5469,6 @@
   <p:clrMapOvr>
     <a:masterClrMapping/>
   </p:clrMapOvr>
-  <p:timing>
-    <p:tnLst>
-      <p:par>
-        <p:cTn id="1" dur="indefinite" restart="never" nodeType="tmRoot"/>
-      </p:par>
-    </p:tnLst>
-  </p:timing>
 </p:sld>
 </file>
 
@@ -5562,7 +5511,7 @@
           <a:p>
             <a:pPr eaLnBrk="1" hangingPunct="1"/>
             <a:r>
-              <a:rPr lang="zh-CN" altLang="en-US" smtClean="0"/>
+              <a:rPr lang="zh-CN" altLang="en-US"/>
               <a:t>开闭原则</a:t>
             </a:r>
           </a:p>
@@ -5590,19 +5539,19 @@
           <a:p>
             <a:pPr eaLnBrk="1" hangingPunct="1"/>
             <a:r>
-              <a:rPr lang="zh-CN" altLang="en-US" smtClean="0"/>
+              <a:rPr lang="zh-CN" altLang="en-US" dirty="0"/>
               <a:t>开闭原则分析 </a:t>
             </a:r>
-            <a:endParaRPr lang="zh-CN" altLang="en-US" sz="3600" smtClean="0"/>
+            <a:endParaRPr lang="zh-CN" altLang="en-US" sz="3600" dirty="0"/>
           </a:p>
           <a:p>
             <a:pPr lvl="1" eaLnBrk="1" hangingPunct="1"/>
             <a:r>
-              <a:rPr lang="zh-CN" altLang="en-US" smtClean="0"/>
+              <a:rPr lang="zh-CN" altLang="en-US" dirty="0"/>
               <a:t>开闭原则由</a:t>
             </a:r>
             <a:r>
-              <a:rPr lang="en-US" altLang="zh-CN" smtClean="0">
+              <a:rPr lang="en-US" altLang="zh-CN" dirty="0">
                 <a:solidFill>
                   <a:srgbClr val="FF3300"/>
                 </a:solidFill>
@@ -5610,26 +5559,26 @@
               <a:t>Bertrand Meyer</a:t>
             </a:r>
             <a:r>
-              <a:rPr lang="zh-CN" altLang="en-US" smtClean="0"/>
+              <a:rPr lang="zh-CN" altLang="en-US" dirty="0"/>
               <a:t>于</a:t>
             </a:r>
             <a:r>
-              <a:rPr lang="en-US" altLang="zh-CN" smtClean="0"/>
+              <a:rPr lang="en-US" altLang="zh-CN" dirty="0"/>
               <a:t>1988</a:t>
             </a:r>
             <a:r>
-              <a:rPr lang="zh-CN" altLang="en-US" smtClean="0"/>
+              <a:rPr lang="zh-CN" altLang="en-US" dirty="0"/>
               <a:t>年提出</a:t>
             </a:r>
           </a:p>
           <a:p>
             <a:pPr lvl="1" eaLnBrk="1" hangingPunct="1"/>
             <a:r>
-              <a:rPr lang="zh-CN" altLang="en-US" smtClean="0"/>
+              <a:rPr lang="zh-CN" altLang="en-US" dirty="0"/>
               <a:t>在开闭原则的定义中，软件实体可以是</a:t>
             </a:r>
             <a:r>
-              <a:rPr lang="zh-CN" altLang="en-US" smtClean="0">
+              <a:rPr lang="zh-CN" altLang="en-US" dirty="0">
                 <a:solidFill>
                   <a:srgbClr val="FF3300"/>
                 </a:solidFill>
@@ -5637,11 +5586,11 @@
               <a:t>一个软件模块</a:t>
             </a:r>
             <a:r>
-              <a:rPr lang="zh-CN" altLang="en-US" smtClean="0"/>
+              <a:rPr lang="zh-CN" altLang="en-US" dirty="0"/>
               <a:t>、</a:t>
             </a:r>
             <a:r>
-              <a:rPr lang="zh-CN" altLang="en-US" smtClean="0">
+              <a:rPr lang="zh-CN" altLang="en-US" dirty="0">
                 <a:solidFill>
                   <a:srgbClr val="FF3300"/>
                 </a:solidFill>
@@ -5649,18 +5598,18 @@
               <a:t>一个由多个类组成的局部结构</a:t>
             </a:r>
             <a:r>
-              <a:rPr lang="zh-CN" altLang="en-US" smtClean="0"/>
+              <a:rPr lang="zh-CN" altLang="en-US" dirty="0"/>
               <a:t>或</a:t>
             </a:r>
             <a:r>
-              <a:rPr lang="zh-CN" altLang="en-US" smtClean="0">
+              <a:rPr lang="zh-CN" altLang="en-US" dirty="0">
                 <a:solidFill>
                   <a:srgbClr val="FF3300"/>
                 </a:solidFill>
               </a:rPr>
               <a:t>一个独立的类</a:t>
             </a:r>
-            <a:endParaRPr lang="en-US" altLang="zh-CN" smtClean="0">
+            <a:endParaRPr lang="en-US" altLang="zh-CN" dirty="0">
               <a:solidFill>
                 <a:srgbClr val="FF3300"/>
               </a:solidFill>
@@ -5669,11 +5618,11 @@
           <a:p>
             <a:pPr lvl="1" eaLnBrk="1" hangingPunct="1"/>
             <a:r>
-              <a:rPr lang="zh-CN" altLang="en-US" smtClean="0"/>
+              <a:rPr lang="zh-CN" altLang="en-US" dirty="0"/>
               <a:t>开闭原则是指</a:t>
             </a:r>
             <a:r>
-              <a:rPr lang="zh-CN" altLang="en-US" smtClean="0">
+              <a:rPr lang="zh-CN" altLang="en-US" dirty="0">
                 <a:solidFill>
                   <a:srgbClr val="FF3300"/>
                 </a:solidFill>
@@ -5683,7 +5632,7 @@
           </a:p>
           <a:p>
             <a:pPr lvl="1" eaLnBrk="1" hangingPunct="1"/>
-            <a:endParaRPr lang="en-US" altLang="zh-CN" smtClean="0"/>
+            <a:endParaRPr lang="en-US" altLang="zh-CN" dirty="0"/>
           </a:p>
         </p:txBody>
       </p:sp>
@@ -5805,13 +5754,6 @@
   <p:clrMapOvr>
     <a:masterClrMapping/>
   </p:clrMapOvr>
-  <p:timing>
-    <p:tnLst>
-      <p:par>
-        <p:cTn id="1" dur="indefinite" restart="never" nodeType="tmRoot"/>
-      </p:par>
-    </p:tnLst>
-  </p:timing>
 </p:sld>
 </file>
 
@@ -5854,7 +5796,7 @@
           <a:p>
             <a:pPr eaLnBrk="1" hangingPunct="1"/>
             <a:r>
-              <a:rPr lang="zh-CN" altLang="en-US" smtClean="0"/>
+              <a:rPr lang="zh-CN" altLang="en-US"/>
               <a:t>开闭原则</a:t>
             </a:r>
           </a:p>
@@ -5882,15 +5824,15 @@
           <a:p>
             <a:pPr eaLnBrk="1" hangingPunct="1"/>
             <a:r>
-              <a:rPr lang="zh-CN" altLang="en-US" smtClean="0"/>
+              <a:rPr lang="zh-CN" altLang="en-US" dirty="0"/>
               <a:t>开闭原则分析 </a:t>
             </a:r>
-            <a:endParaRPr lang="zh-CN" altLang="en-US" sz="3600" smtClean="0"/>
+            <a:endParaRPr lang="zh-CN" altLang="en-US" sz="3600" dirty="0"/>
           </a:p>
           <a:p>
             <a:pPr lvl="1" eaLnBrk="1" hangingPunct="1"/>
             <a:r>
-              <a:rPr lang="zh-CN" altLang="en-US" sz="2600" smtClean="0">
+              <a:rPr lang="zh-CN" altLang="en-US" sz="2600" dirty="0">
                 <a:solidFill>
                   <a:srgbClr val="FF3300"/>
                 </a:solidFill>
@@ -5898,19 +5840,19 @@
               <a:t>抽象化</a:t>
             </a:r>
             <a:r>
-              <a:rPr lang="zh-CN" altLang="en-US" sz="2600" smtClean="0"/>
+              <a:rPr lang="zh-CN" altLang="en-US" sz="2600" dirty="0"/>
               <a:t>是开闭原则的关键</a:t>
             </a:r>
-            <a:endParaRPr lang="en-US" altLang="zh-CN" sz="2600" smtClean="0"/>
+            <a:endParaRPr lang="en-US" altLang="zh-CN" sz="2600" dirty="0"/>
           </a:p>
           <a:p>
             <a:pPr lvl="1" eaLnBrk="1" hangingPunct="1"/>
             <a:r>
-              <a:rPr lang="zh-CN" altLang="en-US" sz="2600" smtClean="0"/>
+              <a:rPr lang="zh-CN" altLang="en-US" sz="2600" dirty="0"/>
               <a:t>相对稳定的</a:t>
             </a:r>
             <a:r>
-              <a:rPr lang="zh-CN" altLang="en-US" sz="2600" smtClean="0">
+              <a:rPr lang="zh-CN" altLang="en-US" sz="2600" dirty="0">
                 <a:solidFill>
                   <a:srgbClr val="FF3300"/>
                 </a:solidFill>
@@ -5918,15 +5860,15 @@
               <a:t>抽象层 </a:t>
             </a:r>
             <a:r>
-              <a:rPr lang="en-US" altLang="zh-CN" sz="2600" smtClean="0"/>
+              <a:rPr lang="en-US" altLang="zh-CN" sz="2600" dirty="0"/>
               <a:t>+ </a:t>
             </a:r>
             <a:r>
-              <a:rPr lang="zh-CN" altLang="en-US" sz="2600" smtClean="0"/>
+              <a:rPr lang="zh-CN" altLang="en-US" sz="2600" dirty="0"/>
               <a:t>灵活的</a:t>
             </a:r>
             <a:r>
-              <a:rPr lang="zh-CN" altLang="en-US" sz="2600" smtClean="0">
+              <a:rPr lang="zh-CN" altLang="en-US" sz="2600" dirty="0">
                 <a:solidFill>
                   <a:srgbClr val="FF3300"/>
                 </a:solidFill>
@@ -5937,7 +5879,7 @@
           <a:p>
             <a:pPr lvl="1" eaLnBrk="1" hangingPunct="1"/>
             <a:r>
-              <a:rPr lang="zh-CN" altLang="en-US" sz="2600" smtClean="0">
+              <a:rPr lang="zh-CN" altLang="en-US" sz="2600" dirty="0">
                 <a:solidFill>
                   <a:srgbClr val="FF3300"/>
                 </a:solidFill>
@@ -5945,7 +5887,7 @@
               <a:t>对可变性封装原则</a:t>
             </a:r>
             <a:r>
-              <a:rPr lang="en-US" altLang="zh-CN" sz="2600" smtClean="0">
+              <a:rPr lang="en-US" altLang="zh-CN" sz="2600" dirty="0">
                 <a:solidFill>
                   <a:srgbClr val="FF3300"/>
                 </a:solidFill>
@@ -5953,10 +5895,10 @@
               <a:t>(Principle of Encapsulation of Variation, EVP)</a:t>
             </a:r>
             <a:r>
-              <a:rPr lang="zh-CN" altLang="en-US" sz="2600" smtClean="0"/>
+              <a:rPr lang="zh-CN" altLang="en-US" sz="2600" dirty="0"/>
               <a:t>：找到系统的可变因素并将其封装起来</a:t>
             </a:r>
-            <a:endParaRPr lang="zh-CN" altLang="en-US" smtClean="0"/>
+            <a:endParaRPr lang="zh-CN" altLang="en-US" dirty="0"/>
           </a:p>
         </p:txBody>
       </p:sp>
@@ -5970,13 +5912,6 @@
   <p:clrMapOvr>
     <a:masterClrMapping/>
   </p:clrMapOvr>
-  <p:timing>
-    <p:tnLst>
-      <p:par>
-        <p:cTn id="1" dur="indefinite" restart="never" nodeType="tmRoot"/>
-      </p:par>
-    </p:tnLst>
-  </p:timing>
 </p:sld>
 </file>
 
@@ -6019,7 +5954,7 @@
           <a:p>
             <a:pPr eaLnBrk="1" hangingPunct="1"/>
             <a:r>
-              <a:rPr lang="zh-CN" altLang="en-US" smtClean="0"/>
+              <a:rPr lang="zh-CN" altLang="en-US"/>
               <a:t>里氏代换原则</a:t>
             </a:r>
           </a:p>
@@ -6042,14 +5977,14 @@
           <a:p>
             <a:pPr eaLnBrk="1" hangingPunct="1"/>
             <a:r>
-              <a:rPr lang="zh-CN" altLang="en-US" smtClean="0"/>
+              <a:rPr lang="zh-CN" altLang="en-US" dirty="0"/>
               <a:t>里氏代换原则定义 </a:t>
             </a:r>
-            <a:endParaRPr lang="zh-CN" altLang="en-US" sz="3600" smtClean="0"/>
+            <a:endParaRPr lang="zh-CN" altLang="en-US" sz="3600" dirty="0"/>
           </a:p>
           <a:p>
             <a:pPr lvl="1" eaLnBrk="1" hangingPunct="1"/>
-            <a:endParaRPr lang="zh-CN" altLang="en-US" smtClean="0"/>
+            <a:endParaRPr lang="zh-CN" altLang="en-US" dirty="0"/>
           </a:p>
         </p:txBody>
       </p:sp>
@@ -6070,7 +6005,13 @@
             <a:tbl>
               <a:tblPr/>
               <a:tblGrid>
-                <a:gridCol w="8229600"/>
+                <a:gridCol w="8229600">
+                  <a:extLst>
+                    <a:ext uri="{9D8B030D-6E8A-4147-A177-3AD203B41FA5}">
+                      <a16:colId xmlns:a16="http://schemas.microsoft.com/office/drawing/2014/main" val="20000"/>
+                    </a:ext>
+                  </a:extLst>
+                </a:gridCol>
               </a:tblGrid>
               <a:tr h="3292475">
                 <a:tc>
@@ -6084,7 +6025,7 @@
                         </a:spcAft>
                       </a:pPr>
                       <a:r>
-                        <a:rPr lang="zh-CN" altLang="en-US" sz="2400" b="1" kern="100" dirty="0" smtClean="0">
+                        <a:rPr lang="zh-CN" altLang="en-US" sz="2400" b="1" kern="100" dirty="0">
                           <a:latin typeface="Times New Roman" pitchFamily="18" charset="0"/>
                           <a:ea typeface="宋体"/>
                           <a:cs typeface="Times New Roman" pitchFamily="18" charset="0"/>
@@ -6092,7 +6033,7 @@
                         <a:t>里氏代换原则：</a:t>
                       </a:r>
                       <a:r>
-                        <a:rPr lang="zh-CN" altLang="en-US" sz="2400" b="0" kern="100" dirty="0" smtClean="0">
+                        <a:rPr lang="zh-CN" altLang="en-US" sz="2400" b="0" kern="100" dirty="0">
                           <a:latin typeface="Times New Roman" pitchFamily="18" charset="0"/>
                           <a:ea typeface="宋体"/>
                           <a:cs typeface="Times New Roman" pitchFamily="18" charset="0"/>
@@ -6100,7 +6041,7 @@
                         <a:t>如果对每一个类型为</a:t>
                       </a:r>
                       <a:r>
-                        <a:rPr lang="en-US" altLang="zh-CN" sz="2400" b="0" kern="100" dirty="0" smtClean="0">
+                        <a:rPr lang="en-US" altLang="zh-CN" sz="2400" b="0" kern="100" dirty="0">
                           <a:latin typeface="Times New Roman" pitchFamily="18" charset="0"/>
                           <a:ea typeface="宋体"/>
                           <a:cs typeface="Times New Roman" pitchFamily="18" charset="0"/>
@@ -6108,7 +6049,7 @@
                         <a:t>S</a:t>
                       </a:r>
                       <a:r>
-                        <a:rPr lang="zh-CN" altLang="en-US" sz="2400" b="0" kern="100" dirty="0" smtClean="0">
+                        <a:rPr lang="zh-CN" altLang="en-US" sz="2400" b="0" kern="100" dirty="0">
                           <a:latin typeface="Times New Roman" pitchFamily="18" charset="0"/>
                           <a:ea typeface="宋体"/>
                           <a:cs typeface="Times New Roman" pitchFamily="18" charset="0"/>
@@ -6116,7 +6057,7 @@
                         <a:t>的对象</a:t>
                       </a:r>
                       <a:r>
-                        <a:rPr lang="en-US" altLang="zh-CN" sz="2400" b="0" kern="100" dirty="0" smtClean="0">
+                        <a:rPr lang="en-US" altLang="zh-CN" sz="2400" b="0" kern="100" dirty="0">
                           <a:latin typeface="Times New Roman" pitchFamily="18" charset="0"/>
                           <a:ea typeface="宋体"/>
                           <a:cs typeface="Times New Roman" pitchFamily="18" charset="0"/>
@@ -6124,7 +6065,7 @@
                         <a:t>o1</a:t>
                       </a:r>
                       <a:r>
-                        <a:rPr lang="zh-CN" altLang="en-US" sz="2400" b="0" kern="100" dirty="0" smtClean="0">
+                        <a:rPr lang="zh-CN" altLang="en-US" sz="2400" b="0" kern="100" dirty="0">
                           <a:latin typeface="Times New Roman" pitchFamily="18" charset="0"/>
                           <a:ea typeface="宋体"/>
                           <a:cs typeface="Times New Roman" pitchFamily="18" charset="0"/>
@@ -6132,7 +6073,7 @@
                         <a:t>，都有类型为</a:t>
                       </a:r>
                       <a:r>
-                        <a:rPr lang="en-US" altLang="zh-CN" sz="2400" b="0" kern="100" dirty="0" smtClean="0">
+                        <a:rPr lang="en-US" altLang="zh-CN" sz="2400" b="0" kern="100" dirty="0">
                           <a:latin typeface="Times New Roman" pitchFamily="18" charset="0"/>
                           <a:ea typeface="宋体"/>
                           <a:cs typeface="Times New Roman" pitchFamily="18" charset="0"/>
@@ -6140,7 +6081,7 @@
                         <a:t>T</a:t>
                       </a:r>
                       <a:r>
-                        <a:rPr lang="zh-CN" altLang="en-US" sz="2400" b="0" kern="100" dirty="0" smtClean="0">
+                        <a:rPr lang="zh-CN" altLang="en-US" sz="2400" b="0" kern="100" dirty="0">
                           <a:latin typeface="Times New Roman" pitchFamily="18" charset="0"/>
                           <a:ea typeface="宋体"/>
                           <a:cs typeface="Times New Roman" pitchFamily="18" charset="0"/>
@@ -6148,7 +6089,7 @@
                         <a:t>的对象</a:t>
                       </a:r>
                       <a:r>
-                        <a:rPr lang="en-US" altLang="zh-CN" sz="2400" b="0" kern="100" dirty="0" smtClean="0">
+                        <a:rPr lang="en-US" altLang="zh-CN" sz="2400" b="0" kern="100" dirty="0">
                           <a:latin typeface="Times New Roman" pitchFamily="18" charset="0"/>
                           <a:ea typeface="宋体"/>
                           <a:cs typeface="Times New Roman" pitchFamily="18" charset="0"/>
@@ -6156,7 +6097,7 @@
                         <a:t>o2</a:t>
                       </a:r>
                       <a:r>
-                        <a:rPr lang="zh-CN" altLang="en-US" sz="2400" b="0" kern="100" dirty="0" smtClean="0">
+                        <a:rPr lang="zh-CN" altLang="en-US" sz="2400" b="0" kern="100" dirty="0">
                           <a:latin typeface="Times New Roman" pitchFamily="18" charset="0"/>
                           <a:ea typeface="宋体"/>
                           <a:cs typeface="Times New Roman" pitchFamily="18" charset="0"/>
@@ -6164,7 +6105,7 @@
                         <a:t>，使得以</a:t>
                       </a:r>
                       <a:r>
-                        <a:rPr lang="en-US" altLang="zh-CN" sz="2400" b="0" kern="100" dirty="0" smtClean="0">
+                        <a:rPr lang="en-US" altLang="zh-CN" sz="2400" b="0" kern="100" dirty="0">
                           <a:latin typeface="Times New Roman" pitchFamily="18" charset="0"/>
                           <a:ea typeface="宋体"/>
                           <a:cs typeface="Times New Roman" pitchFamily="18" charset="0"/>
@@ -6172,7 +6113,7 @@
                         <a:t>T</a:t>
                       </a:r>
                       <a:r>
-                        <a:rPr lang="zh-CN" altLang="en-US" sz="2400" b="0" kern="100" dirty="0" smtClean="0">
+                        <a:rPr lang="zh-CN" altLang="en-US" sz="2400" b="0" kern="100" dirty="0">
                           <a:latin typeface="Times New Roman" pitchFamily="18" charset="0"/>
                           <a:ea typeface="宋体"/>
                           <a:cs typeface="Times New Roman" pitchFamily="18" charset="0"/>
@@ -6180,7 +6121,7 @@
                         <a:t>定义的所有程序</a:t>
                       </a:r>
                       <a:r>
-                        <a:rPr lang="en-US" altLang="zh-CN" sz="2400" b="0" kern="100" dirty="0" smtClean="0">
+                        <a:rPr lang="en-US" altLang="zh-CN" sz="2400" b="0" kern="100" dirty="0">
                           <a:latin typeface="Times New Roman" pitchFamily="18" charset="0"/>
                           <a:ea typeface="宋体"/>
                           <a:cs typeface="Times New Roman" pitchFamily="18" charset="0"/>
@@ -6188,7 +6129,7 @@
                         <a:t>P</a:t>
                       </a:r>
                       <a:r>
-                        <a:rPr lang="zh-CN" altLang="en-US" sz="2400" b="0" kern="100" dirty="0" smtClean="0">
+                        <a:rPr lang="zh-CN" altLang="en-US" sz="2400" b="0" kern="100" dirty="0">
                           <a:latin typeface="Times New Roman" pitchFamily="18" charset="0"/>
                           <a:ea typeface="宋体"/>
                           <a:cs typeface="Times New Roman" pitchFamily="18" charset="0"/>
@@ -6196,7 +6137,7 @@
                         <a:t>在所有的对象</a:t>
                       </a:r>
                       <a:r>
-                        <a:rPr lang="en-US" altLang="zh-CN" sz="2400" b="0" kern="100" dirty="0" smtClean="0">
+                        <a:rPr lang="en-US" altLang="zh-CN" sz="2400" b="0" kern="100" dirty="0">
                           <a:latin typeface="Times New Roman" pitchFamily="18" charset="0"/>
                           <a:ea typeface="宋体"/>
                           <a:cs typeface="Times New Roman" pitchFamily="18" charset="0"/>
@@ -6204,7 +6145,7 @@
                         <a:t>o1</a:t>
                       </a:r>
                       <a:r>
-                        <a:rPr lang="zh-CN" altLang="en-US" sz="2400" b="0" kern="100" dirty="0" smtClean="0">
+                        <a:rPr lang="zh-CN" altLang="en-US" sz="2400" b="0" kern="100" dirty="0">
                           <a:latin typeface="Times New Roman" pitchFamily="18" charset="0"/>
                           <a:ea typeface="宋体"/>
                           <a:cs typeface="Times New Roman" pitchFamily="18" charset="0"/>
@@ -6212,7 +6153,7 @@
                         <a:t>都代换</a:t>
                       </a:r>
                       <a:r>
-                        <a:rPr lang="en-US" altLang="zh-CN" sz="2400" b="0" kern="100" dirty="0" smtClean="0">
+                        <a:rPr lang="en-US" altLang="zh-CN" sz="2400" b="0" kern="100" dirty="0">
                           <a:latin typeface="Times New Roman" pitchFamily="18" charset="0"/>
                           <a:ea typeface="宋体"/>
                           <a:cs typeface="Times New Roman" pitchFamily="18" charset="0"/>
@@ -6220,7 +6161,7 @@
                         <a:t>o2</a:t>
                       </a:r>
                       <a:r>
-                        <a:rPr lang="zh-CN" altLang="en-US" sz="2400" b="0" kern="100" dirty="0" smtClean="0">
+                        <a:rPr lang="zh-CN" altLang="en-US" sz="2400" b="0" kern="100" dirty="0">
                           <a:latin typeface="Times New Roman" pitchFamily="18" charset="0"/>
                           <a:ea typeface="宋体"/>
                           <a:cs typeface="Times New Roman" pitchFamily="18" charset="0"/>
@@ -6228,7 +6169,7 @@
                         <a:t>时，程序</a:t>
                       </a:r>
                       <a:r>
-                        <a:rPr lang="en-US" altLang="zh-CN" sz="2400" b="0" kern="100" dirty="0" smtClean="0">
+                        <a:rPr lang="en-US" altLang="zh-CN" sz="2400" b="0" kern="100" dirty="0">
                           <a:latin typeface="Times New Roman" pitchFamily="18" charset="0"/>
                           <a:ea typeface="宋体"/>
                           <a:cs typeface="Times New Roman" pitchFamily="18" charset="0"/>
@@ -6236,7 +6177,7 @@
                         <a:t>P</a:t>
                       </a:r>
                       <a:r>
-                        <a:rPr lang="zh-CN" altLang="en-US" sz="2400" b="0" kern="100" dirty="0" smtClean="0">
+                        <a:rPr lang="zh-CN" altLang="en-US" sz="2400" b="0" kern="100" dirty="0">
                           <a:latin typeface="Times New Roman" pitchFamily="18" charset="0"/>
                           <a:ea typeface="宋体"/>
                           <a:cs typeface="Times New Roman" pitchFamily="18" charset="0"/>
@@ -6244,7 +6185,7 @@
                         <a:t>的行为没有变化，那么类型</a:t>
                       </a:r>
                       <a:r>
-                        <a:rPr lang="en-US" altLang="zh-CN" sz="2400" b="0" kern="100" dirty="0" smtClean="0">
+                        <a:rPr lang="en-US" altLang="zh-CN" sz="2400" b="0" kern="100" dirty="0">
                           <a:latin typeface="Times New Roman" pitchFamily="18" charset="0"/>
                           <a:ea typeface="宋体"/>
                           <a:cs typeface="Times New Roman" pitchFamily="18" charset="0"/>
@@ -6252,7 +6193,7 @@
                         <a:t>S</a:t>
                       </a:r>
                       <a:r>
-                        <a:rPr lang="zh-CN" altLang="en-US" sz="2400" b="0" kern="100" dirty="0" smtClean="0">
+                        <a:rPr lang="zh-CN" altLang="en-US" sz="2400" b="0" kern="100" dirty="0">
                           <a:latin typeface="Times New Roman" pitchFamily="18" charset="0"/>
                           <a:ea typeface="宋体"/>
                           <a:cs typeface="Times New Roman" pitchFamily="18" charset="0"/>
@@ -6260,7 +6201,7 @@
                         <a:t>是类型</a:t>
                       </a:r>
                       <a:r>
-                        <a:rPr lang="en-US" altLang="zh-CN" sz="2400" b="0" kern="100" dirty="0" smtClean="0">
+                        <a:rPr lang="en-US" altLang="zh-CN" sz="2400" b="0" kern="100" dirty="0">
                           <a:latin typeface="Times New Roman" pitchFamily="18" charset="0"/>
                           <a:ea typeface="宋体"/>
                           <a:cs typeface="Times New Roman" pitchFamily="18" charset="0"/>
@@ -6268,14 +6209,14 @@
                         <a:t>T</a:t>
                       </a:r>
                       <a:r>
-                        <a:rPr lang="zh-CN" altLang="en-US" sz="2400" b="0" kern="100" dirty="0" smtClean="0">
+                        <a:rPr lang="zh-CN" altLang="en-US" sz="2400" b="0" kern="100" dirty="0">
                           <a:latin typeface="Times New Roman" pitchFamily="18" charset="0"/>
                           <a:ea typeface="宋体"/>
                           <a:cs typeface="Times New Roman" pitchFamily="18" charset="0"/>
                         </a:rPr>
                         <a:t>的子类型。</a:t>
                       </a:r>
-                      <a:endParaRPr lang="en-US" altLang="zh-CN" sz="2400" b="0" kern="100" dirty="0" smtClean="0">
+                      <a:endParaRPr lang="en-US" altLang="zh-CN" sz="2400" b="0" kern="100" dirty="0">
                         <a:latin typeface="Times New Roman" pitchFamily="18" charset="0"/>
                         <a:ea typeface="宋体"/>
                         <a:cs typeface="Times New Roman" pitchFamily="18" charset="0"/>
@@ -6287,7 +6228,7 @@
                           <a:spcPts val="0"/>
                         </a:spcAft>
                       </a:pPr>
-                      <a:endParaRPr lang="zh-CN" altLang="en-US" sz="2400" b="1" kern="100" dirty="0" smtClean="0">
+                      <a:endParaRPr lang="zh-CN" altLang="en-US" sz="2400" b="1" kern="100" dirty="0">
                         <a:latin typeface="Times New Roman" pitchFamily="18" charset="0"/>
                         <a:ea typeface="宋体"/>
                         <a:cs typeface="Times New Roman" pitchFamily="18" charset="0"/>
@@ -6300,7 +6241,7 @@
                         </a:spcAft>
                       </a:pPr>
                       <a:r>
-                        <a:rPr lang="en-US" sz="2400" b="1" kern="1200" dirty="0" err="1" smtClean="0">
+                        <a:rPr lang="en-US" sz="2400" b="1" kern="1200" dirty="0" err="1">
                           <a:solidFill>
                             <a:schemeClr val="tx1"/>
                           </a:solidFill>
@@ -6311,7 +6252,7 @@
                         <a:t>Liskov</a:t>
                       </a:r>
                       <a:r>
-                        <a:rPr lang="en-US" sz="2400" b="1" kern="1200" dirty="0" smtClean="0">
+                        <a:rPr lang="en-US" sz="2400" b="1" kern="1200" dirty="0">
                           <a:solidFill>
                             <a:schemeClr val="tx1"/>
                           </a:solidFill>
@@ -6322,7 +6263,7 @@
                         <a:t> Substitution Principle (LSP): </a:t>
                       </a:r>
                       <a:r>
-                        <a:rPr lang="en-US" sz="2400" kern="1200" dirty="0" smtClean="0">
+                        <a:rPr lang="en-US" sz="2400" kern="1200" dirty="0">
                           <a:solidFill>
                             <a:schemeClr val="tx1"/>
                           </a:solidFill>
@@ -6332,7 +6273,7 @@
                         </a:rPr>
                         <a:t>If for each object o1 of type S there is an object o2 of type T such that for all programs P defined in terms of T, the behavior of P is unchanged when o1 is substituted for o2 then S is a subtype of T.</a:t>
                       </a:r>
-                      <a:endParaRPr lang="en-US" altLang="zh-CN" sz="2400" b="0" kern="100" dirty="0" smtClean="0">
+                      <a:endParaRPr lang="en-US" altLang="zh-CN" sz="2400" b="0" kern="100" dirty="0">
                         <a:latin typeface="Times New Roman" pitchFamily="18" charset="0"/>
                         <a:ea typeface="宋体"/>
                         <a:cs typeface="Times New Roman" pitchFamily="18" charset="0"/>
@@ -6383,6 +6324,11 @@
                     </a:solidFill>
                   </a:tcPr>
                 </a:tc>
+                <a:extLst>
+                  <a:ext uri="{0D108BD9-81ED-4DB2-BD59-A6C34878D82A}">
+                    <a16:rowId xmlns:a16="http://schemas.microsoft.com/office/drawing/2014/main" val="10000"/>
+                  </a:ext>
+                </a:extLst>
               </a:tr>
             </a:tbl>
           </a:graphicData>
@@ -6459,7 +6405,13 @@
             <a:tbl>
               <a:tblPr/>
               <a:tblGrid>
-                <a:gridCol w="8229600"/>
+                <a:gridCol w="8229600">
+                  <a:extLst>
+                    <a:ext uri="{9D8B030D-6E8A-4147-A177-3AD203B41FA5}">
+                      <a16:colId xmlns:a16="http://schemas.microsoft.com/office/drawing/2014/main" val="20000"/>
+                    </a:ext>
+                  </a:extLst>
+                </a:gridCol>
               </a:tblGrid>
               <a:tr h="3886200">
                 <a:tc>
@@ -6473,7 +6425,7 @@
                         </a:spcAft>
                       </a:pPr>
                       <a:r>
-                        <a:rPr lang="zh-CN" altLang="en-US" sz="2400" b="1" kern="100" dirty="0" smtClean="0">
+                        <a:rPr lang="zh-CN" altLang="en-US" sz="2400" b="1" kern="100" dirty="0">
                           <a:latin typeface="Times New Roman" pitchFamily="18" charset="0"/>
                           <a:ea typeface="宋体"/>
                           <a:cs typeface="Times New Roman" pitchFamily="18" charset="0"/>
@@ -6481,7 +6433,7 @@
                         <a:t>里氏代换原则：</a:t>
                       </a:r>
                       <a:r>
-                        <a:rPr lang="zh-CN" altLang="en-US" sz="2400" b="0" kern="100" dirty="0" smtClean="0">
+                        <a:rPr lang="zh-CN" altLang="en-US" sz="2400" b="0" kern="100" dirty="0">
                           <a:latin typeface="Times New Roman" pitchFamily="18" charset="0"/>
                           <a:ea typeface="宋体"/>
                           <a:cs typeface="Times New Roman" pitchFamily="18" charset="0"/>
@@ -6489,7 +6441,7 @@
                         <a:t>所有引用</a:t>
                       </a:r>
                       <a:r>
-                        <a:rPr lang="zh-CN" altLang="en-US" sz="2400" b="1" kern="100" dirty="0" smtClean="0">
+                        <a:rPr lang="zh-CN" altLang="en-US" sz="2400" b="1" kern="100" dirty="0">
                           <a:solidFill>
                             <a:srgbClr val="FF3300"/>
                           </a:solidFill>
@@ -6500,7 +6452,7 @@
                         <a:t>基类</a:t>
                       </a:r>
                       <a:r>
-                        <a:rPr lang="zh-CN" altLang="en-US" sz="2400" b="0" kern="100" dirty="0" smtClean="0">
+                        <a:rPr lang="zh-CN" altLang="en-US" sz="2400" b="0" kern="100" dirty="0">
                           <a:latin typeface="Times New Roman" pitchFamily="18" charset="0"/>
                           <a:ea typeface="宋体"/>
                           <a:cs typeface="Times New Roman" pitchFamily="18" charset="0"/>
@@ -6508,7 +6460,7 @@
                         <a:t>的地方必须能透明地使用其</a:t>
                       </a:r>
                       <a:r>
-                        <a:rPr lang="zh-CN" altLang="en-US" sz="2400" b="1" kern="100" dirty="0" smtClean="0">
+                        <a:rPr lang="zh-CN" altLang="en-US" sz="2400" b="1" kern="100" dirty="0">
                           <a:solidFill>
                             <a:srgbClr val="FF3300"/>
                           </a:solidFill>
@@ -6519,14 +6471,14 @@
                         <a:t>子类</a:t>
                       </a:r>
                       <a:r>
-                        <a:rPr lang="zh-CN" altLang="en-US" sz="2400" b="0" kern="100" dirty="0" smtClean="0">
+                        <a:rPr lang="zh-CN" altLang="en-US" sz="2400" b="0" kern="100" dirty="0">
                           <a:latin typeface="Times New Roman" pitchFamily="18" charset="0"/>
                           <a:ea typeface="宋体"/>
                           <a:cs typeface="Times New Roman" pitchFamily="18" charset="0"/>
                         </a:rPr>
                         <a:t>的对象。</a:t>
                       </a:r>
-                      <a:endParaRPr lang="en-US" altLang="zh-CN" sz="2400" b="0" kern="100" dirty="0" smtClean="0">
+                      <a:endParaRPr lang="en-US" altLang="zh-CN" sz="2400" b="0" kern="100" dirty="0">
                         <a:latin typeface="Times New Roman" pitchFamily="18" charset="0"/>
                         <a:ea typeface="宋体"/>
                         <a:cs typeface="Times New Roman" pitchFamily="18" charset="0"/>
@@ -6538,7 +6490,7 @@
                           <a:spcPts val="0"/>
                         </a:spcAft>
                       </a:pPr>
-                      <a:endParaRPr lang="zh-CN" altLang="en-US" sz="2400" b="1" kern="100" dirty="0" smtClean="0">
+                      <a:endParaRPr lang="zh-CN" altLang="en-US" sz="2400" b="1" kern="100" dirty="0">
                         <a:latin typeface="Times New Roman" pitchFamily="18" charset="0"/>
                         <a:ea typeface="宋体"/>
                         <a:cs typeface="Times New Roman" pitchFamily="18" charset="0"/>
@@ -6551,7 +6503,7 @@
                         </a:spcAft>
                       </a:pPr>
                       <a:r>
-                        <a:rPr lang="en-US" sz="2400" b="1" kern="1200" dirty="0" err="1" smtClean="0">
+                        <a:rPr lang="en-US" sz="2400" b="1" kern="1200" dirty="0" err="1">
                           <a:solidFill>
                             <a:schemeClr val="tx1"/>
                           </a:solidFill>
@@ -6562,7 +6514,7 @@
                         <a:t>Liskov</a:t>
                       </a:r>
                       <a:r>
-                        <a:rPr lang="en-US" sz="2400" b="1" kern="1200" dirty="0" smtClean="0">
+                        <a:rPr lang="en-US" sz="2400" b="1" kern="1200" dirty="0">
                           <a:solidFill>
                             <a:schemeClr val="tx1"/>
                           </a:solidFill>
@@ -6573,7 +6525,7 @@
                         <a:t> Substitution Principle (LSP): </a:t>
                       </a:r>
                       <a:r>
-                        <a:rPr lang="en-US" sz="2400" kern="1200" dirty="0" smtClean="0">
+                        <a:rPr lang="en-US" sz="2400" kern="1200" dirty="0">
                           <a:solidFill>
                             <a:schemeClr val="tx1"/>
                           </a:solidFill>
@@ -6584,7 +6536,7 @@
                         <a:t>Functions that use pointers or references to </a:t>
                       </a:r>
                       <a:r>
-                        <a:rPr lang="en-US" sz="2400" b="1" kern="1200" dirty="0" smtClean="0">
+                        <a:rPr lang="en-US" sz="2400" b="1" kern="1200" dirty="0">
                           <a:solidFill>
                             <a:srgbClr val="FF3300"/>
                           </a:solidFill>
@@ -6595,7 +6547,7 @@
                         <a:t>base classes </a:t>
                       </a:r>
                       <a:r>
-                        <a:rPr lang="en-US" sz="2400" kern="1200" dirty="0" smtClean="0">
+                        <a:rPr lang="en-US" sz="2400" kern="1200" dirty="0">
                           <a:solidFill>
                             <a:schemeClr val="tx1"/>
                           </a:solidFill>
@@ -6606,7 +6558,7 @@
                         <a:t>must be able to use objects of </a:t>
                       </a:r>
                       <a:r>
-                        <a:rPr lang="en-US" sz="2400" b="1" kern="1200" dirty="0" smtClean="0">
+                        <a:rPr lang="en-US" sz="2400" b="1" kern="1200" dirty="0">
                           <a:solidFill>
                             <a:srgbClr val="FF3300"/>
                           </a:solidFill>
@@ -6617,7 +6569,7 @@
                         <a:t>derived classes</a:t>
                       </a:r>
                       <a:r>
-                        <a:rPr lang="en-US" sz="2400" kern="1200" dirty="0" smtClean="0">
+                        <a:rPr lang="en-US" sz="2400" kern="1200" dirty="0">
                           <a:solidFill>
                             <a:schemeClr val="tx1"/>
                           </a:solidFill>
@@ -6627,7 +6579,7 @@
                         </a:rPr>
                         <a:t> without knowing it.</a:t>
                       </a:r>
-                      <a:endParaRPr lang="en-US" altLang="zh-CN" sz="2400" b="0" kern="100" dirty="0" smtClean="0">
+                      <a:endParaRPr lang="en-US" altLang="zh-CN" sz="2400" b="0" kern="100" dirty="0">
                         <a:latin typeface="Times New Roman" pitchFamily="18" charset="0"/>
                         <a:ea typeface="宋体"/>
                         <a:cs typeface="Times New Roman" pitchFamily="18" charset="0"/>
@@ -6678,6 +6630,11 @@
                     </a:solidFill>
                   </a:tcPr>
                 </a:tc>
+                <a:extLst>
+                  <a:ext uri="{0D108BD9-81ED-4DB2-BD59-A6C34878D82A}">
+                    <a16:rowId xmlns:a16="http://schemas.microsoft.com/office/drawing/2014/main" val="10000"/>
+                  </a:ext>
+                </a:extLst>
               </a:tr>
             </a:tbl>
           </a:graphicData>
@@ -6909,7 +6866,7 @@
           <a:p>
             <a:pPr eaLnBrk="1" hangingPunct="1"/>
             <a:r>
-              <a:rPr lang="zh-CN" altLang="en-US" smtClean="0"/>
+              <a:rPr lang="zh-CN" altLang="en-US"/>
               <a:t>里氏代换原则 </a:t>
             </a:r>
           </a:p>
@@ -6937,61 +6894,69 @@
           <a:p>
             <a:pPr eaLnBrk="1" hangingPunct="1"/>
             <a:r>
-              <a:rPr lang="zh-CN" altLang="en-US" smtClean="0"/>
+              <a:rPr lang="zh-CN" altLang="en-US" dirty="0"/>
               <a:t>里氏代换原则分析</a:t>
             </a:r>
           </a:p>
           <a:p>
             <a:pPr lvl="1" eaLnBrk="1" hangingPunct="1"/>
             <a:r>
-              <a:rPr lang="zh-CN" altLang="zh-CN" smtClean="0"/>
+              <a:rPr lang="zh-CN" altLang="zh-CN" dirty="0"/>
               <a:t>里氏代换原则由</a:t>
             </a:r>
             <a:r>
-              <a:rPr lang="en-US" altLang="zh-CN" smtClean="0"/>
+              <a:rPr lang="en-US" altLang="zh-CN" dirty="0"/>
               <a:t>2008</a:t>
             </a:r>
             <a:r>
-              <a:rPr lang="zh-CN" altLang="en-US" smtClean="0"/>
+              <a:rPr lang="zh-CN" altLang="en-US" dirty="0"/>
               <a:t>年图灵奖得主、美国第一位计算机科学女博士、麻省理工学院教授</a:t>
             </a:r>
             <a:r>
-              <a:rPr lang="en-US" altLang="zh-CN" smtClean="0">
+              <a:rPr lang="en-US" altLang="zh-CN" dirty="0">
                 <a:solidFill>
                   <a:srgbClr val="FF3300"/>
                 </a:solidFill>
               </a:rPr>
-              <a:t>Barbara Liskov</a:t>
-            </a:r>
-            <a:r>
-              <a:rPr lang="zh-CN" altLang="en-US" smtClean="0"/>
+              <a:t>Barbara </a:t>
+            </a:r>
+            <a:r>
+              <a:rPr lang="en-US" altLang="zh-CN" dirty="0" err="1">
+                <a:solidFill>
+                  <a:srgbClr val="FF3300"/>
+                </a:solidFill>
+              </a:rPr>
+              <a:t>Liskov</a:t>
+            </a:r>
+            <a:r>
+              <a:rPr lang="zh-CN" altLang="en-US" dirty="0"/>
               <a:t>和卡内基</a:t>
             </a:r>
             <a:r>
-              <a:rPr lang="en-US" altLang="zh-CN" smtClean="0"/>
+              <a:rPr lang="en-US" altLang="zh-CN" dirty="0"/>
               <a:t>.</a:t>
             </a:r>
             <a:r>
-              <a:rPr lang="zh-CN" altLang="en-US" smtClean="0"/>
+              <a:rPr lang="zh-CN" altLang="en-US" dirty="0"/>
               <a:t>梅隆大学</a:t>
             </a:r>
             <a:r>
-              <a:rPr lang="en-US" altLang="zh-CN" smtClean="0"/>
+              <a:rPr lang="en-US" altLang="zh-CN" dirty="0"/>
               <a:t>Jeannette Wing</a:t>
             </a:r>
             <a:r>
-              <a:rPr lang="zh-CN" altLang="en-US" smtClean="0"/>
+              <a:rPr lang="zh-CN" altLang="en-US" dirty="0"/>
               <a:t>教授于</a:t>
             </a:r>
             <a:r>
-              <a:rPr lang="en-US" altLang="zh-CN" smtClean="0"/>
+              <a:rPr lang="en-US" altLang="zh-CN" dirty="0"/>
               <a:t>1994</a:t>
             </a:r>
             <a:r>
-              <a:rPr lang="zh-CN" altLang="en-US" smtClean="0"/>
+              <a:rPr lang="zh-CN" altLang="en-US" dirty="0"/>
               <a:t>年提出</a:t>
             </a:r>
-            <a:endParaRPr lang="en-US" altLang="zh-CN" smtClean="0"/>
+            <a:endParaRPr lang="en-US" altLang="zh-CN" dirty="0"/>
           </a:p>
         </p:txBody>
       </p:sp>
@@ -7246,7 +7211,7 @@
               <a:buNone/>
             </a:pPr>
             <a:r>
-              <a:rPr lang="zh-CN" altLang="en-US" sz="1800" b="1">
+              <a:rPr lang="zh-CN" altLang="en-US" sz="1800" b="1" dirty="0">
                 <a:solidFill>
                   <a:srgbClr val="FF3300"/>
                 </a:solidFill>
@@ -7256,7 +7221,7 @@
               <a:t>芭芭拉</a:t>
             </a:r>
             <a:r>
-              <a:rPr lang="en-US" altLang="zh-CN" sz="1800" b="1">
+              <a:rPr lang="en-US" altLang="zh-CN" sz="1800" b="1" dirty="0">
                 <a:solidFill>
                   <a:srgbClr val="FF3300"/>
                 </a:solidFill>
@@ -7266,7 +7231,7 @@
               <a:t>·</a:t>
             </a:r>
             <a:r>
-              <a:rPr lang="zh-CN" altLang="en-US" sz="1800" b="1">
+              <a:rPr lang="zh-CN" altLang="en-US" sz="1800" b="1" dirty="0">
                 <a:solidFill>
                   <a:srgbClr val="FF3300"/>
                 </a:solidFill>
@@ -7276,17 +7241,27 @@
               <a:t>利斯科夫（</a:t>
             </a:r>
             <a:r>
-              <a:rPr lang="en-US" altLang="zh-CN" sz="1800" b="1">
+              <a:rPr lang="en-US" altLang="zh-CN" sz="1800" b="1" dirty="0">
                 <a:solidFill>
                   <a:srgbClr val="FF3300"/>
                 </a:solidFill>
                 <a:latin typeface="Arial" panose="020B0604020202020204" pitchFamily="34" charset="0"/>
                 <a:ea typeface="宋体" panose="02010600030101010101" pitchFamily="2" charset="-122"/>
               </a:rPr>
-              <a:t>Barbara Liskov</a:t>
-            </a:r>
-            <a:r>
-              <a:rPr lang="zh-CN" altLang="en-US" sz="1800" b="1">
+              <a:t>Barbara </a:t>
+            </a:r>
+            <a:r>
+              <a:rPr lang="en-US" altLang="zh-CN" sz="1800" b="1" dirty="0" err="1">
+                <a:solidFill>
+                  <a:srgbClr val="FF3300"/>
+                </a:solidFill>
+                <a:latin typeface="Arial" panose="020B0604020202020204" pitchFamily="34" charset="0"/>
+                <a:ea typeface="宋体" panose="02010600030101010101" pitchFamily="2" charset="-122"/>
+              </a:rPr>
+              <a:t>Liskov</a:t>
+            </a:r>
+            <a:r>
+              <a:rPr lang="zh-CN" altLang="en-US" sz="1800" b="1" dirty="0">
                 <a:solidFill>
                   <a:srgbClr val="FF3300"/>
                 </a:solidFill>
@@ -7296,7 +7271,7 @@
               <a:t>）</a:t>
             </a:r>
             <a:r>
-              <a:rPr lang="zh-CN" altLang="en-US" sz="1800">
+              <a:rPr lang="zh-CN" altLang="en-US" sz="1800" dirty="0">
                 <a:solidFill>
                   <a:schemeClr val="tx1"/>
                 </a:solidFill>
@@ -7306,7 +7281,7 @@
               <a:t>，美国计算机科学家，</a:t>
             </a:r>
             <a:r>
-              <a:rPr lang="en-US" altLang="zh-CN" sz="1800">
+              <a:rPr lang="en-US" altLang="zh-CN" sz="1800" dirty="0">
                 <a:solidFill>
                   <a:schemeClr val="tx1"/>
                 </a:solidFill>
@@ -7316,7 +7291,7 @@
               <a:t>2008</a:t>
             </a:r>
             <a:r>
-              <a:rPr lang="zh-CN" altLang="en-US" sz="1800">
+              <a:rPr lang="zh-CN" altLang="en-US" sz="1800" dirty="0">
                 <a:solidFill>
                   <a:schemeClr val="tx1"/>
                 </a:solidFill>
@@ -7326,7 +7301,7 @@
               <a:t>年图灵奖得主，</a:t>
             </a:r>
             <a:r>
-              <a:rPr lang="en-US" altLang="zh-CN" sz="1800">
+              <a:rPr lang="en-US" altLang="zh-CN" sz="1800" dirty="0">
                 <a:solidFill>
                   <a:schemeClr val="tx1"/>
                 </a:solidFill>
@@ -7336,7 +7311,7 @@
               <a:t>2004</a:t>
             </a:r>
             <a:r>
-              <a:rPr lang="zh-CN" altLang="en-US" sz="1800">
+              <a:rPr lang="zh-CN" altLang="en-US" sz="1800" dirty="0">
                 <a:solidFill>
                   <a:schemeClr val="tx1"/>
                 </a:solidFill>
@@ -7346,7 +7321,7 @@
               <a:t>年约翰</a:t>
             </a:r>
             <a:r>
-              <a:rPr lang="en-US" altLang="zh-CN" sz="1800">
+              <a:rPr lang="en-US" altLang="zh-CN" sz="1800" dirty="0">
                 <a:solidFill>
                   <a:schemeClr val="tx1"/>
                 </a:solidFill>
@@ -7356,7 +7331,7 @@
               <a:t>.</a:t>
             </a:r>
             <a:r>
-              <a:rPr lang="zh-CN" altLang="en-US" sz="1800">
+              <a:rPr lang="zh-CN" altLang="en-US" sz="1800" dirty="0">
                 <a:solidFill>
                   <a:schemeClr val="tx1"/>
                 </a:solidFill>
@@ -7378,13 +7353,6 @@
   <p:clrMapOvr>
     <a:masterClrMapping/>
   </p:clrMapOvr>
-  <p:timing>
-    <p:tnLst>
-      <p:par>
-        <p:cTn id="1" dur="indefinite" restart="never" nodeType="tmRoot"/>
-      </p:par>
-    </p:tnLst>
-  </p:timing>
 </p:sld>
 </file>
 
@@ -7427,7 +7395,7 @@
           <a:p>
             <a:pPr eaLnBrk="1" hangingPunct="1"/>
             <a:r>
-              <a:rPr lang="zh-CN" altLang="en-US" smtClean="0"/>
+              <a:rPr lang="zh-CN" altLang="en-US"/>
               <a:t>里氏代换原则 </a:t>
             </a:r>
           </a:p>
@@ -7459,7 +7427,7 @@
               </a:lnSpc>
             </a:pPr>
             <a:r>
-              <a:rPr lang="zh-CN" altLang="en-US" smtClean="0"/>
+              <a:rPr lang="zh-CN" altLang="en-US" dirty="0"/>
               <a:t>里氏代换原则分析</a:t>
             </a:r>
           </a:p>
@@ -7470,11 +7438,11 @@
               </a:lnSpc>
             </a:pPr>
             <a:r>
-              <a:rPr lang="zh-CN" altLang="en-US" smtClean="0"/>
+              <a:rPr lang="zh-CN" altLang="en-US" dirty="0"/>
               <a:t>在软件中</a:t>
             </a:r>
             <a:r>
-              <a:rPr lang="zh-CN" altLang="en-US" smtClean="0">
+              <a:rPr lang="zh-CN" altLang="en-US" dirty="0">
                 <a:solidFill>
                   <a:srgbClr val="FF3300"/>
                 </a:solidFill>
@@ -7482,10 +7450,10 @@
               <a:t>将一个基类对象替换成它的子类对象，程序将不会产生任何错误和异常</a:t>
             </a:r>
             <a:r>
-              <a:rPr lang="zh-CN" altLang="en-US" smtClean="0"/>
+              <a:rPr lang="zh-CN" altLang="en-US" dirty="0"/>
               <a:t>，反过来则不成立。如果一个软件实体使用的是一个子类对象的话，那么它不一定能够使用基类对象</a:t>
             </a:r>
-            <a:endParaRPr lang="en-US" altLang="zh-CN" smtClean="0"/>
+            <a:endParaRPr lang="en-US" altLang="zh-CN" dirty="0"/>
           </a:p>
           <a:p>
             <a:pPr lvl="1" eaLnBrk="1" hangingPunct="1">
@@ -7494,11 +7462,11 @@
               </a:lnSpc>
             </a:pPr>
             <a:r>
-              <a:rPr lang="zh-CN" altLang="en-US" smtClean="0"/>
+              <a:rPr lang="zh-CN" altLang="en-US" dirty="0"/>
               <a:t>在程序中</a:t>
             </a:r>
             <a:r>
-              <a:rPr lang="zh-CN" altLang="en-US" smtClean="0">
+              <a:rPr lang="zh-CN" altLang="en-US" dirty="0">
                 <a:solidFill>
                   <a:srgbClr val="FF3300"/>
                 </a:solidFill>
@@ -7506,10 +7474,10 @@
               <a:t>尽量使用基类类型来对对象进行定义</a:t>
             </a:r>
             <a:r>
-              <a:rPr lang="zh-CN" altLang="en-US" smtClean="0"/>
+              <a:rPr lang="zh-CN" altLang="en-US" dirty="0"/>
               <a:t>，而在运行时再确定其子类类型</a:t>
             </a:r>
-            <a:endParaRPr lang="en-US" altLang="zh-CN" smtClean="0"/>
+            <a:endParaRPr lang="en-US" altLang="zh-CN" dirty="0"/>
           </a:p>
           <a:p>
             <a:pPr lvl="1" eaLnBrk="1" hangingPunct="1">
@@ -7517,7 +7485,7 @@
                 <a:spcPct val="110000"/>
               </a:lnSpc>
             </a:pPr>
-            <a:endParaRPr lang="zh-CN" altLang="en-US" smtClean="0"/>
+            <a:endParaRPr lang="zh-CN" altLang="en-US" dirty="0"/>
           </a:p>
           <a:p>
             <a:pPr lvl="1" eaLnBrk="1" hangingPunct="1">
@@ -7525,7 +7493,7 @@
                 <a:spcPct val="110000"/>
               </a:lnSpc>
             </a:pPr>
-            <a:endParaRPr lang="en-US" altLang="zh-CN" smtClean="0"/>
+            <a:endParaRPr lang="en-US" altLang="zh-CN" dirty="0"/>
           </a:p>
           <a:p>
             <a:pPr lvl="1" eaLnBrk="1" hangingPunct="1">
@@ -7533,7 +7501,7 @@
                 <a:spcPct val="110000"/>
               </a:lnSpc>
             </a:pPr>
-            <a:endParaRPr lang="zh-CN" altLang="en-US" smtClean="0"/>
+            <a:endParaRPr lang="zh-CN" altLang="en-US" dirty="0"/>
           </a:p>
         </p:txBody>
       </p:sp>
@@ -7734,7 +7702,7 @@
               <a:buNone/>
             </a:pPr>
             <a:r>
-              <a:rPr lang="zh-CN" altLang="en-US" sz="2400" b="1">
+              <a:rPr lang="zh-CN" altLang="en-US" sz="2400" b="1" dirty="0">
                 <a:solidFill>
                   <a:schemeClr val="tx1"/>
                 </a:solidFill>
@@ -7744,7 +7712,7 @@
               <a:t>我喜欢动物 </a:t>
             </a:r>
             <a:r>
-              <a:rPr lang="zh-CN" altLang="en-US" sz="2400" b="1">
+              <a:rPr lang="zh-CN" altLang="en-US" sz="2400" b="1" dirty="0">
                 <a:solidFill>
                   <a:schemeClr val="tx1"/>
                 </a:solidFill>
@@ -7768,7 +7736,7 @@
               <a:buNone/>
             </a:pPr>
             <a:r>
-              <a:rPr lang="zh-CN" altLang="en-US" sz="2400" b="1">
+              <a:rPr lang="zh-CN" altLang="en-US" sz="2400" b="1" dirty="0">
                 <a:solidFill>
                   <a:schemeClr val="tx1"/>
                 </a:solidFill>
@@ -7779,7 +7747,7 @@
               <a:t>因为狗是动物  </a:t>
             </a:r>
             <a:r>
-              <a:rPr lang="zh-CN" altLang="en-US" sz="2800" b="1">
+              <a:rPr lang="zh-CN" altLang="en-US" sz="2800" b="1" dirty="0">
                 <a:solidFill>
                   <a:srgbClr val="FF3300"/>
                 </a:solidFill>
@@ -7789,7 +7757,7 @@
               </a:rPr>
               <a:t></a:t>
             </a:r>
-            <a:endParaRPr lang="zh-CN" altLang="en-US" sz="2800" b="1">
+            <a:endParaRPr lang="zh-CN" altLang="en-US" sz="2800" b="1" dirty="0">
               <a:solidFill>
                 <a:srgbClr val="FF3300"/>
               </a:solidFill>
@@ -7809,13 +7777,6 @@
   <p:clrMapOvr>
     <a:masterClrMapping/>
   </p:clrMapOvr>
-  <p:timing>
-    <p:tnLst>
-      <p:par>
-        <p:cTn id="1" dur="indefinite" restart="never" nodeType="tmRoot"/>
-      </p:par>
-    </p:tnLst>
-  </p:timing>
 </p:sld>
 </file>
 
@@ -7858,7 +7819,7 @@
           <a:p>
             <a:pPr eaLnBrk="1" hangingPunct="1"/>
             <a:r>
-              <a:rPr lang="zh-CN" altLang="en-US" smtClean="0"/>
+              <a:rPr lang="zh-CN" altLang="en-US" dirty="0"/>
               <a:t>依赖倒转原则  </a:t>
             </a:r>
           </a:p>
@@ -7890,7 +7851,7 @@
               </a:lnSpc>
             </a:pPr>
             <a:r>
-              <a:rPr lang="zh-CN" altLang="en-US" smtClean="0"/>
+              <a:rPr lang="zh-CN" altLang="en-US" dirty="0"/>
               <a:t>依赖倒转原则定义</a:t>
             </a:r>
           </a:p>
@@ -7913,7 +7874,13 @@
             <a:tbl>
               <a:tblPr/>
               <a:tblGrid>
-                <a:gridCol w="8458200"/>
+                <a:gridCol w="8458200">
+                  <a:extLst>
+                    <a:ext uri="{9D8B030D-6E8A-4147-A177-3AD203B41FA5}">
+                      <a16:colId xmlns:a16="http://schemas.microsoft.com/office/drawing/2014/main" val="20000"/>
+                    </a:ext>
+                  </a:extLst>
+                </a:gridCol>
               </a:tblGrid>
               <a:tr h="2560637">
                 <a:tc>
@@ -7951,20 +7918,9 @@
                           <a:ea typeface="宋体"/>
                           <a:cs typeface="Times New Roman"/>
                         </a:rPr>
-                        <a:t>抽象不应该依赖于细节，细节应该依赖于抽象</a:t>
-                      </a:r>
-                      <a:r>
-                        <a:rPr lang="zh-CN" sz="2400" b="1" kern="100" dirty="0" smtClean="0">
-                          <a:solidFill>
-                            <a:srgbClr val="FF3300"/>
-                          </a:solidFill>
-                          <a:latin typeface="Times New Roman"/>
-                          <a:ea typeface="宋体"/>
-                          <a:cs typeface="Times New Roman"/>
-                        </a:rPr>
-                        <a:t>。</a:t>
-                      </a:r>
-                      <a:endParaRPr lang="en-US" altLang="zh-CN" sz="2400" b="1" kern="100" dirty="0" smtClean="0">
+                        <a:t>抽象不应该依赖于细节，细节应该依赖于抽象。</a:t>
+                      </a:r>
+                      <a:endParaRPr lang="en-US" altLang="zh-CN" sz="2400" b="1" kern="100" dirty="0">
                         <a:solidFill>
                           <a:srgbClr val="FF3300"/>
                         </a:solidFill>
@@ -8077,6 +8033,11 @@
                     </a:solidFill>
                   </a:tcPr>
                 </a:tc>
+                <a:extLst>
+                  <a:ext uri="{0D108BD9-81ED-4DB2-BD59-A6C34878D82A}">
+                    <a16:rowId xmlns:a16="http://schemas.microsoft.com/office/drawing/2014/main" val="10000"/>
+                  </a:ext>
+                </a:extLst>
               </a:tr>
             </a:tbl>
           </a:graphicData>
@@ -8092,13 +8053,6 @@
   <p:clrMapOvr>
     <a:masterClrMapping/>
   </p:clrMapOvr>
-  <p:timing>
-    <p:tnLst>
-      <p:par>
-        <p:cTn id="1" dur="indefinite" restart="never" nodeType="tmRoot"/>
-      </p:par>
-    </p:tnLst>
-  </p:timing>
 </p:sld>
 </file>
 
@@ -8141,7 +8095,7 @@
           <a:p>
             <a:pPr eaLnBrk="1" hangingPunct="1"/>
             <a:r>
-              <a:rPr lang="zh-CN" altLang="en-US" smtClean="0"/>
+              <a:rPr lang="zh-CN" altLang="en-US"/>
               <a:t>依赖倒转原则  </a:t>
             </a:r>
           </a:p>
@@ -8173,7 +8127,7 @@
               </a:lnSpc>
             </a:pPr>
             <a:r>
-              <a:rPr lang="zh-CN" altLang="en-US" dirty="0" smtClean="0"/>
+              <a:rPr lang="zh-CN" altLang="en-US" dirty="0"/>
               <a:t>依赖倒转原则定义</a:t>
             </a:r>
           </a:p>
@@ -8184,11 +8138,11 @@
               </a:lnSpc>
             </a:pPr>
             <a:r>
-              <a:rPr lang="zh-CN" altLang="en-US" dirty="0" smtClean="0"/>
+              <a:rPr lang="zh-CN" altLang="en-US" dirty="0"/>
               <a:t>要</a:t>
             </a:r>
             <a:r>
-              <a:rPr lang="zh-CN" altLang="en-US" dirty="0" smtClean="0">
+              <a:rPr lang="zh-CN" altLang="en-US" dirty="0">
                 <a:solidFill>
                   <a:srgbClr val="FF3300"/>
                 </a:solidFill>
@@ -8196,18 +8150,18 @@
               <a:t>针对接口编程</a:t>
             </a:r>
             <a:r>
-              <a:rPr lang="zh-CN" altLang="en-US" dirty="0" smtClean="0"/>
+              <a:rPr lang="zh-CN" altLang="en-US" dirty="0"/>
               <a:t>，</a:t>
             </a:r>
             <a:r>
-              <a:rPr lang="zh-CN" altLang="en-US" dirty="0" smtClean="0">
+              <a:rPr lang="zh-CN" altLang="en-US" dirty="0">
                 <a:solidFill>
                   <a:srgbClr val="FF3300"/>
                 </a:solidFill>
               </a:rPr>
               <a:t>不要针对实现编程</a:t>
             </a:r>
-            <a:endParaRPr lang="en-US" altLang="zh-CN" dirty="0" smtClean="0">
+            <a:endParaRPr lang="en-US" altLang="zh-CN" dirty="0">
               <a:solidFill>
                 <a:srgbClr val="FF3300"/>
               </a:solidFill>
@@ -8220,7 +8174,7 @@
               </a:lnSpc>
             </a:pPr>
             <a:r>
-              <a:rPr lang="en-US" altLang="zh-CN" dirty="0" smtClean="0">
+              <a:rPr lang="en-US" altLang="zh-CN" dirty="0">
                 <a:solidFill>
                   <a:srgbClr val="FF3300"/>
                 </a:solidFill>
@@ -8228,10 +8182,10 @@
               <a:t>Program to an interface, not an implementation</a:t>
             </a:r>
             <a:r>
-              <a:rPr lang="en-US" altLang="zh-CN" dirty="0" smtClean="0"/>
+              <a:rPr lang="en-US" altLang="zh-CN" dirty="0"/>
               <a:t>.</a:t>
             </a:r>
-            <a:endParaRPr lang="en-US" altLang="zh-CN" dirty="0" smtClean="0">
+            <a:endParaRPr lang="en-US" altLang="zh-CN" dirty="0">
               <a:ea typeface="黑体" panose="02010609060101010101" pitchFamily="49" charset="-122"/>
             </a:endParaRPr>
           </a:p>
@@ -8247,13 +8201,6 @@
   <p:clrMapOvr>
     <a:masterClrMapping/>
   </p:clrMapOvr>
-  <p:timing>
-    <p:tnLst>
-      <p:par>
-        <p:cTn id="1" dur="indefinite" restart="never" nodeType="tmRoot"/>
-      </p:par>
-    </p:tnLst>
-  </p:timing>
 </p:sld>
 </file>
 
@@ -8296,7 +8243,7 @@
           <a:p>
             <a:pPr eaLnBrk="1" hangingPunct="1"/>
             <a:r>
-              <a:rPr lang="zh-CN" altLang="en-US" smtClean="0"/>
+              <a:rPr lang="zh-CN" altLang="en-US"/>
               <a:t>依赖倒转原则  </a:t>
             </a:r>
           </a:p>
@@ -8324,18 +8271,18 @@
           <a:p>
             <a:pPr eaLnBrk="1" hangingPunct="1"/>
             <a:r>
-              <a:rPr lang="zh-CN" altLang="en-US" smtClean="0"/>
+              <a:rPr lang="zh-CN" altLang="en-US" dirty="0"/>
               <a:t>依赖倒转原则分析</a:t>
             </a:r>
           </a:p>
           <a:p>
             <a:pPr lvl="1" eaLnBrk="1" hangingPunct="1"/>
             <a:r>
-              <a:rPr lang="zh-CN" altLang="en-US" smtClean="0"/>
+              <a:rPr lang="zh-CN" altLang="en-US" dirty="0"/>
               <a:t>依赖倒转原则是</a:t>
             </a:r>
             <a:r>
-              <a:rPr lang="en-US" altLang="zh-CN" smtClean="0">
+              <a:rPr lang="en-US" altLang="zh-CN" dirty="0">
                 <a:solidFill>
                   <a:srgbClr val="FF3300"/>
                 </a:solidFill>
@@ -8343,47 +8290,47 @@
               <a:t>Robert C. Martin</a:t>
             </a:r>
             <a:r>
-              <a:rPr lang="zh-CN" altLang="en-US" smtClean="0"/>
+              <a:rPr lang="zh-CN" altLang="en-US" dirty="0"/>
               <a:t>在</a:t>
             </a:r>
             <a:r>
-              <a:rPr lang="en-US" altLang="zh-CN" smtClean="0"/>
+              <a:rPr lang="en-US" altLang="zh-CN" dirty="0"/>
               <a:t>1996</a:t>
             </a:r>
             <a:r>
-              <a:rPr lang="zh-CN" altLang="en-US" smtClean="0"/>
+              <a:rPr lang="zh-CN" altLang="en-US" dirty="0"/>
               <a:t>年为“</a:t>
             </a:r>
             <a:r>
-              <a:rPr lang="en-US" altLang="zh-CN" smtClean="0"/>
+              <a:rPr lang="en-US" altLang="zh-CN" dirty="0"/>
               <a:t>C++ Reporter</a:t>
             </a:r>
             <a:r>
-              <a:rPr lang="zh-CN" altLang="en-US" smtClean="0"/>
+              <a:rPr lang="zh-CN" altLang="en-US" dirty="0"/>
               <a:t>”所写的专栏</a:t>
             </a:r>
             <a:r>
-              <a:rPr lang="en-US" altLang="zh-CN" smtClean="0"/>
+              <a:rPr lang="en-US" altLang="zh-CN" dirty="0"/>
               <a:t>Engineering Notebook</a:t>
             </a:r>
             <a:r>
-              <a:rPr lang="zh-CN" altLang="en-US" smtClean="0"/>
+              <a:rPr lang="zh-CN" altLang="en-US" dirty="0"/>
               <a:t>的第三篇，后来加入到他在</a:t>
             </a:r>
             <a:r>
-              <a:rPr lang="en-US" altLang="zh-CN" smtClean="0"/>
+              <a:rPr lang="en-US" altLang="zh-CN" dirty="0"/>
               <a:t>2002</a:t>
             </a:r>
             <a:r>
-              <a:rPr lang="zh-CN" altLang="en-US" smtClean="0"/>
+              <a:rPr lang="zh-CN" altLang="en-US" dirty="0"/>
               <a:t>年出版的经典著作</a:t>
             </a:r>
             <a:r>
-              <a:rPr lang="en-US" altLang="zh-CN" smtClean="0"/>
+              <a:rPr lang="en-US" altLang="zh-CN" dirty="0"/>
               <a:t>《</a:t>
             </a:r>
             <a:r>
-              <a:rPr lang="en-US" altLang="zh-CN" smtClean="0">
+              <a:rPr lang="en-US" altLang="zh-CN" dirty="0">
                 <a:solidFill>
                   <a:srgbClr val="FF3300"/>
                 </a:solidFill>
@@ -8391,11 +8338,11 @@
               <a:t>Agile Software Development, Principles, Patterns, and Practices</a:t>
             </a:r>
             <a:r>
-              <a:rPr lang="en-US" altLang="zh-CN" smtClean="0"/>
+              <a:rPr lang="en-US" altLang="zh-CN" dirty="0"/>
               <a:t>》</a:t>
             </a:r>
             <a:r>
-              <a:rPr lang="zh-CN" altLang="en-US" smtClean="0"/>
+              <a:rPr lang="zh-CN" altLang="en-US" dirty="0"/>
               <a:t>一书中</a:t>
             </a:r>
           </a:p>
@@ -8519,13 +8466,6 @@
   <p:clrMapOvr>
     <a:masterClrMapping/>
   </p:clrMapOvr>
-  <p:timing>
-    <p:tnLst>
-      <p:par>
-        <p:cTn id="1" dur="indefinite" restart="never" nodeType="tmRoot"/>
-      </p:par>
-    </p:tnLst>
-  </p:timing>
 </p:sld>
 </file>
 
@@ -8563,7 +8503,7 @@
           <a:p>
             <a:pPr eaLnBrk="1" hangingPunct="1"/>
             <a:r>
-              <a:rPr kumimoji="1" lang="zh-CN" altLang="en-US" smtClean="0"/>
+              <a:rPr kumimoji="1" lang="zh-CN" altLang="en-US"/>
               <a:t>大纲</a:t>
             </a:r>
           </a:p>
@@ -8587,14 +8527,14 @@
           <a:lstStyle/>
           <a:p>
             <a:pPr eaLnBrk="1" hangingPunct="1"/>
-            <a:endParaRPr lang="en-US" altLang="zh-CN" sz="4400" smtClean="0"/>
+            <a:endParaRPr lang="en-US" altLang="zh-CN" sz="4400"/>
           </a:p>
           <a:p>
             <a:pPr eaLnBrk="1" hangingPunct="1">
               <a:buFont typeface="Wingdings" panose="05000000000000000000" pitchFamily="2" charset="2"/>
               <a:buChar char="l"/>
             </a:pPr>
-            <a:endParaRPr lang="en-US" altLang="zh-CN" smtClean="0">
+            <a:endParaRPr lang="en-US" altLang="zh-CN">
               <a:solidFill>
                 <a:schemeClr val="tx1"/>
               </a:solidFill>
@@ -9200,56 +9140,56 @@
           <a:p>
             <a:pPr eaLnBrk="1" hangingPunct="1"/>
             <a:r>
-              <a:rPr lang="zh-CN" altLang="en-US" sz="2400"/>
+              <a:rPr lang="zh-CN" altLang="en-US" sz="2400" dirty="0"/>
               <a:t>面向对象设计原则概述</a:t>
             </a:r>
           </a:p>
           <a:p>
             <a:pPr eaLnBrk="1" hangingPunct="1"/>
             <a:r>
-              <a:rPr lang="zh-CN" altLang="en-US" sz="2400"/>
+              <a:rPr lang="zh-CN" altLang="en-US" sz="2400" dirty="0"/>
               <a:t>单一职责原则</a:t>
             </a:r>
           </a:p>
           <a:p>
             <a:pPr eaLnBrk="1" hangingPunct="1"/>
             <a:r>
-              <a:rPr lang="zh-CN" altLang="en-US" sz="2400"/>
+              <a:rPr lang="zh-CN" altLang="en-US" sz="2400" dirty="0"/>
               <a:t>开闭原则</a:t>
             </a:r>
           </a:p>
           <a:p>
             <a:pPr eaLnBrk="1" hangingPunct="1"/>
             <a:r>
-              <a:rPr lang="zh-CN" altLang="en-US" sz="2400"/>
+              <a:rPr lang="zh-CN" altLang="en-US" sz="2400" dirty="0"/>
               <a:t>里氏代换原则</a:t>
             </a:r>
           </a:p>
           <a:p>
             <a:pPr eaLnBrk="1" hangingPunct="1"/>
             <a:r>
-              <a:rPr lang="zh-CN" altLang="en-US" sz="2400"/>
+              <a:rPr lang="zh-CN" altLang="en-US" sz="2400" dirty="0"/>
               <a:t>依赖倒转原则</a:t>
             </a:r>
           </a:p>
           <a:p>
             <a:pPr eaLnBrk="1" hangingPunct="1"/>
             <a:r>
-              <a:rPr lang="zh-CN" altLang="en-US" sz="2400"/>
+              <a:rPr lang="zh-CN" altLang="en-US" sz="2400" dirty="0"/>
               <a:t>接口隔离原则</a:t>
             </a:r>
           </a:p>
           <a:p>
             <a:pPr eaLnBrk="1" hangingPunct="1"/>
             <a:r>
-              <a:rPr lang="zh-CN" altLang="en-US" sz="2400"/>
+              <a:rPr lang="zh-CN" altLang="en-US" sz="2400" dirty="0"/>
               <a:t>合成复用原则</a:t>
             </a:r>
           </a:p>
           <a:p>
             <a:pPr eaLnBrk="1" hangingPunct="1"/>
             <a:r>
-              <a:rPr lang="zh-CN" altLang="en-US" sz="2400"/>
+              <a:rPr lang="zh-CN" altLang="en-US" sz="2400" dirty="0"/>
               <a:t>迪米特法则</a:t>
             </a:r>
           </a:p>
@@ -9697,13 +9637,6 @@
   <p:clrMapOvr>
     <a:masterClrMapping/>
   </p:clrMapOvr>
-  <p:timing>
-    <p:tnLst>
-      <p:par>
-        <p:cTn id="1" dur="indefinite" restart="never" nodeType="tmRoot"/>
-      </p:par>
-    </p:tnLst>
-  </p:timing>
 </p:sld>
 </file>
 
@@ -9746,7 +9679,7 @@
           <a:p>
             <a:pPr eaLnBrk="1" hangingPunct="1"/>
             <a:r>
-              <a:rPr lang="zh-CN" altLang="en-US" smtClean="0"/>
+              <a:rPr lang="zh-CN" altLang="en-US"/>
               <a:t>依赖倒转原则  </a:t>
             </a:r>
           </a:p>
@@ -9774,18 +9707,18 @@
           <a:p>
             <a:pPr eaLnBrk="1" hangingPunct="1"/>
             <a:r>
-              <a:rPr lang="zh-CN" altLang="en-US" smtClean="0"/>
+              <a:rPr lang="zh-CN" altLang="en-US" dirty="0"/>
               <a:t>依赖倒转原则分析</a:t>
             </a:r>
           </a:p>
           <a:p>
             <a:pPr lvl="1" eaLnBrk="1" hangingPunct="1"/>
             <a:r>
-              <a:rPr lang="zh-CN" altLang="en-US" smtClean="0"/>
+              <a:rPr lang="zh-CN" altLang="en-US" dirty="0"/>
               <a:t>在程序代码中传递参数时或在关联关系中，</a:t>
             </a:r>
             <a:r>
-              <a:rPr lang="zh-CN" altLang="en-US" smtClean="0">
+              <a:rPr lang="zh-CN" altLang="en-US" dirty="0">
                 <a:solidFill>
                   <a:srgbClr val="FF3300"/>
                 </a:solidFill>
@@ -9793,22 +9726,22 @@
               <a:t>尽量引用层次高的抽象层类</a:t>
             </a:r>
             <a:r>
-              <a:rPr lang="zh-CN" altLang="en-US" smtClean="0"/>
+              <a:rPr lang="zh-CN" altLang="en-US" dirty="0"/>
               <a:t>，即使用接口和抽象类进行变量类型声明、参数类型声明、方法返回类型声明，以及数据类型的转换等</a:t>
             </a:r>
-            <a:endParaRPr lang="en-US" altLang="zh-CN" smtClean="0"/>
+            <a:endParaRPr lang="en-US" altLang="zh-CN" dirty="0"/>
           </a:p>
           <a:p>
             <a:pPr lvl="1" eaLnBrk="1" hangingPunct="1"/>
             <a:r>
-              <a:rPr lang="zh-CN" altLang="en-US" smtClean="0">
+              <a:rPr lang="zh-CN" altLang="en-US" dirty="0">
                 <a:solidFill>
                   <a:srgbClr val="FF3300"/>
                 </a:solidFill>
               </a:rPr>
               <a:t>在程序中尽量使用抽象层进行编程，而将具体类写在配置文件中</a:t>
             </a:r>
-            <a:endParaRPr lang="en-US" altLang="zh-CN" smtClean="0">
+            <a:endParaRPr lang="en-US" altLang="zh-CN" dirty="0">
               <a:solidFill>
                 <a:srgbClr val="FF3300"/>
               </a:solidFill>
@@ -9816,7 +9749,7 @@
           </a:p>
           <a:p>
             <a:pPr lvl="1" eaLnBrk="1" hangingPunct="1"/>
-            <a:endParaRPr lang="zh-CN" altLang="en-US" smtClean="0"/>
+            <a:endParaRPr lang="zh-CN" altLang="en-US" dirty="0"/>
           </a:p>
         </p:txBody>
       </p:sp>
@@ -9884,13 +9817,6 @@
   <p:clrMapOvr>
     <a:masterClrMapping/>
   </p:clrMapOvr>
-  <p:timing>
-    <p:tnLst>
-      <p:par>
-        <p:cTn id="1" dur="indefinite" restart="never" nodeType="tmRoot"/>
-      </p:par>
-    </p:tnLst>
-  </p:timing>
 </p:sld>
 </file>
 
@@ -9933,7 +9859,7 @@
           <a:p>
             <a:pPr eaLnBrk="1" hangingPunct="1"/>
             <a:r>
-              <a:rPr lang="zh-CN" altLang="en-US" smtClean="0"/>
+              <a:rPr lang="zh-CN" altLang="en-US"/>
               <a:t>依赖倒转原则  </a:t>
             </a:r>
           </a:p>
@@ -9961,18 +9887,18 @@
           <a:p>
             <a:pPr eaLnBrk="1" hangingPunct="1"/>
             <a:r>
-              <a:rPr lang="zh-CN" altLang="en-US" smtClean="0"/>
+              <a:rPr lang="zh-CN" altLang="en-US" dirty="0"/>
               <a:t>依赖倒转原则分析</a:t>
             </a:r>
           </a:p>
           <a:p>
             <a:pPr lvl="1" eaLnBrk="1" hangingPunct="1"/>
             <a:r>
-              <a:rPr lang="zh-CN" altLang="en-US" smtClean="0"/>
+              <a:rPr lang="zh-CN" altLang="en-US" dirty="0"/>
               <a:t>针对抽象层编程，将具体类的对象通过</a:t>
             </a:r>
             <a:r>
-              <a:rPr lang="zh-CN" altLang="en-US" smtClean="0">
+              <a:rPr lang="zh-CN" altLang="en-US" dirty="0">
                 <a:solidFill>
                   <a:srgbClr val="FF3300"/>
                 </a:solidFill>
@@ -9980,7 +9906,7 @@
               <a:t>依赖注入</a:t>
             </a:r>
             <a:r>
-              <a:rPr lang="en-US" altLang="zh-CN" smtClean="0">
+              <a:rPr lang="en-US" altLang="zh-CN" dirty="0">
                 <a:solidFill>
                   <a:srgbClr val="FF3300"/>
                 </a:solidFill>
@@ -9988,10 +9914,10 @@
               <a:t>(Dependency Injection, DI)</a:t>
             </a:r>
             <a:r>
-              <a:rPr lang="zh-CN" altLang="en-US" smtClean="0"/>
+              <a:rPr lang="zh-CN" altLang="en-US" dirty="0"/>
               <a:t>的方式注入到其他对象</a:t>
             </a:r>
-            <a:endParaRPr lang="en-US" altLang="zh-CN" smtClean="0"/>
+            <a:endParaRPr lang="en-US" altLang="zh-CN" dirty="0"/>
           </a:p>
           <a:p>
             <a:pPr lvl="2" eaLnBrk="1" hangingPunct="1">
@@ -9999,12 +9925,12 @@
               <a:buChar char="•"/>
             </a:pPr>
             <a:r>
-              <a:rPr lang="zh-CN" altLang="en-US" sz="2400" smtClean="0">
+              <a:rPr lang="zh-CN" altLang="en-US" sz="2400" dirty="0">
                 <a:ea typeface="黑体" panose="02010609060101010101" pitchFamily="49" charset="-122"/>
               </a:rPr>
               <a:t>构造注入</a:t>
             </a:r>
-            <a:endParaRPr lang="en-US" altLang="zh-CN" sz="2400" smtClean="0">
+            <a:endParaRPr lang="en-US" altLang="zh-CN" sz="2400" dirty="0">
               <a:ea typeface="黑体" panose="02010609060101010101" pitchFamily="49" charset="-122"/>
             </a:endParaRPr>
           </a:p>
@@ -10014,24 +9940,24 @@
               <a:buChar char="•"/>
             </a:pPr>
             <a:r>
-              <a:rPr lang="zh-CN" altLang="en-US" sz="2400" smtClean="0">
+              <a:rPr lang="zh-CN" altLang="en-US" sz="2400" dirty="0">
                 <a:ea typeface="黑体" panose="02010609060101010101" pitchFamily="49" charset="-122"/>
               </a:rPr>
               <a:t>设值注入（</a:t>
             </a:r>
             <a:r>
-              <a:rPr lang="en-US" altLang="en-US" sz="2400" smtClean="0">
+              <a:rPr lang="en-US" altLang="en-US" sz="2400" dirty="0">
                 <a:ea typeface="黑体" panose="02010609060101010101" pitchFamily="49" charset="-122"/>
               </a:rPr>
               <a:t>Setter</a:t>
             </a:r>
             <a:r>
-              <a:rPr lang="zh-CN" altLang="en-US" sz="2400" smtClean="0">
+              <a:rPr lang="zh-CN" altLang="en-US" sz="2400" dirty="0">
                 <a:ea typeface="黑体" panose="02010609060101010101" pitchFamily="49" charset="-122"/>
               </a:rPr>
               <a:t>注入）</a:t>
             </a:r>
-            <a:endParaRPr lang="en-US" altLang="zh-CN" sz="2400" smtClean="0">
+            <a:endParaRPr lang="en-US" altLang="zh-CN" sz="2400" dirty="0">
               <a:ea typeface="黑体" panose="02010609060101010101" pitchFamily="49" charset="-122"/>
             </a:endParaRPr>
           </a:p>
@@ -10041,7 +9967,7 @@
               <a:buChar char="•"/>
             </a:pPr>
             <a:r>
-              <a:rPr lang="zh-CN" altLang="en-US" sz="2400" smtClean="0">
+              <a:rPr lang="zh-CN" altLang="en-US" sz="2400" dirty="0">
                 <a:ea typeface="黑体" panose="02010609060101010101" pitchFamily="49" charset="-122"/>
               </a:rPr>
               <a:t>接口注入</a:t>
@@ -10059,13 +9985,6 @@
   <p:clrMapOvr>
     <a:masterClrMapping/>
   </p:clrMapOvr>
-  <p:timing>
-    <p:tnLst>
-      <p:par>
-        <p:cTn id="1" dur="indefinite" restart="never" nodeType="tmRoot"/>
-      </p:par>
-    </p:tnLst>
-  </p:timing>
 </p:sld>
 </file>
 
@@ -10108,7 +10027,7 @@
           <a:p>
             <a:pPr eaLnBrk="1" hangingPunct="1"/>
             <a:r>
-              <a:rPr lang="zh-CN" altLang="en-US" smtClean="0"/>
+              <a:rPr lang="zh-CN" altLang="en-US"/>
               <a:t>依赖倒转原则</a:t>
             </a:r>
           </a:p>
@@ -10136,18 +10055,18 @@
           <a:p>
             <a:pPr eaLnBrk="1" hangingPunct="1"/>
             <a:r>
-              <a:rPr lang="en-US" altLang="zh-CN" smtClean="0"/>
+              <a:rPr lang="en-US" altLang="zh-CN"/>
               <a:t>OCP/LSP/DIP</a:t>
             </a:r>
             <a:r>
-              <a:rPr lang="zh-CN" altLang="en-US" smtClean="0"/>
+              <a:rPr lang="zh-CN" altLang="en-US"/>
               <a:t>综合实例</a:t>
             </a:r>
           </a:p>
           <a:p>
             <a:pPr lvl="1" eaLnBrk="1" hangingPunct="1"/>
             <a:r>
-              <a:rPr lang="zh-CN" altLang="en-US" smtClean="0"/>
+              <a:rPr lang="zh-CN" altLang="en-US"/>
               <a:t>实例说明</a:t>
             </a:r>
           </a:p>
@@ -10162,13 +10081,13 @@
           <p:nvPr>
             <p:extLst>
               <p:ext uri="{D42A27DB-BD31-4B8C-83A1-F6EECF244321}">
-                <p14:modId xmlns:p14="http://schemas.microsoft.com/office/powerpoint/2010/main" val="532964763"/>
+                <p14:modId xmlns:p14="http://schemas.microsoft.com/office/powerpoint/2010/main" val="3148688647"/>
               </p:ext>
             </p:extLst>
           </p:nvPr>
         </p:nvGraphicFramePr>
         <p:xfrm>
-          <a:off x="304800" y="609600"/>
+          <a:off x="152400" y="411162"/>
           <a:ext cx="8382000" cy="6035675"/>
         </p:xfrm>
         <a:graphic>
@@ -10176,7 +10095,13 @@
             <a:tbl>
               <a:tblPr/>
               <a:tblGrid>
-                <a:gridCol w="8382000"/>
+                <a:gridCol w="8382000">
+                  <a:extLst>
+                    <a:ext uri="{9D8B030D-6E8A-4147-A177-3AD203B41FA5}">
+                      <a16:colId xmlns:a16="http://schemas.microsoft.com/office/drawing/2014/main" val="20000"/>
+                    </a:ext>
+                  </a:extLst>
+                </a:gridCol>
               </a:tblGrid>
               <a:tr h="6035675">
                 <a:tc>
@@ -10275,17 +10200,9 @@
                           <a:ea typeface="宋体"/>
                           <a:cs typeface="Times New Roman"/>
                         </a:rPr>
-                        <a:t>所示</a:t>
-                      </a:r>
-                      <a:r>
-                        <a:rPr lang="zh-CN" sz="2000" kern="100" dirty="0" smtClean="0">
-                          <a:latin typeface="Times New Roman"/>
-                          <a:ea typeface="宋体"/>
-                          <a:cs typeface="Times New Roman"/>
-                        </a:rPr>
-                        <a:t>：</a:t>
-                      </a:r>
-                      <a:endParaRPr lang="en-US" altLang="zh-CN" sz="2000" kern="100" dirty="0" smtClean="0">
+                        <a:t>所示：</a:t>
+                      </a:r>
+                      <a:endParaRPr lang="en-US" altLang="zh-CN" sz="2000" kern="100" dirty="0">
                         <a:latin typeface="Times New Roman"/>
                         <a:ea typeface="宋体"/>
                         <a:cs typeface="Times New Roman"/>
@@ -10297,7 +10214,7 @@
                           <a:spcPts val="0"/>
                         </a:spcAft>
                       </a:pPr>
-                      <a:endParaRPr lang="en-US" altLang="zh-CN" sz="2000" kern="100" dirty="0" smtClean="0">
+                      <a:endParaRPr lang="en-US" altLang="zh-CN" sz="2000" kern="100" dirty="0">
                         <a:latin typeface="Times New Roman"/>
                         <a:ea typeface="宋体"/>
                         <a:cs typeface="Times New Roman"/>
@@ -10309,7 +10226,7 @@
                           <a:spcPts val="0"/>
                         </a:spcAft>
                       </a:pPr>
-                      <a:endParaRPr lang="en-US" altLang="zh-CN" sz="2000" kern="100" dirty="0" smtClean="0">
+                      <a:endParaRPr lang="en-US" altLang="zh-CN" sz="2000" kern="100" dirty="0">
                         <a:latin typeface="Times New Roman"/>
                         <a:ea typeface="宋体"/>
                         <a:cs typeface="Times New Roman"/>
@@ -10321,7 +10238,7 @@
                           <a:spcPts val="0"/>
                         </a:spcAft>
                       </a:pPr>
-                      <a:endParaRPr lang="en-US" altLang="zh-CN" sz="2000" kern="100" dirty="0" smtClean="0">
+                      <a:endParaRPr lang="en-US" altLang="zh-CN" sz="2000" kern="100" dirty="0">
                         <a:latin typeface="Times New Roman"/>
                         <a:ea typeface="宋体"/>
                         <a:cs typeface="Times New Roman"/>
@@ -10333,7 +10250,7 @@
                           <a:spcPts val="0"/>
                         </a:spcAft>
                       </a:pPr>
-                      <a:endParaRPr lang="en-US" altLang="zh-CN" sz="2000" kern="100" dirty="0" smtClean="0">
+                      <a:endParaRPr lang="en-US" altLang="zh-CN" sz="2000" kern="100" dirty="0">
                         <a:latin typeface="Times New Roman"/>
                         <a:ea typeface="宋体"/>
                         <a:cs typeface="Times New Roman"/>
@@ -10345,7 +10262,7 @@
                           <a:spcPts val="0"/>
                         </a:spcAft>
                       </a:pPr>
-                      <a:endParaRPr lang="en-US" altLang="zh-CN" sz="2000" kern="100" dirty="0" smtClean="0">
+                      <a:endParaRPr lang="en-US" altLang="zh-CN" sz="2000" kern="100" dirty="0">
                         <a:latin typeface="Times New Roman"/>
                         <a:ea typeface="宋体"/>
                         <a:cs typeface="Times New Roman"/>
@@ -10357,7 +10274,7 @@
                           <a:spcPts val="0"/>
                         </a:spcAft>
                       </a:pPr>
-                      <a:endParaRPr lang="en-US" altLang="zh-CN" sz="2000" kern="100" dirty="0" smtClean="0">
+                      <a:endParaRPr lang="en-US" altLang="zh-CN" sz="2000" kern="100" dirty="0">
                         <a:latin typeface="Times New Roman"/>
                         <a:ea typeface="宋体"/>
                         <a:cs typeface="Times New Roman"/>
@@ -10369,7 +10286,7 @@
                           <a:spcPts val="0"/>
                         </a:spcAft>
                       </a:pPr>
-                      <a:endParaRPr lang="en-US" altLang="zh-CN" sz="2000" kern="100" dirty="0" smtClean="0">
+                      <a:endParaRPr lang="en-US" altLang="zh-CN" sz="2000" kern="100" dirty="0">
                         <a:latin typeface="Times New Roman"/>
                         <a:ea typeface="宋体"/>
                         <a:cs typeface="Times New Roman"/>
@@ -10381,7 +10298,7 @@
                           <a:spcPts val="0"/>
                         </a:spcAft>
                       </a:pPr>
-                      <a:endParaRPr lang="en-US" altLang="zh-CN" sz="2000" kern="100" dirty="0" smtClean="0">
+                      <a:endParaRPr lang="en-US" altLang="zh-CN" sz="2000" kern="100" dirty="0">
                         <a:latin typeface="Times New Roman"/>
                         <a:ea typeface="宋体"/>
                         <a:cs typeface="Times New Roman"/>
@@ -10495,15 +10412,15 @@
                           <a:ea typeface="宋体"/>
                           <a:cs typeface="Times New Roman"/>
                         </a:rPr>
-                        <a:t>，</a:t>
-                      </a:r>
-                      <a:r>
-                        <a:rPr lang="zh-CN" sz="2000" kern="100" dirty="0" smtClean="0">
-                          <a:latin typeface="Times New Roman"/>
-                          <a:ea typeface="宋体"/>
-                          <a:cs typeface="Times New Roman"/>
-                        </a:rPr>
-                        <a:t>此时需要</a:t>
+                        <a:t>，此时需要修改</a:t>
+                      </a:r>
+                      <a:r>
+                        <a:rPr lang="en-US" sz="2000" kern="100" dirty="0" err="1">
+                          <a:latin typeface="Times New Roman"/>
+                          <a:ea typeface="宋体"/>
+                          <a:cs typeface="Times New Roman"/>
+                        </a:rPr>
+                        <a:t>CustomerDAO</a:t>
                       </a:r>
                       <a:r>
                         <a:rPr lang="zh-CN" sz="2000" kern="100" dirty="0">
@@ -10511,7 +10428,7 @@
                           <a:ea typeface="宋体"/>
                           <a:cs typeface="Times New Roman"/>
                         </a:rPr>
-                        <a:t>修改</a:t>
+                        <a:t>的源代码，而且在引入并使用新的数据转换类时也不得不修改</a:t>
                       </a:r>
                       <a:r>
                         <a:rPr lang="en-US" sz="2000" kern="100" dirty="0" err="1">
@@ -10527,15 +10444,15 @@
                           <a:ea typeface="宋体"/>
                           <a:cs typeface="Times New Roman"/>
                         </a:rPr>
-                        <a:t>的源代码，而且在引入并使用新的数据转换类时也不得不修改</a:t>
-                      </a:r>
-                      <a:r>
-                        <a:rPr lang="en-US" sz="2000" kern="100" dirty="0" err="1">
-                          <a:latin typeface="Times New Roman"/>
-                          <a:ea typeface="宋体"/>
-                          <a:cs typeface="Times New Roman"/>
-                        </a:rPr>
-                        <a:t>CustomerDAO</a:t>
+                        <a:t>的源代码，系统扩展性较差，违反了开闭原则，</a:t>
+                      </a:r>
+                      <a:r>
+                        <a:rPr lang="zh-CN" altLang="en-US" sz="2000" kern="100" dirty="0">
+                          <a:latin typeface="Times New Roman"/>
+                          <a:ea typeface="宋体"/>
+                          <a:cs typeface="Times New Roman"/>
+                        </a:rPr>
+                        <a:t>现</a:t>
                       </a:r>
                       <a:r>
                         <a:rPr lang="zh-CN" sz="2000" kern="100" dirty="0">
@@ -10543,39 +10460,7 @@
                           <a:ea typeface="宋体"/>
                           <a:cs typeface="Times New Roman"/>
                         </a:rPr>
-                        <a:t>的源代码，系统扩展性较差，违反了开闭原则</a:t>
-                      </a:r>
-                      <a:r>
-                        <a:rPr lang="zh-CN" sz="2000" kern="100" dirty="0" smtClean="0">
-                          <a:latin typeface="Times New Roman"/>
-                          <a:ea typeface="宋体"/>
-                          <a:cs typeface="Times New Roman"/>
-                        </a:rPr>
-                        <a:t>，</a:t>
-                      </a:r>
-                      <a:r>
-                        <a:rPr lang="zh-CN" altLang="en-US" sz="2000" kern="100" dirty="0" smtClean="0">
-                          <a:latin typeface="Times New Roman"/>
-                          <a:ea typeface="宋体"/>
-                          <a:cs typeface="Times New Roman"/>
-                        </a:rPr>
-                        <a:t>现</a:t>
-                      </a:r>
-                      <a:r>
-                        <a:rPr lang="zh-CN" sz="2000" kern="100" dirty="0" smtClean="0">
-                          <a:latin typeface="Times New Roman"/>
-                          <a:ea typeface="宋体"/>
-                          <a:cs typeface="Times New Roman"/>
-                        </a:rPr>
-                        <a:t>需要</a:t>
-                      </a:r>
-                      <a:r>
-                        <a:rPr lang="zh-CN" sz="2000" kern="100" dirty="0">
-                          <a:latin typeface="Times New Roman"/>
-                          <a:ea typeface="宋体"/>
-                          <a:cs typeface="Times New Roman"/>
-                        </a:rPr>
-                        <a:t>对该方案进行重构。</a:t>
+                        <a:t>需要对该方案进行重构。</a:t>
                       </a:r>
                     </a:p>
                   </a:txBody>
@@ -10623,6 +10508,11 @@
                     </a:solidFill>
                   </a:tcPr>
                 </a:tc>
+                <a:extLst>
+                  <a:ext uri="{0D108BD9-81ED-4DB2-BD59-A6C34878D82A}">
+                    <a16:rowId xmlns:a16="http://schemas.microsoft.com/office/drawing/2014/main" val="10000"/>
+                  </a:ext>
+                </a:extLst>
               </a:tr>
             </a:tbl>
           </a:graphicData>
@@ -10852,7 +10742,7 @@
           <a:p>
             <a:pPr eaLnBrk="1" hangingPunct="1"/>
             <a:r>
-              <a:rPr lang="zh-CN" altLang="en-US" smtClean="0"/>
+              <a:rPr lang="zh-CN" altLang="en-US"/>
               <a:t>依赖倒转原则</a:t>
             </a:r>
           </a:p>
@@ -10880,24 +10770,24 @@
           <a:p>
             <a:pPr eaLnBrk="1" hangingPunct="1"/>
             <a:r>
-              <a:rPr lang="en-US" altLang="zh-CN" smtClean="0"/>
+              <a:rPr lang="en-US" altLang="zh-CN" dirty="0"/>
               <a:t>OCP/LSP/DIP</a:t>
             </a:r>
             <a:r>
-              <a:rPr lang="zh-CN" altLang="en-US" smtClean="0"/>
+              <a:rPr lang="zh-CN" altLang="en-US" dirty="0"/>
               <a:t>综合实例</a:t>
             </a:r>
           </a:p>
           <a:p>
             <a:pPr lvl="1" eaLnBrk="1" hangingPunct="1"/>
             <a:r>
-              <a:rPr lang="zh-CN" altLang="en-US" smtClean="0"/>
+              <a:rPr lang="zh-CN" altLang="en-US" dirty="0"/>
               <a:t>实例解析 </a:t>
             </a:r>
           </a:p>
           <a:p>
             <a:pPr lvl="2" eaLnBrk="1" hangingPunct="1"/>
-            <a:endParaRPr lang="en-US" altLang="zh-CN" sz="2200" smtClean="0">
+            <a:endParaRPr lang="en-US" altLang="zh-CN" sz="2200" dirty="0">
               <a:ea typeface="黑体" panose="02010609060101010101" pitchFamily="49" charset="-122"/>
             </a:endParaRPr>
           </a:p>
@@ -10967,13 +10857,6 @@
   <p:clrMapOvr>
     <a:masterClrMapping/>
   </p:clrMapOvr>
-  <p:timing>
-    <p:tnLst>
-      <p:par>
-        <p:cTn id="1" dur="indefinite" restart="never" nodeType="tmRoot"/>
-      </p:par>
-    </p:tnLst>
-  </p:timing>
 </p:sld>
 </file>
 
@@ -11016,10 +10899,10 @@
           <a:p>
             <a:pPr eaLnBrk="1" hangingPunct="1"/>
             <a:r>
-              <a:rPr lang="zh-CN" altLang="zh-CN" smtClean="0"/>
+              <a:rPr lang="zh-CN" altLang="zh-CN" dirty="0"/>
               <a:t>接口隔离原则</a:t>
             </a:r>
-            <a:endParaRPr lang="zh-CN" altLang="en-US" smtClean="0"/>
+            <a:endParaRPr lang="zh-CN" altLang="en-US" dirty="0"/>
           </a:p>
         </p:txBody>
       </p:sp>
@@ -11052,7 +10935,7 @@
               </a:lnSpc>
             </a:pPr>
             <a:r>
-              <a:rPr lang="zh-CN" altLang="en-US" smtClean="0"/>
+              <a:rPr lang="zh-CN" altLang="en-US"/>
               <a:t>接口隔离原则定义</a:t>
             </a:r>
           </a:p>
@@ -11081,7 +10964,13 @@
             <a:tbl>
               <a:tblPr/>
               <a:tblGrid>
-                <a:gridCol w="8153400"/>
+                <a:gridCol w="8153400">
+                  <a:extLst>
+                    <a:ext uri="{9D8B030D-6E8A-4147-A177-3AD203B41FA5}">
+                      <a16:colId xmlns:a16="http://schemas.microsoft.com/office/drawing/2014/main" val="20000"/>
+                    </a:ext>
+                  </a:extLst>
+                </a:gridCol>
               </a:tblGrid>
               <a:tr h="1463675">
                 <a:tc>
@@ -11122,14 +11011,14 @@
                         <a:t>不应该依赖那些它不需要的接口</a:t>
                       </a:r>
                       <a:r>
-                        <a:rPr lang="zh-CN" sz="2400" kern="100" dirty="0" smtClean="0">
+                        <a:rPr lang="zh-CN" sz="2400" kern="100" dirty="0">
                           <a:latin typeface="Times New Roman"/>
                           <a:ea typeface="宋体"/>
                           <a:cs typeface="Times New Roman"/>
                         </a:rPr>
                         <a:t>。</a:t>
                       </a:r>
-                      <a:endParaRPr lang="en-US" altLang="zh-CN" sz="2400" kern="100" dirty="0" smtClean="0">
+                      <a:endParaRPr lang="en-US" altLang="zh-CN" sz="2400" kern="100" dirty="0">
                         <a:latin typeface="Times New Roman"/>
                         <a:ea typeface="宋体"/>
                         <a:cs typeface="Times New Roman"/>
@@ -11239,6 +11128,11 @@
                     </a:solidFill>
                   </a:tcPr>
                 </a:tc>
+                <a:extLst>
+                  <a:ext uri="{0D108BD9-81ED-4DB2-BD59-A6C34878D82A}">
+                    <a16:rowId xmlns:a16="http://schemas.microsoft.com/office/drawing/2014/main" val="10000"/>
+                  </a:ext>
+                </a:extLst>
               </a:tr>
             </a:tbl>
           </a:graphicData>
@@ -11254,13 +11148,6 @@
   <p:clrMapOvr>
     <a:masterClrMapping/>
   </p:clrMapOvr>
-  <p:timing>
-    <p:tnLst>
-      <p:par>
-        <p:cTn id="1" dur="indefinite" restart="never" nodeType="tmRoot"/>
-      </p:par>
-    </p:tnLst>
-  </p:timing>
 </p:sld>
 </file>
 
@@ -11303,10 +11190,10 @@
           <a:p>
             <a:pPr eaLnBrk="1" hangingPunct="1"/>
             <a:r>
-              <a:rPr lang="zh-CN" altLang="zh-CN" smtClean="0"/>
+              <a:rPr lang="zh-CN" altLang="zh-CN"/>
               <a:t>接口隔离原则</a:t>
             </a:r>
-            <a:endParaRPr lang="zh-CN" altLang="en-US" smtClean="0"/>
+            <a:endParaRPr lang="zh-CN" altLang="en-US"/>
           </a:p>
         </p:txBody>
       </p:sp>
@@ -11332,25 +11219,25 @@
           <a:p>
             <a:pPr eaLnBrk="1" hangingPunct="1"/>
             <a:r>
-              <a:rPr lang="zh-CN" altLang="en-US" dirty="0" smtClean="0"/>
+              <a:rPr lang="zh-CN" altLang="en-US" dirty="0"/>
               <a:t>接口隔离原则分析 </a:t>
             </a:r>
           </a:p>
           <a:p>
             <a:pPr lvl="1" eaLnBrk="1" hangingPunct="1"/>
             <a:r>
-              <a:rPr lang="zh-CN" altLang="en-US" dirty="0" smtClean="0"/>
+              <a:rPr lang="zh-CN" altLang="en-US" dirty="0"/>
               <a:t>当一个接口太大时，需要将它</a:t>
             </a:r>
             <a:r>
-              <a:rPr lang="zh-CN" altLang="en-US" dirty="0" smtClean="0">
+              <a:rPr lang="zh-CN" altLang="en-US" dirty="0">
                 <a:solidFill>
                   <a:srgbClr val="FF6600"/>
                 </a:solidFill>
               </a:rPr>
               <a:t>分割成一些更细小的接口</a:t>
             </a:r>
-            <a:endParaRPr lang="en-US" altLang="zh-CN" dirty="0" smtClean="0">
+            <a:endParaRPr lang="en-US" altLang="zh-CN" dirty="0">
               <a:solidFill>
                 <a:srgbClr val="FF6600"/>
               </a:solidFill>
@@ -11359,11 +11246,11 @@
           <a:p>
             <a:pPr lvl="1" eaLnBrk="1" hangingPunct="1"/>
             <a:r>
-              <a:rPr lang="zh-CN" altLang="en-US" dirty="0" smtClean="0"/>
+              <a:rPr lang="zh-CN" altLang="en-US" dirty="0"/>
               <a:t>使用该接口的客户端</a:t>
             </a:r>
             <a:r>
-              <a:rPr lang="zh-CN" altLang="en-US" dirty="0" smtClean="0">
+              <a:rPr lang="zh-CN" altLang="en-US" dirty="0">
                 <a:solidFill>
                   <a:srgbClr val="FF6600"/>
                 </a:solidFill>
@@ -11371,19 +11258,19 @@
               <a:t>仅需知道与之相关的方法</a:t>
             </a:r>
             <a:r>
-              <a:rPr lang="zh-CN" altLang="en-US" dirty="0" smtClean="0"/>
+              <a:rPr lang="zh-CN" altLang="en-US" dirty="0"/>
               <a:t>即可</a:t>
             </a:r>
-            <a:endParaRPr lang="en-US" altLang="zh-CN" dirty="0" smtClean="0"/>
+            <a:endParaRPr lang="en-US" altLang="zh-CN" dirty="0"/>
           </a:p>
           <a:p>
             <a:pPr lvl="1" eaLnBrk="1" hangingPunct="1"/>
             <a:r>
-              <a:rPr lang="zh-CN" altLang="en-US" dirty="0" smtClean="0"/>
+              <a:rPr lang="zh-CN" altLang="en-US" dirty="0"/>
               <a:t>每一个接口应该</a:t>
             </a:r>
             <a:r>
-              <a:rPr lang="zh-CN" altLang="en-US" dirty="0" smtClean="0">
+              <a:rPr lang="zh-CN" altLang="en-US" dirty="0">
                 <a:solidFill>
                   <a:srgbClr val="FF6600"/>
                 </a:solidFill>
@@ -11391,10 +11278,10 @@
               <a:t>承担一种相对独立的角色</a:t>
             </a:r>
             <a:r>
-              <a:rPr lang="zh-CN" altLang="en-US" dirty="0" smtClean="0"/>
+              <a:rPr lang="zh-CN" altLang="en-US" dirty="0"/>
               <a:t>，不干不该干的事，该干的事都要干</a:t>
             </a:r>
-            <a:endParaRPr lang="en-US" altLang="zh-CN" dirty="0" smtClean="0"/>
+            <a:endParaRPr lang="en-US" altLang="zh-CN" dirty="0"/>
           </a:p>
         </p:txBody>
       </p:sp>
@@ -11408,13 +11295,6 @@
   <p:clrMapOvr>
     <a:masterClrMapping/>
   </p:clrMapOvr>
-  <p:timing>
-    <p:tnLst>
-      <p:par>
-        <p:cTn id="1" dur="indefinite" restart="never" nodeType="tmRoot"/>
-      </p:par>
-    </p:tnLst>
-  </p:timing>
 </p:sld>
 </file>
 
@@ -11457,10 +11337,10 @@
           <a:p>
             <a:pPr eaLnBrk="1" hangingPunct="1"/>
             <a:r>
-              <a:rPr lang="zh-CN" altLang="zh-CN" smtClean="0"/>
+              <a:rPr lang="zh-CN" altLang="zh-CN"/>
               <a:t>接口隔离原则</a:t>
             </a:r>
-            <a:endParaRPr lang="zh-CN" altLang="en-US" smtClean="0"/>
+            <a:endParaRPr lang="zh-CN" altLang="en-US"/>
           </a:p>
         </p:txBody>
       </p:sp>
@@ -11486,14 +11366,14 @@
           <a:p>
             <a:pPr eaLnBrk="1" hangingPunct="1"/>
             <a:r>
-              <a:rPr lang="zh-CN" altLang="en-US" dirty="0" smtClean="0"/>
+              <a:rPr lang="zh-CN" altLang="en-US" dirty="0"/>
               <a:t>接口隔离原则分析 </a:t>
             </a:r>
           </a:p>
           <a:p>
             <a:pPr lvl="1" eaLnBrk="1" hangingPunct="1"/>
             <a:r>
-              <a:rPr lang="zh-CN" altLang="en-US" dirty="0" smtClean="0">
+              <a:rPr lang="zh-CN" altLang="en-US" dirty="0">
                 <a:solidFill>
                   <a:srgbClr val="FF6600"/>
                 </a:solidFill>
@@ -11501,7 +11381,7 @@
               <a:t>“接口”定义</a:t>
             </a:r>
             <a:r>
-              <a:rPr lang="en-US" altLang="zh-CN" dirty="0" smtClean="0">
+              <a:rPr lang="en-US" altLang="zh-CN" dirty="0">
                 <a:solidFill>
                   <a:srgbClr val="FF6600"/>
                 </a:solidFill>
@@ -11509,11 +11389,11 @@
               <a:t>(1)</a:t>
             </a:r>
             <a:r>
-              <a:rPr lang="zh-CN" altLang="en-US" dirty="0" smtClean="0"/>
+              <a:rPr lang="zh-CN" altLang="en-US" dirty="0"/>
               <a:t>：</a:t>
             </a:r>
             <a:r>
-              <a:rPr lang="zh-CN" altLang="en-US" dirty="0" smtClean="0">
+              <a:rPr lang="zh-CN" altLang="en-US" dirty="0">
                 <a:solidFill>
                   <a:srgbClr val="0070C0"/>
                 </a:solidFill>
@@ -11521,11 +11401,11 @@
               <a:t>一个类型所提供的所有方法特征的集合。</a:t>
             </a:r>
             <a:r>
-              <a:rPr lang="zh-CN" altLang="en-US" dirty="0" smtClean="0"/>
+              <a:rPr lang="zh-CN" altLang="en-US" dirty="0"/>
               <a:t>一个接口代表一个角色，每个角色都有它特定的一个接口，“</a:t>
             </a:r>
             <a:r>
-              <a:rPr lang="zh-CN" altLang="en-US" dirty="0" smtClean="0">
+              <a:rPr lang="zh-CN" altLang="en-US" dirty="0">
                 <a:solidFill>
                   <a:srgbClr val="FF6600"/>
                 </a:solidFill>
@@ -11533,15 +11413,15 @@
               <a:t>角色隔离原则</a:t>
             </a:r>
             <a:r>
-              <a:rPr lang="zh-CN" altLang="en-US" dirty="0" smtClean="0"/>
+              <a:rPr lang="zh-CN" altLang="en-US" dirty="0"/>
               <a:t>”</a:t>
             </a:r>
-            <a:endParaRPr lang="en-US" altLang="zh-CN" dirty="0" smtClean="0"/>
+            <a:endParaRPr lang="en-US" altLang="zh-CN" dirty="0"/>
           </a:p>
           <a:p>
             <a:pPr lvl="1" eaLnBrk="1" hangingPunct="1"/>
             <a:r>
-              <a:rPr lang="zh-CN" altLang="en-US" dirty="0" smtClean="0">
+              <a:rPr lang="zh-CN" altLang="en-US" dirty="0">
                 <a:solidFill>
                   <a:srgbClr val="FF6600"/>
                 </a:solidFill>
@@ -11549,7 +11429,7 @@
               <a:t>“接口”定义</a:t>
             </a:r>
             <a:r>
-              <a:rPr lang="en-US" altLang="zh-CN" dirty="0" smtClean="0">
+              <a:rPr lang="en-US" altLang="zh-CN" dirty="0">
                 <a:solidFill>
                   <a:srgbClr val="FF6600"/>
                 </a:solidFill>
@@ -11557,11 +11437,11 @@
               <a:t>(2)</a:t>
             </a:r>
             <a:r>
-              <a:rPr lang="zh-CN" altLang="en-US" dirty="0" smtClean="0"/>
+              <a:rPr lang="zh-CN" altLang="en-US" dirty="0"/>
               <a:t>：</a:t>
             </a:r>
             <a:r>
-              <a:rPr lang="zh-CN" altLang="en-US" dirty="0" smtClean="0">
+              <a:rPr lang="zh-CN" altLang="en-US" dirty="0">
                 <a:solidFill>
                   <a:srgbClr val="0070C0"/>
                 </a:solidFill>
@@ -11569,11 +11449,11 @@
               <a:t>狭义的特定语言的接口。</a:t>
             </a:r>
             <a:r>
-              <a:rPr lang="zh-CN" altLang="en-US" dirty="0" smtClean="0"/>
+              <a:rPr lang="zh-CN" altLang="en-US" dirty="0"/>
               <a:t>接口仅仅提供客户端需要的行为，客户端不需要的行为则隐藏起来，应当为客户端提供尽可能小的单独的接口，而不要提供大的总接口，每个接口中只包含一个客户端所需的方法，“</a:t>
             </a:r>
             <a:r>
-              <a:rPr lang="zh-CN" altLang="en-US" dirty="0" smtClean="0">
+              <a:rPr lang="zh-CN" altLang="en-US" dirty="0">
                 <a:solidFill>
                   <a:srgbClr val="FF6600"/>
                 </a:solidFill>
@@ -11581,10 +11461,10 @@
               <a:t>定制服务</a:t>
             </a:r>
             <a:r>
-              <a:rPr lang="zh-CN" altLang="en-US" dirty="0" smtClean="0"/>
+              <a:rPr lang="zh-CN" altLang="en-US" dirty="0"/>
               <a:t>”</a:t>
             </a:r>
-            <a:endParaRPr lang="zh-CN" altLang="en-US" dirty="0" smtClean="0">
+            <a:endParaRPr lang="zh-CN" altLang="en-US" dirty="0">
               <a:ea typeface="黑体" panose="02010609060101010101" pitchFamily="49" charset="-122"/>
             </a:endParaRPr>
           </a:p>
@@ -11600,13 +11480,6 @@
   <p:clrMapOvr>
     <a:masterClrMapping/>
   </p:clrMapOvr>
-  <p:timing>
-    <p:tnLst>
-      <p:par>
-        <p:cTn id="1" dur="indefinite" restart="never" nodeType="tmRoot"/>
-      </p:par>
-    </p:tnLst>
-  </p:timing>
 </p:sld>
 </file>
 
@@ -11649,10 +11522,10 @@
           <a:p>
             <a:pPr eaLnBrk="1" hangingPunct="1"/>
             <a:r>
-              <a:rPr lang="zh-CN" altLang="zh-CN" smtClean="0"/>
+              <a:rPr lang="zh-CN" altLang="zh-CN"/>
               <a:t>接口隔离原则</a:t>
             </a:r>
-            <a:endParaRPr lang="zh-CN" altLang="en-US" smtClean="0"/>
+            <a:endParaRPr lang="zh-CN" altLang="en-US"/>
           </a:p>
         </p:txBody>
       </p:sp>
@@ -11678,17 +11551,17 @@
           <a:p>
             <a:pPr eaLnBrk="1" hangingPunct="1"/>
             <a:r>
-              <a:rPr lang="zh-CN" altLang="en-US" smtClean="0"/>
+              <a:rPr lang="zh-CN" altLang="en-US"/>
               <a:t>接口隔离原则实例  </a:t>
             </a:r>
           </a:p>
           <a:p>
             <a:pPr lvl="1" eaLnBrk="1" hangingPunct="1"/>
             <a:r>
-              <a:rPr lang="zh-CN" altLang="en-US" smtClean="0"/>
+              <a:rPr lang="zh-CN" altLang="en-US"/>
               <a:t>实例说明 </a:t>
             </a:r>
-            <a:endParaRPr lang="zh-CN" altLang="en-US" sz="2000" smtClean="0"/>
+            <a:endParaRPr lang="zh-CN" altLang="en-US" sz="2000"/>
           </a:p>
         </p:txBody>
       </p:sp>
@@ -11715,7 +11588,13 @@
             <a:tbl>
               <a:tblPr/>
               <a:tblGrid>
-                <a:gridCol w="8686800"/>
+                <a:gridCol w="8686800">
+                  <a:extLst>
+                    <a:ext uri="{9D8B030D-6E8A-4147-A177-3AD203B41FA5}">
+                      <a16:colId xmlns:a16="http://schemas.microsoft.com/office/drawing/2014/main" val="20000"/>
+                    </a:ext>
+                  </a:extLst>
+                </a:gridCol>
               </a:tblGrid>
               <a:tr h="5668963">
                 <a:tc>
@@ -11766,18 +11645,10 @@
                           <a:ea typeface="宋体"/>
                           <a:cs typeface="Times New Roman"/>
                         </a:rPr>
-                        <a:t>所</a:t>
-                      </a:r>
-                      <a:r>
-                        <a:rPr lang="zh-CN" sz="2000" kern="100" dirty="0" smtClean="0">
-                          <a:latin typeface="Times New Roman"/>
-                          <a:ea typeface="宋体"/>
-                          <a:cs typeface="Times New Roman"/>
-                        </a:rPr>
-                        <a:t>示</a:t>
-                      </a:r>
-                      <a:r>
-                        <a:rPr lang="en-US" altLang="zh-CN" sz="2000" kern="100" dirty="0" err="1" smtClean="0">
+                        <a:t>所示</a:t>
+                      </a:r>
+                      <a:r>
+                        <a:rPr lang="en-US" altLang="zh-CN" sz="2000" kern="100" dirty="0" err="1">
                           <a:latin typeface="Times New Roman"/>
                           <a:ea typeface="宋体"/>
                           <a:cs typeface="Times New Roman"/>
@@ -11785,31 +11656,15 @@
                         <a:t>CustomerDataDisplay</a:t>
                       </a:r>
                       <a:r>
-                        <a:rPr lang="zh-CN" sz="2000" kern="100" dirty="0" smtClean="0">
-                          <a:latin typeface="Times New Roman"/>
-                          <a:ea typeface="宋体"/>
-                          <a:cs typeface="Times New Roman"/>
-                        </a:rPr>
-                        <a:t>接口</a:t>
-                      </a:r>
-                      <a:r>
                         <a:rPr lang="zh-CN" sz="2000" kern="100" dirty="0">
                           <a:latin typeface="Times New Roman"/>
                           <a:ea typeface="宋体"/>
                           <a:cs typeface="Times New Roman"/>
                         </a:rPr>
-                        <a:t>，其中</a:t>
-                      </a:r>
-                      <a:r>
-                        <a:rPr lang="zh-CN" sz="2000" kern="100" dirty="0" smtClean="0">
-                          <a:latin typeface="Times New Roman"/>
-                          <a:ea typeface="宋体"/>
-                          <a:cs typeface="Times New Roman"/>
-                        </a:rPr>
-                        <a:t>方法</a:t>
-                      </a:r>
-                      <a:r>
-                        <a:rPr lang="en-US" altLang="zh-CN" sz="2000" kern="100" dirty="0" err="1" smtClean="0">
+                        <a:t>接口，其中方法</a:t>
+                      </a:r>
+                      <a:r>
+                        <a:rPr lang="en-US" altLang="zh-CN" sz="2000" kern="100" dirty="0" err="1">
                           <a:latin typeface="Times New Roman"/>
                           <a:ea typeface="宋体"/>
                           <a:cs typeface="Times New Roman"/>
@@ -11817,7 +11672,7 @@
                         <a:t>r</a:t>
                       </a:r>
                       <a:r>
-                        <a:rPr lang="en-US" sz="2000" kern="100" dirty="0" err="1" smtClean="0">
+                        <a:rPr lang="en-US" sz="2000" kern="100" dirty="0" err="1">
                           <a:latin typeface="Times New Roman"/>
                           <a:ea typeface="宋体"/>
                           <a:cs typeface="Times New Roman"/>
@@ -11825,7 +11680,7 @@
                         <a:t>eadData</a:t>
                       </a:r>
                       <a:r>
-                        <a:rPr lang="en-US" sz="2000" kern="100" dirty="0" smtClean="0">
+                        <a:rPr lang="en-US" sz="2000" kern="100" dirty="0">
                           <a:latin typeface="Times New Roman"/>
                           <a:ea typeface="宋体"/>
                           <a:cs typeface="Times New Roman"/>
@@ -11838,18 +11693,10 @@
                           <a:ea typeface="宋体"/>
                           <a:cs typeface="Times New Roman"/>
                         </a:rPr>
-                        <a:t>用于从文件中读取数据，</a:t>
-                      </a:r>
-                      <a:r>
-                        <a:rPr lang="zh-CN" sz="2000" kern="100" dirty="0" smtClean="0">
-                          <a:latin typeface="Times New Roman"/>
-                          <a:ea typeface="宋体"/>
-                          <a:cs typeface="Times New Roman"/>
-                        </a:rPr>
-                        <a:t>方法</a:t>
-                      </a:r>
-                      <a:r>
-                        <a:rPr lang="en-US" sz="2000" kern="100" dirty="0" err="1" smtClean="0">
+                        <a:t>用于从文件中读取数据，方法</a:t>
+                      </a:r>
+                      <a:r>
+                        <a:rPr lang="en-US" sz="2000" kern="100" dirty="0" err="1">
                           <a:latin typeface="Times New Roman"/>
                           <a:ea typeface="宋体"/>
                           <a:cs typeface="Times New Roman"/>
@@ -11886,18 +11733,10 @@
                           <a:ea typeface="宋体"/>
                           <a:cs typeface="Times New Roman"/>
                         </a:rPr>
-                        <a:t>格式，</a:t>
-                      </a:r>
-                      <a:r>
-                        <a:rPr lang="zh-CN" sz="2000" kern="100" dirty="0" smtClean="0">
-                          <a:latin typeface="Times New Roman"/>
-                          <a:ea typeface="宋体"/>
-                          <a:cs typeface="Times New Roman"/>
-                        </a:rPr>
-                        <a:t>方法</a:t>
-                      </a:r>
-                      <a:r>
-                        <a:rPr lang="en-US" sz="2000" kern="100" dirty="0" err="1" smtClean="0">
+                        <a:t>格式，方法</a:t>
+                      </a:r>
+                      <a:r>
+                        <a:rPr lang="en-US" sz="2000" kern="100" dirty="0" err="1">
                           <a:latin typeface="Times New Roman"/>
                           <a:ea typeface="宋体"/>
                           <a:cs typeface="Times New Roman"/>
@@ -11918,18 +11757,10 @@
                           <a:ea typeface="宋体"/>
                           <a:cs typeface="Times New Roman"/>
                         </a:rPr>
-                        <a:t>用于创建图表，</a:t>
-                      </a:r>
-                      <a:r>
-                        <a:rPr lang="zh-CN" sz="2000" kern="100" dirty="0" smtClean="0">
-                          <a:latin typeface="Times New Roman"/>
-                          <a:ea typeface="宋体"/>
-                          <a:cs typeface="Times New Roman"/>
-                        </a:rPr>
-                        <a:t>方法</a:t>
-                      </a:r>
-                      <a:r>
-                        <a:rPr lang="en-US" sz="2000" kern="100" dirty="0" err="1" smtClean="0">
+                        <a:t>用于创建图表，方法</a:t>
+                      </a:r>
+                      <a:r>
+                        <a:rPr lang="en-US" sz="2000" kern="100" dirty="0" err="1">
                           <a:latin typeface="Times New Roman"/>
                           <a:ea typeface="宋体"/>
                           <a:cs typeface="Times New Roman"/>
@@ -11950,18 +11781,10 @@
                           <a:ea typeface="宋体"/>
                           <a:cs typeface="Times New Roman"/>
                         </a:rPr>
-                        <a:t>用于显示图表，</a:t>
-                      </a:r>
-                      <a:r>
-                        <a:rPr lang="zh-CN" sz="2000" kern="100" dirty="0" smtClean="0">
-                          <a:latin typeface="Times New Roman"/>
-                          <a:ea typeface="宋体"/>
-                          <a:cs typeface="Times New Roman"/>
-                        </a:rPr>
-                        <a:t>方法</a:t>
-                      </a:r>
-                      <a:r>
-                        <a:rPr lang="en-US" sz="2000" kern="100" dirty="0" err="1" smtClean="0">
+                        <a:t>用于显示图表，方法</a:t>
+                      </a:r>
+                      <a:r>
+                        <a:rPr lang="en-US" sz="2000" kern="100" dirty="0" err="1">
                           <a:latin typeface="Times New Roman"/>
                           <a:ea typeface="宋体"/>
                           <a:cs typeface="Times New Roman"/>
@@ -11982,18 +11805,10 @@
                           <a:ea typeface="宋体"/>
                           <a:cs typeface="Times New Roman"/>
                         </a:rPr>
-                        <a:t>用于创建文字报表，</a:t>
-                      </a:r>
-                      <a:r>
-                        <a:rPr lang="zh-CN" sz="2000" kern="100" dirty="0" smtClean="0">
-                          <a:latin typeface="Times New Roman"/>
-                          <a:ea typeface="宋体"/>
-                          <a:cs typeface="Times New Roman"/>
-                        </a:rPr>
-                        <a:t>方法</a:t>
-                      </a:r>
-                      <a:r>
-                        <a:rPr lang="en-US" sz="2000" kern="100" dirty="0" err="1" smtClean="0">
+                        <a:t>用于创建文字报表，方法</a:t>
+                      </a:r>
+                      <a:r>
+                        <a:rPr lang="en-US" sz="2000" kern="100" dirty="0" err="1">
                           <a:latin typeface="Times New Roman"/>
                           <a:ea typeface="宋体"/>
                           <a:cs typeface="Times New Roman"/>
@@ -12014,17 +11829,9 @@
                           <a:ea typeface="宋体"/>
                           <a:cs typeface="Times New Roman"/>
                         </a:rPr>
-                        <a:t>用于显示文字报表</a:t>
-                      </a:r>
-                      <a:r>
-                        <a:rPr lang="zh-CN" sz="2000" kern="100" dirty="0" smtClean="0">
-                          <a:latin typeface="Times New Roman"/>
-                          <a:ea typeface="宋体"/>
-                          <a:cs typeface="Times New Roman"/>
-                        </a:rPr>
-                        <a:t>。</a:t>
-                      </a:r>
-                      <a:endParaRPr lang="en-US" altLang="zh-CN" sz="2000" kern="100" dirty="0" smtClean="0">
+                        <a:t>用于显示文字报表。</a:t>
+                      </a:r>
+                      <a:endParaRPr lang="en-US" altLang="zh-CN" sz="2000" kern="100" dirty="0">
                         <a:latin typeface="Times New Roman"/>
                         <a:ea typeface="宋体"/>
                         <a:cs typeface="Times New Roman"/>
@@ -12036,7 +11843,7 @@
                           <a:spcPts val="0"/>
                         </a:spcAft>
                       </a:pPr>
-                      <a:endParaRPr lang="en-US" altLang="zh-CN" sz="2000" kern="100" dirty="0" smtClean="0">
+                      <a:endParaRPr lang="en-US" altLang="zh-CN" sz="2000" kern="100" dirty="0">
                         <a:latin typeface="Times New Roman"/>
                         <a:ea typeface="宋体"/>
                         <a:cs typeface="Times New Roman"/>
@@ -12048,7 +11855,7 @@
                           <a:spcPts val="0"/>
                         </a:spcAft>
                       </a:pPr>
-                      <a:endParaRPr lang="en-US" altLang="zh-CN" sz="2000" kern="100" dirty="0" smtClean="0">
+                      <a:endParaRPr lang="en-US" altLang="zh-CN" sz="2000" kern="100" dirty="0">
                         <a:latin typeface="Times New Roman"/>
                         <a:ea typeface="宋体"/>
                         <a:cs typeface="Times New Roman"/>
@@ -12060,7 +11867,7 @@
                           <a:spcPts val="0"/>
                         </a:spcAft>
                       </a:pPr>
-                      <a:endParaRPr lang="en-US" altLang="zh-CN" sz="2000" kern="100" dirty="0" smtClean="0">
+                      <a:endParaRPr lang="en-US" altLang="zh-CN" sz="2000" kern="100" dirty="0">
                         <a:latin typeface="Times New Roman"/>
                         <a:ea typeface="宋体"/>
                         <a:cs typeface="Times New Roman"/>
@@ -12072,7 +11879,7 @@
                           <a:spcPts val="0"/>
                         </a:spcAft>
                       </a:pPr>
-                      <a:endParaRPr lang="en-US" altLang="zh-CN" sz="2000" kern="100" dirty="0" smtClean="0">
+                      <a:endParaRPr lang="en-US" altLang="zh-CN" sz="2000" kern="100" dirty="0">
                         <a:latin typeface="Times New Roman"/>
                         <a:ea typeface="宋体"/>
                         <a:cs typeface="Times New Roman"/>
@@ -12084,7 +11891,7 @@
                           <a:spcPts val="0"/>
                         </a:spcAft>
                       </a:pPr>
-                      <a:endParaRPr lang="en-US" altLang="zh-CN" sz="2000" kern="100" dirty="0" smtClean="0">
+                      <a:endParaRPr lang="en-US" altLang="zh-CN" sz="2000" kern="100" dirty="0">
                         <a:latin typeface="Times New Roman"/>
                         <a:ea typeface="宋体"/>
                         <a:cs typeface="Times New Roman"/>
@@ -12096,7 +11903,7 @@
                           <a:spcPts val="0"/>
                         </a:spcAft>
                       </a:pPr>
-                      <a:endParaRPr lang="en-US" altLang="zh-CN" sz="2000" kern="100" dirty="0" smtClean="0">
+                      <a:endParaRPr lang="en-US" altLang="zh-CN" sz="2000" kern="100" dirty="0">
                         <a:latin typeface="Times New Roman"/>
                         <a:ea typeface="宋体"/>
                         <a:cs typeface="Times New Roman"/>
@@ -12162,18 +11969,10 @@
                           <a:ea typeface="宋体"/>
                           <a:cs typeface="Times New Roman"/>
                         </a:rPr>
-                        <a:t>在实际使用过程</a:t>
-                      </a:r>
-                      <a:r>
-                        <a:rPr lang="zh-CN" sz="2000" kern="100" dirty="0" smtClean="0">
-                          <a:latin typeface="Times New Roman"/>
-                          <a:ea typeface="宋体"/>
-                          <a:cs typeface="Times New Roman"/>
-                        </a:rPr>
-                        <a:t>中</a:t>
-                      </a:r>
-                      <a:r>
-                        <a:rPr lang="zh-CN" altLang="en-US" sz="2000" kern="100" dirty="0" smtClean="0">
+                        <a:t>在实际使用过程中</a:t>
+                      </a:r>
+                      <a:r>
+                        <a:rPr lang="zh-CN" altLang="en-US" sz="2000" kern="100" dirty="0">
                           <a:latin typeface="Times New Roman"/>
                           <a:ea typeface="宋体"/>
                           <a:cs typeface="Times New Roman"/>
@@ -12181,20 +11980,12 @@
                         <a:t>开发人员</a:t>
                       </a:r>
                       <a:r>
-                        <a:rPr lang="zh-CN" sz="2000" kern="100" dirty="0" smtClean="0">
-                          <a:latin typeface="Times New Roman"/>
-                          <a:ea typeface="宋体"/>
-                          <a:cs typeface="Times New Roman"/>
-                        </a:rPr>
-                        <a:t>发现</a:t>
-                      </a:r>
-                      <a:r>
                         <a:rPr lang="zh-CN" sz="2000" kern="100" dirty="0">
                           <a:latin typeface="Times New Roman"/>
                           <a:ea typeface="宋体"/>
                           <a:cs typeface="Times New Roman"/>
                         </a:rPr>
-                        <a:t>该接口很不灵活，例如：如果一个具体的数据显示类无须进行数据转换（源文件本身就是</a:t>
+                        <a:t>发现该接口很不灵活，例如：如果一个具体的数据显示类无须进行数据转换（源文件本身就是</a:t>
                       </a:r>
                       <a:r>
                         <a:rPr lang="en-US" sz="2000" kern="100" dirty="0">
@@ -12210,15 +12001,23 @@
                           <a:ea typeface="宋体"/>
                           <a:cs typeface="Times New Roman"/>
                         </a:rPr>
-                        <a:t>格式），但由于实现了该接口</a:t>
-                      </a:r>
-                      <a:r>
-                        <a:rPr lang="zh-CN" sz="2000" kern="100" dirty="0" smtClean="0">
-                          <a:latin typeface="Times New Roman"/>
-                          <a:ea typeface="宋体"/>
-                          <a:cs typeface="Times New Roman"/>
-                        </a:rPr>
-                        <a:t>，不得不</a:t>
+                        <a:t>格式），但由于实现了该接口，不得不实现其中声明的</a:t>
+                      </a:r>
+                      <a:r>
+                        <a:rPr lang="en-US" sz="2000" kern="100" dirty="0" err="1">
+                          <a:latin typeface="Times New Roman"/>
+                          <a:ea typeface="宋体"/>
+                          <a:cs typeface="Times New Roman"/>
+                        </a:rPr>
+                        <a:t>transformToXML</a:t>
+                      </a:r>
+                      <a:r>
+                        <a:rPr lang="en-US" sz="2000" kern="100" dirty="0">
+                          <a:latin typeface="Times New Roman"/>
+                          <a:ea typeface="宋体"/>
+                          <a:cs typeface="Times New Roman"/>
+                        </a:rPr>
+                        <a:t>()</a:t>
                       </a:r>
                       <a:r>
                         <a:rPr lang="zh-CN" sz="2000" kern="100" dirty="0">
@@ -12226,31 +12025,15 @@
                           <a:ea typeface="宋体"/>
                           <a:cs typeface="Times New Roman"/>
                         </a:rPr>
-                        <a:t>实现其中声明</a:t>
-                      </a:r>
-                      <a:r>
-                        <a:rPr lang="zh-CN" sz="2000" kern="100" dirty="0" smtClean="0">
-                          <a:latin typeface="Times New Roman"/>
-                          <a:ea typeface="宋体"/>
-                          <a:cs typeface="Times New Roman"/>
-                        </a:rPr>
-                        <a:t>的</a:t>
-                      </a:r>
-                      <a:r>
-                        <a:rPr lang="en-US" sz="2000" kern="100" dirty="0" err="1" smtClean="0">
-                          <a:latin typeface="Times New Roman"/>
-                          <a:ea typeface="宋体"/>
-                          <a:cs typeface="Times New Roman"/>
-                        </a:rPr>
-                        <a:t>transformToXML</a:t>
-                      </a:r>
-                      <a:r>
-                        <a:rPr lang="en-US" sz="2000" kern="100" dirty="0">
-                          <a:latin typeface="Times New Roman"/>
-                          <a:ea typeface="宋体"/>
-                          <a:cs typeface="Times New Roman"/>
-                        </a:rPr>
-                        <a:t>()</a:t>
+                        <a:t>方法（至少需要提供一个空实现）；如果需要创建和显示图表，除了</a:t>
+                      </a:r>
+                      <a:r>
+                        <a:rPr lang="zh-CN" altLang="en-US" sz="2000" kern="100" dirty="0">
+                          <a:latin typeface="Times New Roman"/>
+                          <a:ea typeface="宋体"/>
+                          <a:cs typeface="Times New Roman"/>
+                        </a:rPr>
+                        <a:t>需要</a:t>
                       </a:r>
                       <a:r>
                         <a:rPr lang="zh-CN" sz="2000" kern="100" dirty="0">
@@ -12258,39 +12041,7 @@
                           <a:ea typeface="宋体"/>
                           <a:cs typeface="Times New Roman"/>
                         </a:rPr>
-                        <a:t>方法（至少需要提供一个空实现）；如果需要创建和显示图表，</a:t>
-                      </a:r>
-                      <a:r>
-                        <a:rPr lang="zh-CN" sz="2000" kern="100" dirty="0" smtClean="0">
-                          <a:latin typeface="Times New Roman"/>
-                          <a:ea typeface="宋体"/>
-                          <a:cs typeface="Times New Roman"/>
-                        </a:rPr>
-                        <a:t>除了</a:t>
-                      </a:r>
-                      <a:r>
-                        <a:rPr lang="zh-CN" altLang="en-US" sz="2000" kern="100" dirty="0" smtClean="0">
-                          <a:latin typeface="Times New Roman"/>
-                          <a:ea typeface="宋体"/>
-                          <a:cs typeface="Times New Roman"/>
-                        </a:rPr>
-                        <a:t>需要</a:t>
-                      </a:r>
-                      <a:r>
-                        <a:rPr lang="zh-CN" sz="2000" kern="100" dirty="0" smtClean="0">
-                          <a:latin typeface="Times New Roman"/>
-                          <a:ea typeface="宋体"/>
-                          <a:cs typeface="Times New Roman"/>
-                        </a:rPr>
-                        <a:t>实现</a:t>
-                      </a:r>
-                      <a:r>
-                        <a:rPr lang="zh-CN" sz="2000" kern="100" dirty="0">
-                          <a:latin typeface="Times New Roman"/>
-                          <a:ea typeface="宋体"/>
-                          <a:cs typeface="Times New Roman"/>
-                        </a:rPr>
-                        <a:t>与图表相关的方法外，还需要实现创建和显示文字报表的方法，否则程序在编译时将报错。</a:t>
+                        <a:t>实现与图表相关的方法外，还需要实现创建和显示文字报表的方法，否则程序在编译时将报错。</a:t>
                       </a:r>
                     </a:p>
                     <a:p>
@@ -12353,6 +12104,11 @@
                     </a:solidFill>
                   </a:tcPr>
                 </a:tc>
+                <a:extLst>
+                  <a:ext uri="{0D108BD9-81ED-4DB2-BD59-A6C34878D82A}">
+                    <a16:rowId xmlns:a16="http://schemas.microsoft.com/office/drawing/2014/main" val="10000"/>
+                  </a:ext>
+                </a:extLst>
               </a:tr>
             </a:tbl>
           </a:graphicData>
@@ -12582,10 +12338,10 @@
           <a:p>
             <a:pPr eaLnBrk="1" hangingPunct="1"/>
             <a:r>
-              <a:rPr lang="zh-CN" altLang="zh-CN" smtClean="0"/>
+              <a:rPr lang="zh-CN" altLang="zh-CN"/>
               <a:t>接口隔离原则</a:t>
             </a:r>
-            <a:endParaRPr lang="zh-CN" altLang="en-US" smtClean="0"/>
+            <a:endParaRPr lang="zh-CN" altLang="en-US"/>
           </a:p>
         </p:txBody>
       </p:sp>
@@ -12611,21 +12367,21 @@
           <a:p>
             <a:pPr eaLnBrk="1" hangingPunct="1"/>
             <a:r>
-              <a:rPr lang="zh-CN" altLang="en-US" smtClean="0"/>
+              <a:rPr lang="zh-CN" altLang="en-US"/>
               <a:t>接口隔离原则实例  </a:t>
             </a:r>
           </a:p>
           <a:p>
             <a:pPr lvl="1" eaLnBrk="1" hangingPunct="1"/>
             <a:r>
-              <a:rPr lang="zh-CN" altLang="en-US" smtClean="0"/>
+              <a:rPr lang="zh-CN" altLang="en-US"/>
               <a:t>实例解析 </a:t>
             </a:r>
-            <a:endParaRPr lang="zh-CN" altLang="en-US" sz="2000" smtClean="0"/>
+            <a:endParaRPr lang="zh-CN" altLang="en-US" sz="2000"/>
           </a:p>
           <a:p>
             <a:pPr lvl="2" eaLnBrk="1" hangingPunct="1"/>
-            <a:endParaRPr lang="en-US" altLang="zh-CN" sz="1800" smtClean="0">
+            <a:endParaRPr lang="en-US" altLang="zh-CN" sz="1800">
               <a:ea typeface="黑体" panose="02010609060101010101" pitchFamily="49" charset="-122"/>
             </a:endParaRPr>
           </a:p>
@@ -12820,10 +12576,10 @@
           <a:p>
             <a:pPr eaLnBrk="1" hangingPunct="1"/>
             <a:r>
-              <a:rPr lang="zh-CN" altLang="zh-CN" smtClean="0"/>
+              <a:rPr lang="zh-CN" altLang="zh-CN"/>
               <a:t>合成复用原则</a:t>
             </a:r>
-            <a:endParaRPr lang="zh-CN" altLang="en-US" smtClean="0"/>
+            <a:endParaRPr lang="zh-CN" altLang="en-US"/>
           </a:p>
         </p:txBody>
       </p:sp>
@@ -12849,18 +12605,18 @@
           <a:p>
             <a:pPr eaLnBrk="1" hangingPunct="1"/>
             <a:r>
-              <a:rPr lang="zh-CN" altLang="en-US" dirty="0" smtClean="0"/>
+              <a:rPr lang="zh-CN" altLang="en-US" dirty="0"/>
               <a:t>合成复用原则定义</a:t>
             </a:r>
           </a:p>
           <a:p>
             <a:pPr lvl="1" eaLnBrk="1" hangingPunct="1"/>
             <a:r>
-              <a:rPr lang="zh-CN" altLang="en-US" dirty="0" smtClean="0"/>
+              <a:rPr lang="zh-CN" altLang="en-US" dirty="0"/>
               <a:t>合成复用原则又称为</a:t>
             </a:r>
             <a:r>
-              <a:rPr lang="zh-CN" altLang="en-US" dirty="0" smtClean="0">
+              <a:rPr lang="zh-CN" altLang="en-US" dirty="0">
                 <a:solidFill>
                   <a:srgbClr val="FF6600"/>
                 </a:solidFill>
@@ -12868,7 +12624,7 @@
               <a:t>组合</a:t>
             </a:r>
             <a:r>
-              <a:rPr lang="en-US" altLang="zh-CN" dirty="0" smtClean="0">
+              <a:rPr lang="en-US" altLang="zh-CN" dirty="0">
                 <a:solidFill>
                   <a:srgbClr val="FF6600"/>
                 </a:solidFill>
@@ -12876,7 +12632,7 @@
               <a:t>/</a:t>
             </a:r>
             <a:r>
-              <a:rPr lang="zh-CN" altLang="en-US" dirty="0" smtClean="0">
+              <a:rPr lang="zh-CN" altLang="en-US" dirty="0">
                 <a:solidFill>
                   <a:srgbClr val="FF6600"/>
                 </a:solidFill>
@@ -12884,10 +12640,10 @@
               <a:t>聚合复用原则</a:t>
             </a:r>
             <a:r>
-              <a:rPr lang="en-US" altLang="zh-CN" dirty="0" smtClean="0"/>
+              <a:rPr lang="en-US" altLang="zh-CN" dirty="0"/>
               <a:t>(Composition/ Aggregate Reuse Principle, CARP)</a:t>
             </a:r>
-            <a:endParaRPr lang="en-US" altLang="zh-CN" dirty="0" smtClean="0">
+            <a:endParaRPr lang="en-US" altLang="zh-CN" dirty="0">
               <a:ea typeface="黑体" panose="02010609060101010101" pitchFamily="49" charset="-122"/>
             </a:endParaRPr>
           </a:p>
@@ -12916,7 +12672,13 @@
             <a:tbl>
               <a:tblPr/>
               <a:tblGrid>
-                <a:gridCol w="8229600"/>
+                <a:gridCol w="8229600">
+                  <a:extLst>
+                    <a:ext uri="{9D8B030D-6E8A-4147-A177-3AD203B41FA5}">
+                      <a16:colId xmlns:a16="http://schemas.microsoft.com/office/drawing/2014/main" val="20000"/>
+                    </a:ext>
+                  </a:extLst>
+                </a:gridCol>
               </a:tblGrid>
               <a:tr h="0">
                 <a:tc>
@@ -13003,17 +12765,9 @@
                           <a:ea typeface="宋体"/>
                           <a:cs typeface="Times New Roman"/>
                         </a:rPr>
-                        <a:t>的目的</a:t>
-                      </a:r>
-                      <a:r>
-                        <a:rPr lang="zh-CN" sz="2400" kern="100" dirty="0" smtClean="0">
-                          <a:latin typeface="Times New Roman"/>
-                          <a:ea typeface="宋体"/>
-                          <a:cs typeface="Times New Roman"/>
-                        </a:rPr>
-                        <a:t>。</a:t>
-                      </a:r>
-                      <a:endParaRPr lang="en-US" altLang="zh-CN" sz="2400" kern="100" dirty="0" smtClean="0">
+                        <a:t>的目的。</a:t>
+                      </a:r>
+                      <a:endParaRPr lang="en-US" altLang="zh-CN" sz="2400" kern="100" dirty="0">
                         <a:latin typeface="Times New Roman"/>
                         <a:ea typeface="宋体"/>
                         <a:cs typeface="Times New Roman"/>
@@ -13216,6 +12970,11 @@
                     </a:solidFill>
                   </a:tcPr>
                 </a:tc>
+                <a:extLst>
+                  <a:ext uri="{0D108BD9-81ED-4DB2-BD59-A6C34878D82A}">
+                    <a16:rowId xmlns:a16="http://schemas.microsoft.com/office/drawing/2014/main" val="10000"/>
+                  </a:ext>
+                </a:extLst>
               </a:tr>
             </a:tbl>
           </a:graphicData>
@@ -13231,13 +12990,6 @@
   <p:clrMapOvr>
     <a:masterClrMapping/>
   </p:clrMapOvr>
-  <p:timing>
-    <p:tnLst>
-      <p:par>
-        <p:cTn id="1" dur="indefinite" restart="never" nodeType="tmRoot"/>
-      </p:par>
-    </p:tnLst>
-  </p:timing>
 </p:sld>
 </file>
 
@@ -13280,7 +13032,7 @@
           <a:p>
             <a:pPr eaLnBrk="1" hangingPunct="1"/>
             <a:r>
-              <a:rPr lang="zh-CN" altLang="en-US" smtClean="0"/>
+              <a:rPr lang="zh-CN" altLang="en-US" dirty="0"/>
               <a:t>面向对象设计原则概述</a:t>
             </a:r>
           </a:p>
@@ -13308,7 +13060,7 @@
           <a:p>
             <a:pPr eaLnBrk="1" hangingPunct="1"/>
             <a:r>
-              <a:rPr lang="zh-CN" altLang="en-US" sz="2800" smtClean="0">
+              <a:rPr lang="zh-CN" altLang="en-US" sz="2800" dirty="0">
                 <a:solidFill>
                   <a:srgbClr val="FF3300"/>
                 </a:solidFill>
@@ -13316,7 +13068,7 @@
               <a:t>可维护性</a:t>
             </a:r>
             <a:r>
-              <a:rPr lang="en-US" altLang="en-US" sz="2800" smtClean="0">
+              <a:rPr lang="en-US" altLang="en-US" sz="2800" dirty="0">
                 <a:solidFill>
                   <a:srgbClr val="FF3300"/>
                 </a:solidFill>
@@ -13324,18 +13076,18 @@
               <a:t>(Maintainability)</a:t>
             </a:r>
             <a:r>
-              <a:rPr lang="zh-CN" altLang="en-US" sz="2800" smtClean="0"/>
+              <a:rPr lang="zh-CN" altLang="en-US" sz="2800" dirty="0"/>
               <a:t>：</a:t>
             </a:r>
             <a:r>
-              <a:rPr lang="zh-CN" altLang="en-US" sz="2800" smtClean="0">
+              <a:rPr lang="zh-CN" altLang="en-US" sz="2800" dirty="0">
                 <a:solidFill>
                   <a:srgbClr val="0070C0"/>
                 </a:solidFill>
               </a:rPr>
               <a:t>指软件能够被理解、改正、适应及扩展的难易程度</a:t>
             </a:r>
-            <a:endParaRPr lang="en-US" altLang="zh-CN" sz="2800" smtClean="0">
+            <a:endParaRPr lang="en-US" altLang="zh-CN" sz="2800" dirty="0">
               <a:solidFill>
                 <a:srgbClr val="0070C0"/>
               </a:solidFill>
@@ -13344,7 +13096,7 @@
           <a:p>
             <a:pPr eaLnBrk="1" hangingPunct="1"/>
             <a:r>
-              <a:rPr lang="zh-CN" altLang="en-US" sz="2800" smtClean="0">
+              <a:rPr lang="zh-CN" altLang="en-US" sz="2800" dirty="0">
                 <a:solidFill>
                   <a:srgbClr val="FF3300"/>
                 </a:solidFill>
@@ -13352,7 +13104,7 @@
               <a:t>可复用性</a:t>
             </a:r>
             <a:r>
-              <a:rPr lang="en-US" altLang="zh-CN" sz="2800" smtClean="0">
+              <a:rPr lang="en-US" altLang="zh-CN" sz="2800" dirty="0">
                 <a:solidFill>
                   <a:srgbClr val="FF3300"/>
                 </a:solidFill>
@@ -13360,18 +13112,18 @@
               <a:t>(Reusability)</a:t>
             </a:r>
             <a:r>
-              <a:rPr lang="zh-CN" altLang="en-US" sz="2800" smtClean="0"/>
+              <a:rPr lang="zh-CN" altLang="en-US" sz="2800" dirty="0"/>
               <a:t>：</a:t>
             </a:r>
             <a:r>
-              <a:rPr lang="zh-CN" altLang="en-US" sz="2800" smtClean="0">
+              <a:rPr lang="zh-CN" altLang="en-US" sz="2800" dirty="0">
                 <a:solidFill>
                   <a:srgbClr val="0070C0"/>
                 </a:solidFill>
               </a:rPr>
               <a:t>指软件能够被重复使用的难易程度</a:t>
             </a:r>
-            <a:endParaRPr lang="en-US" altLang="zh-CN" sz="2800" smtClean="0">
+            <a:endParaRPr lang="en-US" altLang="zh-CN" sz="2800" dirty="0">
               <a:solidFill>
                 <a:srgbClr val="0070C0"/>
               </a:solidFill>
@@ -13380,11 +13132,11 @@
           <a:p>
             <a:pPr eaLnBrk="1" hangingPunct="1"/>
             <a:r>
-              <a:rPr lang="zh-CN" altLang="en-US" sz="2800" smtClean="0"/>
+              <a:rPr lang="zh-CN" altLang="en-US" sz="2800" dirty="0"/>
               <a:t>面向对象设计的目标之一在于</a:t>
             </a:r>
             <a:r>
-              <a:rPr lang="zh-CN" altLang="en-US" sz="2800" smtClean="0">
+              <a:rPr lang="zh-CN" altLang="en-US" sz="2800" dirty="0">
                 <a:solidFill>
                   <a:srgbClr val="FF3300"/>
                 </a:solidFill>
@@ -13392,7 +13144,7 @@
               <a:t>支持可维护性复用</a:t>
             </a:r>
             <a:r>
-              <a:rPr lang="zh-CN" altLang="en-US" sz="2800" smtClean="0"/>
+              <a:rPr lang="zh-CN" altLang="en-US" sz="2800" dirty="0"/>
               <a:t>，一方面需要实现设计方案或者源代码的复用，另一方面要确保系统能够易于扩展和修改，具有良好的可维护性</a:t>
             </a:r>
           </a:p>
@@ -13408,13 +13160,6 @@
   <p:clrMapOvr>
     <a:masterClrMapping/>
   </p:clrMapOvr>
-  <p:timing>
-    <p:tnLst>
-      <p:par>
-        <p:cTn id="1" dur="indefinite" restart="never" nodeType="tmRoot"/>
-      </p:par>
-    </p:tnLst>
-  </p:timing>
 </p:sld>
 </file>
 
@@ -13457,10 +13202,10 @@
           <a:p>
             <a:pPr eaLnBrk="1" hangingPunct="1"/>
             <a:r>
-              <a:rPr lang="zh-CN" altLang="zh-CN" smtClean="0"/>
+              <a:rPr lang="zh-CN" altLang="zh-CN"/>
               <a:t>合成复用原则</a:t>
             </a:r>
-            <a:endParaRPr lang="zh-CN" altLang="en-US" smtClean="0"/>
+            <a:endParaRPr lang="zh-CN" altLang="en-US"/>
           </a:p>
         </p:txBody>
       </p:sp>
@@ -13486,18 +13231,18 @@
           <a:p>
             <a:pPr eaLnBrk="1" hangingPunct="1"/>
             <a:r>
-              <a:rPr lang="zh-CN" altLang="en-US" dirty="0" smtClean="0"/>
+              <a:rPr lang="zh-CN" altLang="en-US" dirty="0"/>
               <a:t>合成复用原则分析 </a:t>
             </a:r>
           </a:p>
           <a:p>
             <a:pPr lvl="1" eaLnBrk="1" hangingPunct="1"/>
             <a:r>
-              <a:rPr lang="zh-CN" altLang="en-US" dirty="0" smtClean="0"/>
+              <a:rPr lang="zh-CN" altLang="en-US" dirty="0"/>
               <a:t>合成复用原则就是在一个新的对象里通过</a:t>
             </a:r>
             <a:r>
-              <a:rPr lang="zh-CN" altLang="en-US" dirty="0" smtClean="0">
+              <a:rPr lang="zh-CN" altLang="en-US" dirty="0">
                 <a:solidFill>
                   <a:srgbClr val="FF6600"/>
                 </a:solidFill>
@@ -13505,7 +13250,7 @@
               <a:t>关联关系（包括组合关系和聚合关系</a:t>
             </a:r>
             <a:r>
-              <a:rPr lang="zh-CN" altLang="en-US" dirty="0" smtClean="0">
+              <a:rPr lang="zh-CN" altLang="en-US" dirty="0">
                 <a:solidFill>
                   <a:srgbClr val="FF3300"/>
                 </a:solidFill>
@@ -13513,19 +13258,19 @@
               <a:t>）</a:t>
             </a:r>
             <a:r>
-              <a:rPr lang="zh-CN" altLang="en-US" dirty="0" smtClean="0"/>
+              <a:rPr lang="zh-CN" altLang="en-US" dirty="0"/>
               <a:t>来使用一些已有的对象，使之成为新对象的一部分</a:t>
             </a:r>
-            <a:endParaRPr lang="en-US" altLang="zh-CN" dirty="0" smtClean="0"/>
+            <a:endParaRPr lang="en-US" altLang="zh-CN" dirty="0"/>
           </a:p>
           <a:p>
             <a:pPr lvl="1" eaLnBrk="1" hangingPunct="1"/>
             <a:r>
-              <a:rPr lang="zh-CN" altLang="en-US" dirty="0" smtClean="0"/>
+              <a:rPr lang="zh-CN" altLang="en-US" dirty="0"/>
               <a:t>新对象</a:t>
             </a:r>
             <a:r>
-              <a:rPr lang="zh-CN" altLang="en-US" dirty="0" smtClean="0">
+              <a:rPr lang="zh-CN" altLang="en-US" dirty="0">
                 <a:solidFill>
                   <a:srgbClr val="FF6600"/>
                 </a:solidFill>
@@ -13533,19 +13278,19 @@
               <a:t>通过委派调用已有对象的方法</a:t>
             </a:r>
             <a:r>
-              <a:rPr lang="zh-CN" altLang="en-US" dirty="0" smtClean="0"/>
+              <a:rPr lang="zh-CN" altLang="en-US" dirty="0"/>
               <a:t>达到复用功能的目的</a:t>
             </a:r>
-            <a:endParaRPr lang="en-US" altLang="zh-CN" dirty="0" smtClean="0"/>
+            <a:endParaRPr lang="en-US" altLang="zh-CN" dirty="0"/>
           </a:p>
           <a:p>
             <a:pPr lvl="1" eaLnBrk="1" hangingPunct="1"/>
             <a:r>
-              <a:rPr lang="zh-CN" altLang="en-US" dirty="0" smtClean="0"/>
+              <a:rPr lang="zh-CN" altLang="en-US" dirty="0"/>
               <a:t>复用时</a:t>
             </a:r>
             <a:r>
-              <a:rPr lang="zh-CN" altLang="en-US" dirty="0" smtClean="0">
+              <a:rPr lang="zh-CN" altLang="en-US" dirty="0">
                 <a:solidFill>
                   <a:srgbClr val="FF6600"/>
                 </a:solidFill>
@@ -13553,7 +13298,7 @@
               <a:t>要尽量使用组合</a:t>
             </a:r>
             <a:r>
-              <a:rPr lang="en-US" altLang="zh-CN" dirty="0" smtClean="0">
+              <a:rPr lang="en-US" altLang="zh-CN" dirty="0">
                 <a:solidFill>
                   <a:srgbClr val="FF6600"/>
                 </a:solidFill>
@@ -13561,7 +13306,7 @@
               <a:t>/</a:t>
             </a:r>
             <a:r>
-              <a:rPr lang="zh-CN" altLang="en-US" dirty="0" smtClean="0">
+              <a:rPr lang="zh-CN" altLang="en-US" dirty="0">
                 <a:solidFill>
                   <a:srgbClr val="FF6600"/>
                 </a:solidFill>
@@ -13581,13 +13326,6 @@
   <p:clrMapOvr>
     <a:masterClrMapping/>
   </p:clrMapOvr>
-  <p:timing>
-    <p:tnLst>
-      <p:par>
-        <p:cTn id="1" dur="indefinite" restart="never" nodeType="tmRoot"/>
-      </p:par>
-    </p:tnLst>
-  </p:timing>
 </p:sld>
 </file>
 
@@ -13630,10 +13368,10 @@
           <a:p>
             <a:pPr eaLnBrk="1" hangingPunct="1"/>
             <a:r>
-              <a:rPr lang="zh-CN" altLang="zh-CN" smtClean="0"/>
+              <a:rPr lang="zh-CN" altLang="zh-CN"/>
               <a:t>合成复用原则</a:t>
             </a:r>
-            <a:endParaRPr lang="zh-CN" altLang="en-US" smtClean="0"/>
+            <a:endParaRPr lang="zh-CN" altLang="en-US"/>
           </a:p>
         </p:txBody>
       </p:sp>
@@ -13659,14 +13397,14 @@
           <a:p>
             <a:pPr eaLnBrk="1" hangingPunct="1"/>
             <a:r>
-              <a:rPr lang="zh-CN" altLang="en-US" dirty="0" smtClean="0"/>
+              <a:rPr lang="zh-CN" altLang="en-US" dirty="0"/>
               <a:t>合成复用原则分析 </a:t>
             </a:r>
           </a:p>
           <a:p>
             <a:pPr lvl="1" eaLnBrk="1" hangingPunct="1"/>
             <a:r>
-              <a:rPr lang="zh-CN" altLang="en-US" dirty="0" smtClean="0">
+              <a:rPr lang="zh-CN" altLang="en-US" dirty="0">
                 <a:solidFill>
                   <a:srgbClr val="0070C0"/>
                 </a:solidFill>
@@ -13674,11 +13412,11 @@
               <a:t>继承复用：</a:t>
             </a:r>
             <a:r>
-              <a:rPr lang="zh-CN" altLang="en-US" dirty="0" smtClean="0"/>
+              <a:rPr lang="zh-CN" altLang="en-US" dirty="0"/>
               <a:t>实现简单，易于扩展。破坏系统的封装性；从基类继承而来的实现是静态的，不可能在运行时发生改变，没有足够的灵活性；只能在有限的环境中使用。（“</a:t>
             </a:r>
             <a:r>
-              <a:rPr lang="zh-CN" altLang="en-US" dirty="0" smtClean="0">
+              <a:rPr lang="zh-CN" altLang="en-US" dirty="0">
                 <a:solidFill>
                   <a:srgbClr val="FF6600"/>
                 </a:solidFill>
@@ -13686,14 +13424,14 @@
               <a:t>白箱</a:t>
             </a:r>
             <a:r>
-              <a:rPr lang="zh-CN" altLang="en-US" dirty="0" smtClean="0"/>
+              <a:rPr lang="zh-CN" altLang="en-US" dirty="0"/>
               <a:t>”复用 ）</a:t>
             </a:r>
           </a:p>
           <a:p>
             <a:pPr lvl="1" eaLnBrk="1" hangingPunct="1"/>
             <a:r>
-              <a:rPr lang="zh-CN" altLang="en-US" dirty="0" smtClean="0">
+              <a:rPr lang="zh-CN" altLang="en-US" dirty="0">
                 <a:solidFill>
                   <a:srgbClr val="0070C0"/>
                 </a:solidFill>
@@ -13701,7 +13439,7 @@
               <a:t>组合</a:t>
             </a:r>
             <a:r>
-              <a:rPr lang="en-US" altLang="zh-CN" dirty="0" smtClean="0">
+              <a:rPr lang="en-US" altLang="zh-CN" dirty="0">
                 <a:solidFill>
                   <a:srgbClr val="0070C0"/>
                 </a:solidFill>
@@ -13709,7 +13447,7 @@
               <a:t>/</a:t>
             </a:r>
             <a:r>
-              <a:rPr lang="zh-CN" altLang="en-US" dirty="0" smtClean="0">
+              <a:rPr lang="zh-CN" altLang="en-US" dirty="0">
                 <a:solidFill>
                   <a:srgbClr val="0070C0"/>
                 </a:solidFill>
@@ -13717,11 +13455,11 @@
               <a:t>聚合复用：</a:t>
             </a:r>
             <a:r>
-              <a:rPr lang="zh-CN" altLang="en-US" dirty="0" smtClean="0"/>
+              <a:rPr lang="zh-CN" altLang="en-US" dirty="0"/>
               <a:t>耦合度相对较低，有选择性地调用成员对象的操作；可以在运行时动态进行，新对象可以动态地引用与成员对象类型相同的其他对象。（“</a:t>
             </a:r>
             <a:r>
-              <a:rPr lang="zh-CN" altLang="en-US" dirty="0" smtClean="0">
+              <a:rPr lang="zh-CN" altLang="en-US" dirty="0">
                 <a:solidFill>
                   <a:srgbClr val="FF6600"/>
                 </a:solidFill>
@@ -13729,7 +13467,7 @@
               <a:t>黑箱</a:t>
             </a:r>
             <a:r>
-              <a:rPr lang="zh-CN" altLang="en-US" dirty="0" smtClean="0"/>
+              <a:rPr lang="zh-CN" altLang="en-US" dirty="0"/>
               <a:t>”复用 ）</a:t>
             </a:r>
           </a:p>
@@ -13745,13 +13483,6 @@
   <p:clrMapOvr>
     <a:masterClrMapping/>
   </p:clrMapOvr>
-  <p:timing>
-    <p:tnLst>
-      <p:par>
-        <p:cTn id="1" dur="indefinite" restart="never" nodeType="tmRoot"/>
-      </p:par>
-    </p:tnLst>
-  </p:timing>
 </p:sld>
 </file>
 
@@ -13794,10 +13525,10 @@
           <a:p>
             <a:pPr eaLnBrk="1" hangingPunct="1"/>
             <a:r>
-              <a:rPr lang="zh-CN" altLang="zh-CN" smtClean="0"/>
+              <a:rPr lang="zh-CN" altLang="zh-CN"/>
               <a:t>合成复用原则</a:t>
             </a:r>
-            <a:endParaRPr lang="zh-CN" altLang="en-US" smtClean="0"/>
+            <a:endParaRPr lang="zh-CN" altLang="en-US"/>
           </a:p>
         </p:txBody>
       </p:sp>
@@ -13823,14 +13554,14 @@
           <a:p>
             <a:pPr eaLnBrk="1" hangingPunct="1"/>
             <a:r>
-              <a:rPr lang="zh-CN" altLang="en-US" smtClean="0"/>
+              <a:rPr lang="zh-CN" altLang="en-US"/>
               <a:t>合成复用原则实例  </a:t>
             </a:r>
           </a:p>
           <a:p>
             <a:pPr lvl="1" eaLnBrk="1" hangingPunct="1"/>
             <a:r>
-              <a:rPr lang="zh-CN" altLang="en-US" smtClean="0"/>
+              <a:rPr lang="zh-CN" altLang="en-US"/>
               <a:t>实例说明</a:t>
             </a:r>
           </a:p>
@@ -13853,7 +13584,13 @@
             <a:tbl>
               <a:tblPr/>
               <a:tblGrid>
-                <a:gridCol w="8763000"/>
+                <a:gridCol w="8763000">
+                  <a:extLst>
+                    <a:ext uri="{9D8B030D-6E8A-4147-A177-3AD203B41FA5}">
+                      <a16:colId xmlns:a16="http://schemas.microsoft.com/office/drawing/2014/main" val="20000"/>
+                    </a:ext>
+                  </a:extLst>
+                </a:gridCol>
               </a:tblGrid>
               <a:tr h="6645275">
                 <a:tc>
@@ -13920,18 +13657,10 @@
                           <a:ea typeface="宋体"/>
                           <a:cs typeface="Times New Roman"/>
                         </a:rPr>
-                        <a:t>类等都需要连接数据库，连接数据库的</a:t>
-                      </a:r>
-                      <a:r>
-                        <a:rPr lang="zh-CN" sz="2000" kern="100" dirty="0" smtClean="0">
-                          <a:latin typeface="Times New Roman"/>
-                          <a:ea typeface="宋体"/>
-                          <a:cs typeface="Times New Roman"/>
-                        </a:rPr>
-                        <a:t>方法</a:t>
-                      </a:r>
-                      <a:r>
-                        <a:rPr lang="en-US" sz="2000" kern="100" dirty="0" err="1" smtClean="0">
+                        <a:t>类等都需要连接数据库，连接数据库的方法</a:t>
+                      </a:r>
+                      <a:r>
+                        <a:rPr lang="en-US" sz="2000" kern="100" dirty="0" err="1">
                           <a:latin typeface="Times New Roman"/>
                           <a:ea typeface="宋体"/>
                           <a:cs typeface="Times New Roman"/>
@@ -13984,18 +13713,10 @@
                           <a:ea typeface="宋体"/>
                           <a:cs typeface="Times New Roman"/>
                         </a:rPr>
-                        <a:t>类</a:t>
-                      </a:r>
-                      <a:r>
-                        <a:rPr lang="zh-CN" sz="2000" kern="100" dirty="0" smtClean="0">
-                          <a:latin typeface="Times New Roman"/>
-                          <a:ea typeface="宋体"/>
-                          <a:cs typeface="Times New Roman"/>
-                        </a:rPr>
-                        <a:t>的</a:t>
-                      </a:r>
-                      <a:r>
-                        <a:rPr lang="en-US" sz="2000" kern="100" dirty="0" err="1" smtClean="0">
+                        <a:t>类的</a:t>
+                      </a:r>
+                      <a:r>
+                        <a:rPr lang="en-US" sz="2000" kern="100" dirty="0" err="1">
                           <a:latin typeface="Times New Roman"/>
                           <a:ea typeface="宋体"/>
                           <a:cs typeface="Times New Roman"/>
@@ -14064,25 +13785,17 @@
                           <a:ea typeface="宋体"/>
                           <a:cs typeface="Times New Roman"/>
                         </a:rPr>
-                        <a:t>所</a:t>
-                      </a:r>
-                      <a:r>
-                        <a:rPr lang="zh-CN" sz="2000" kern="100" dirty="0" smtClean="0">
-                          <a:latin typeface="Times New Roman"/>
-                          <a:ea typeface="宋体"/>
-                          <a:cs typeface="Times New Roman"/>
-                        </a:rPr>
-                        <a:t>示</a:t>
-                      </a:r>
-                      <a:r>
-                        <a:rPr lang="zh-CN" altLang="en-US" sz="2000" kern="100" dirty="0" smtClean="0">
+                        <a:t>所示</a:t>
+                      </a:r>
+                      <a:r>
+                        <a:rPr lang="zh-CN" altLang="en-US" sz="2000" kern="100" dirty="0">
                           <a:latin typeface="Times New Roman"/>
                           <a:ea typeface="宋体"/>
                           <a:cs typeface="Times New Roman"/>
                         </a:rPr>
                         <a:t>。</a:t>
                       </a:r>
-                      <a:endParaRPr lang="en-US" altLang="zh-CN" sz="2000" kern="100" dirty="0" smtClean="0">
+                      <a:endParaRPr lang="en-US" altLang="zh-CN" sz="2000" kern="100" dirty="0">
                         <a:latin typeface="Times New Roman"/>
                         <a:ea typeface="宋体"/>
                         <a:cs typeface="Times New Roman"/>
@@ -14094,7 +13807,7 @@
                           <a:spcPts val="0"/>
                         </a:spcAft>
                       </a:pPr>
-                      <a:endParaRPr lang="en-US" altLang="zh-CN" sz="2000" kern="100" dirty="0" smtClean="0">
+                      <a:endParaRPr lang="en-US" altLang="zh-CN" sz="2000" kern="100" dirty="0">
                         <a:latin typeface="Times New Roman"/>
                         <a:ea typeface="宋体"/>
                         <a:cs typeface="Times New Roman"/>
@@ -14106,7 +13819,7 @@
                           <a:spcPts val="0"/>
                         </a:spcAft>
                       </a:pPr>
-                      <a:endParaRPr lang="en-US" altLang="zh-CN" sz="2000" kern="100" dirty="0" smtClean="0">
+                      <a:endParaRPr lang="en-US" altLang="zh-CN" sz="2000" kern="100" dirty="0">
                         <a:latin typeface="Times New Roman"/>
                         <a:ea typeface="宋体"/>
                         <a:cs typeface="Times New Roman"/>
@@ -14118,7 +13831,7 @@
                           <a:spcPts val="0"/>
                         </a:spcAft>
                       </a:pPr>
-                      <a:endParaRPr lang="en-US" altLang="zh-CN" sz="2000" kern="100" dirty="0" smtClean="0">
+                      <a:endParaRPr lang="en-US" altLang="zh-CN" sz="2000" kern="100" dirty="0">
                         <a:latin typeface="Times New Roman"/>
                         <a:ea typeface="宋体"/>
                         <a:cs typeface="Times New Roman"/>
@@ -14130,7 +13843,7 @@
                           <a:spcPts val="0"/>
                         </a:spcAft>
                       </a:pPr>
-                      <a:endParaRPr lang="en-US" altLang="zh-CN" sz="2000" kern="100" dirty="0" smtClean="0">
+                      <a:endParaRPr lang="en-US" altLang="zh-CN" sz="2000" kern="100" dirty="0">
                         <a:latin typeface="Times New Roman"/>
                         <a:ea typeface="宋体"/>
                         <a:cs typeface="Times New Roman"/>
@@ -14142,7 +13855,7 @@
                           <a:spcPts val="0"/>
                         </a:spcAft>
                       </a:pPr>
-                      <a:endParaRPr lang="en-US" altLang="zh-CN" sz="2000" kern="100" dirty="0" smtClean="0">
+                      <a:endParaRPr lang="en-US" altLang="zh-CN" sz="2000" kern="100" dirty="0">
                         <a:latin typeface="Times New Roman"/>
                         <a:ea typeface="宋体"/>
                         <a:cs typeface="Times New Roman"/>
@@ -14154,7 +13867,7 @@
                           <a:spcPts val="0"/>
                         </a:spcAft>
                       </a:pPr>
-                      <a:endParaRPr lang="en-US" altLang="zh-CN" sz="2000" kern="100" dirty="0" smtClean="0">
+                      <a:endParaRPr lang="en-US" altLang="zh-CN" sz="2000" kern="100" dirty="0">
                         <a:latin typeface="Times New Roman"/>
                         <a:ea typeface="宋体"/>
                         <a:cs typeface="Times New Roman"/>
@@ -14166,7 +13879,7 @@
                           <a:spcPts val="0"/>
                         </a:spcAft>
                       </a:pPr>
-                      <a:endParaRPr lang="en-US" altLang="zh-CN" sz="2000" kern="100" dirty="0" smtClean="0">
+                      <a:endParaRPr lang="en-US" altLang="zh-CN" sz="2000" kern="100" dirty="0">
                         <a:latin typeface="Times New Roman"/>
                         <a:ea typeface="宋体"/>
                         <a:cs typeface="Times New Roman"/>
@@ -14178,7 +13891,7 @@
                           <a:spcPts val="0"/>
                         </a:spcAft>
                       </a:pPr>
-                      <a:endParaRPr lang="en-US" altLang="zh-CN" sz="2000" kern="100" dirty="0" smtClean="0">
+                      <a:endParaRPr lang="en-US" altLang="zh-CN" sz="2000" kern="100" dirty="0">
                         <a:latin typeface="Times New Roman"/>
                         <a:ea typeface="宋体"/>
                         <a:cs typeface="Times New Roman"/>
@@ -14372,18 +14085,10 @@
                           <a:ea typeface="宋体"/>
                           <a:cs typeface="Times New Roman"/>
                         </a:rPr>
-                        <a:t>的子类，这</a:t>
-                      </a:r>
-                      <a:r>
-                        <a:rPr lang="zh-CN" sz="2000" kern="100" dirty="0" smtClean="0">
-                          <a:latin typeface="Times New Roman"/>
-                          <a:ea typeface="宋体"/>
-                          <a:cs typeface="Times New Roman"/>
-                        </a:rPr>
-                        <a:t>将</a:t>
-                      </a:r>
-                      <a:r>
-                        <a:rPr lang="zh-CN" altLang="en-US" sz="2000" kern="100" dirty="0" smtClean="0">
+                        <a:t>的子类，这将</a:t>
+                      </a:r>
+                      <a:r>
+                        <a:rPr lang="zh-CN" altLang="en-US" sz="2000" kern="100" dirty="0">
                           <a:latin typeface="Times New Roman"/>
                           <a:ea typeface="宋体"/>
                           <a:cs typeface="Times New Roman"/>
@@ -14391,23 +14096,15 @@
                         <a:t>违背</a:t>
                       </a:r>
                       <a:r>
-                        <a:rPr lang="zh-CN" sz="2000" kern="100" dirty="0" smtClean="0">
-                          <a:latin typeface="Times New Roman"/>
-                          <a:ea typeface="宋体"/>
-                          <a:cs typeface="Times New Roman"/>
-                        </a:rPr>
-                        <a:t>开闭</a:t>
-                      </a:r>
-                      <a:r>
                         <a:rPr lang="zh-CN" sz="2000" kern="100" dirty="0">
                           <a:latin typeface="Times New Roman"/>
                           <a:ea typeface="宋体"/>
                           <a:cs typeface="Times New Roman"/>
                         </a:rPr>
-                        <a:t>原则。当然</a:t>
-                      </a:r>
-                      <a:r>
-                        <a:rPr lang="zh-CN" altLang="en-US" sz="2000" kern="100" dirty="0" smtClean="0">
+                        <a:t>开闭原则。当然</a:t>
+                      </a:r>
+                      <a:r>
+                        <a:rPr lang="zh-CN" altLang="en-US" sz="2000" kern="100" dirty="0">
                           <a:latin typeface="Times New Roman"/>
                           <a:ea typeface="宋体"/>
                           <a:cs typeface="Times New Roman"/>
@@ -14428,18 +14125,10 @@
                           <a:ea typeface="宋体"/>
                           <a:cs typeface="Times New Roman"/>
                         </a:rPr>
-                        <a:t>类的源代码，这同样</a:t>
-                      </a:r>
-                      <a:r>
-                        <a:rPr lang="zh-CN" sz="2000" kern="100" dirty="0" smtClean="0">
-                          <a:latin typeface="Times New Roman"/>
-                          <a:ea typeface="宋体"/>
-                          <a:cs typeface="Times New Roman"/>
-                        </a:rPr>
-                        <a:t>也</a:t>
-                      </a:r>
-                      <a:r>
-                        <a:rPr lang="zh-CN" altLang="en-US" sz="2000" kern="100" dirty="0" smtClean="0">
+                        <a:t>类的源代码，这同样也</a:t>
+                      </a:r>
+                      <a:r>
+                        <a:rPr lang="zh-CN" altLang="en-US" sz="2000" kern="100" dirty="0">
                           <a:latin typeface="Times New Roman"/>
                           <a:ea typeface="宋体"/>
                           <a:cs typeface="Times New Roman"/>
@@ -14447,20 +14136,12 @@
                         <a:t>违背</a:t>
                       </a:r>
                       <a:r>
-                        <a:rPr lang="zh-CN" sz="2000" kern="100" dirty="0" smtClean="0">
-                          <a:latin typeface="Times New Roman"/>
-                          <a:ea typeface="宋体"/>
-                          <a:cs typeface="Times New Roman"/>
-                        </a:rPr>
-                        <a:t>了</a:t>
-                      </a:r>
-                      <a:r>
                         <a:rPr lang="zh-CN" sz="2000" kern="100" dirty="0">
                           <a:latin typeface="Times New Roman"/>
                           <a:ea typeface="宋体"/>
                           <a:cs typeface="Times New Roman"/>
                         </a:rPr>
-                        <a:t>开闭原则。</a:t>
+                        <a:t>了开闭原则。</a:t>
                       </a:r>
                     </a:p>
                     <a:p>
@@ -14523,6 +14204,11 @@
                     </a:solidFill>
                   </a:tcPr>
                 </a:tc>
+                <a:extLst>
+                  <a:ext uri="{0D108BD9-81ED-4DB2-BD59-A6C34878D82A}">
+                    <a16:rowId xmlns:a16="http://schemas.microsoft.com/office/drawing/2014/main" val="10000"/>
+                  </a:ext>
+                </a:extLst>
               </a:tr>
             </a:tbl>
           </a:graphicData>
@@ -14752,10 +14438,10 @@
           <a:p>
             <a:pPr eaLnBrk="1" hangingPunct="1"/>
             <a:r>
-              <a:rPr lang="zh-CN" altLang="zh-CN" smtClean="0"/>
+              <a:rPr lang="zh-CN" altLang="zh-CN"/>
               <a:t>合成复用原则</a:t>
             </a:r>
-            <a:endParaRPr lang="zh-CN" altLang="en-US" smtClean="0"/>
+            <a:endParaRPr lang="zh-CN" altLang="en-US"/>
           </a:p>
         </p:txBody>
       </p:sp>
@@ -14781,14 +14467,14 @@
           <a:p>
             <a:pPr eaLnBrk="1" hangingPunct="1"/>
             <a:r>
-              <a:rPr lang="zh-CN" altLang="en-US" smtClean="0"/>
+              <a:rPr lang="zh-CN" altLang="en-US"/>
               <a:t>合成复用原则实例  </a:t>
             </a:r>
           </a:p>
           <a:p>
             <a:pPr lvl="1" eaLnBrk="1" hangingPunct="1"/>
             <a:r>
-              <a:rPr lang="zh-CN" altLang="en-US" smtClean="0"/>
+              <a:rPr lang="zh-CN" altLang="en-US"/>
               <a:t>实例解析 </a:t>
             </a:r>
           </a:p>
@@ -14858,13 +14544,6 @@
   <p:clrMapOvr>
     <a:masterClrMapping/>
   </p:clrMapOvr>
-  <p:timing>
-    <p:tnLst>
-      <p:par>
-        <p:cTn id="1" dur="indefinite" restart="never" nodeType="tmRoot"/>
-      </p:par>
-    </p:tnLst>
-  </p:timing>
 </p:sld>
 </file>
 
@@ -14907,7 +14586,7 @@
           <a:p>
             <a:pPr eaLnBrk="1" hangingPunct="1"/>
             <a:r>
-              <a:rPr lang="zh-CN" altLang="en-US" smtClean="0"/>
+              <a:rPr lang="zh-CN" altLang="en-US"/>
               <a:t>迪米特法则 </a:t>
             </a:r>
           </a:p>
@@ -14935,18 +14614,18 @@
           <a:p>
             <a:pPr eaLnBrk="1" hangingPunct="1"/>
             <a:r>
-              <a:rPr lang="zh-CN" altLang="en-US" dirty="0" smtClean="0"/>
+              <a:rPr lang="zh-CN" altLang="en-US" dirty="0"/>
               <a:t>迪米特法则定义</a:t>
             </a:r>
           </a:p>
           <a:p>
             <a:pPr lvl="1" eaLnBrk="1" hangingPunct="1"/>
             <a:r>
-              <a:rPr lang="zh-CN" altLang="en-US" dirty="0" smtClean="0"/>
+              <a:rPr lang="zh-CN" altLang="en-US" dirty="0"/>
               <a:t>迪米特法则又称为</a:t>
             </a:r>
             <a:r>
-              <a:rPr lang="zh-CN" altLang="en-US" dirty="0" smtClean="0">
+              <a:rPr lang="zh-CN" altLang="en-US" dirty="0">
                 <a:solidFill>
                   <a:srgbClr val="FF6600"/>
                 </a:solidFill>
@@ -14954,14 +14633,14 @@
               <a:t>最少知识原则</a:t>
             </a:r>
             <a:r>
-              <a:rPr lang="en-US" altLang="zh-CN" dirty="0" smtClean="0">
+              <a:rPr lang="en-US" altLang="zh-CN" dirty="0">
                 <a:solidFill>
                   <a:srgbClr val="FF6600"/>
                 </a:solidFill>
               </a:rPr>
               <a:t>(Least Knowledge Principle, LKP)</a:t>
             </a:r>
-            <a:endParaRPr lang="en-US" altLang="zh-CN" dirty="0" smtClean="0">
+            <a:endParaRPr lang="en-US" altLang="zh-CN" dirty="0">
               <a:solidFill>
                 <a:srgbClr val="FF6600"/>
               </a:solidFill>
@@ -14987,7 +14666,13 @@
             <a:tbl>
               <a:tblPr/>
               <a:tblGrid>
-                <a:gridCol w="8534400"/>
+                <a:gridCol w="8534400">
+                  <a:extLst>
+                    <a:ext uri="{9D8B030D-6E8A-4147-A177-3AD203B41FA5}">
+                      <a16:colId xmlns:a16="http://schemas.microsoft.com/office/drawing/2014/main" val="20000"/>
+                    </a:ext>
+                  </a:extLst>
+                </a:gridCol>
               </a:tblGrid>
               <a:tr h="2193925">
                 <a:tc>
@@ -15033,17 +14718,9 @@
                           <a:ea typeface="宋体"/>
                           <a:cs typeface="Times New Roman"/>
                         </a:rPr>
-                        <a:t>，而且局限于那些与本单位密切相关的软件单位</a:t>
-                      </a:r>
-                      <a:r>
-                        <a:rPr lang="zh-CN" sz="2400" kern="100" dirty="0" smtClean="0">
-                          <a:latin typeface="Times New Roman"/>
-                          <a:ea typeface="宋体"/>
-                          <a:cs typeface="Times New Roman"/>
-                        </a:rPr>
-                        <a:t>。</a:t>
-                      </a:r>
-                      <a:endParaRPr lang="en-US" altLang="zh-CN" sz="2400" kern="100" dirty="0" smtClean="0">
+                        <a:t>，而且局限于那些与本单位密切相关的软件单位。</a:t>
+                      </a:r>
+                      <a:endParaRPr lang="en-US" altLang="zh-CN" sz="2400" kern="100" dirty="0">
                         <a:latin typeface="Times New Roman"/>
                         <a:ea typeface="宋体"/>
                         <a:cs typeface="Times New Roman"/>
@@ -15169,6 +14846,11 @@
                     </a:solidFill>
                   </a:tcPr>
                 </a:tc>
+                <a:extLst>
+                  <a:ext uri="{0D108BD9-81ED-4DB2-BD59-A6C34878D82A}">
+                    <a16:rowId xmlns:a16="http://schemas.microsoft.com/office/drawing/2014/main" val="10000"/>
+                  </a:ext>
+                </a:extLst>
               </a:tr>
             </a:tbl>
           </a:graphicData>
@@ -15184,13 +14866,6 @@
   <p:clrMapOvr>
     <a:masterClrMapping/>
   </p:clrMapOvr>
-  <p:timing>
-    <p:tnLst>
-      <p:par>
-        <p:cTn id="1" dur="indefinite" restart="never" nodeType="tmRoot"/>
-      </p:par>
-    </p:tnLst>
-  </p:timing>
 </p:sld>
 </file>
 
@@ -15233,7 +14908,7 @@
           <a:p>
             <a:pPr eaLnBrk="1" hangingPunct="1"/>
             <a:r>
-              <a:rPr lang="zh-CN" altLang="en-US" smtClean="0"/>
+              <a:rPr lang="zh-CN" altLang="en-US"/>
               <a:t>迪米特法则 </a:t>
             </a:r>
           </a:p>
@@ -15261,34 +14936,34 @@
           <a:p>
             <a:pPr eaLnBrk="1" hangingPunct="1"/>
             <a:r>
-              <a:rPr lang="zh-CN" altLang="en-US" smtClean="0"/>
+              <a:rPr lang="zh-CN" altLang="en-US"/>
               <a:t>迪米特法则分析</a:t>
             </a:r>
           </a:p>
           <a:p>
             <a:pPr lvl="1" eaLnBrk="1" hangingPunct="1"/>
             <a:r>
-              <a:rPr lang="zh-CN" altLang="en-US" smtClean="0"/>
+              <a:rPr lang="zh-CN" altLang="en-US"/>
               <a:t>迪米特法则来自于</a:t>
             </a:r>
             <a:r>
-              <a:rPr lang="en-US" altLang="zh-CN" smtClean="0"/>
+              <a:rPr lang="en-US" altLang="zh-CN"/>
               <a:t>1987</a:t>
             </a:r>
             <a:r>
-              <a:rPr lang="zh-CN" altLang="en-US" smtClean="0"/>
+              <a:rPr lang="zh-CN" altLang="en-US"/>
               <a:t>年美国东北大学</a:t>
             </a:r>
             <a:r>
-              <a:rPr lang="en-US" altLang="zh-CN" smtClean="0"/>
+              <a:rPr lang="en-US" altLang="zh-CN"/>
               <a:t>(Northeastern University)</a:t>
             </a:r>
             <a:r>
-              <a:rPr lang="zh-CN" altLang="en-US" smtClean="0"/>
+              <a:rPr lang="zh-CN" altLang="en-US"/>
               <a:t>一个名为“</a:t>
             </a:r>
             <a:r>
-              <a:rPr lang="en-US" altLang="zh-CN" smtClean="0">
+              <a:rPr lang="en-US" altLang="zh-CN">
                 <a:solidFill>
                   <a:srgbClr val="FF3300"/>
                 </a:solidFill>
@@ -15296,26 +14971,26 @@
               <a:t>Demeter</a:t>
             </a:r>
             <a:r>
-              <a:rPr lang="zh-CN" altLang="en-US" smtClean="0"/>
+              <a:rPr lang="zh-CN" altLang="en-US"/>
               <a:t>”的研究项目</a:t>
             </a:r>
-            <a:endParaRPr lang="en-US" altLang="zh-CN" smtClean="0"/>
+            <a:endParaRPr lang="en-US" altLang="zh-CN"/>
           </a:p>
           <a:p>
             <a:pPr lvl="1" eaLnBrk="1" hangingPunct="1"/>
             <a:r>
-              <a:rPr lang="zh-CN" altLang="en-US" smtClean="0"/>
+              <a:rPr lang="zh-CN" altLang="en-US"/>
               <a:t>迪米特法则要求</a:t>
             </a:r>
             <a:r>
-              <a:rPr lang="zh-CN" altLang="en-US" smtClean="0">
+              <a:rPr lang="zh-CN" altLang="en-US">
                 <a:solidFill>
                   <a:srgbClr val="FF3300"/>
                 </a:solidFill>
               </a:rPr>
               <a:t>一个软件实体应当尽可能少地与其他实体发生相互作用</a:t>
             </a:r>
-            <a:endParaRPr lang="en-US" altLang="zh-CN" smtClean="0">
+            <a:endParaRPr lang="en-US" altLang="zh-CN">
               <a:solidFill>
                 <a:srgbClr val="FF3300"/>
               </a:solidFill>
@@ -15324,11 +14999,11 @@
           <a:p>
             <a:pPr lvl="1" eaLnBrk="1" hangingPunct="1"/>
             <a:r>
-              <a:rPr lang="zh-CN" altLang="en-US" smtClean="0"/>
+              <a:rPr lang="zh-CN" altLang="en-US"/>
               <a:t>应用迪米特法则可</a:t>
             </a:r>
             <a:r>
-              <a:rPr lang="zh-CN" altLang="en-US" smtClean="0">
+              <a:rPr lang="zh-CN" altLang="en-US">
                 <a:solidFill>
                   <a:srgbClr val="FF3300"/>
                 </a:solidFill>
@@ -15336,14 +15011,14 @@
               <a:t>降低系统的耦合度</a:t>
             </a:r>
             <a:r>
-              <a:rPr lang="zh-CN" altLang="en-US" smtClean="0"/>
+              <a:rPr lang="zh-CN" altLang="en-US"/>
               <a:t>，使类与类之间保持松散的耦合关系</a:t>
             </a:r>
-            <a:endParaRPr lang="en-US" altLang="zh-CN" smtClean="0"/>
+            <a:endParaRPr lang="en-US" altLang="zh-CN"/>
           </a:p>
           <a:p>
             <a:pPr lvl="1" eaLnBrk="1" hangingPunct="1"/>
-            <a:endParaRPr lang="zh-CN" altLang="en-US" smtClean="0"/>
+            <a:endParaRPr lang="zh-CN" altLang="en-US"/>
           </a:p>
         </p:txBody>
       </p:sp>
@@ -15357,13 +15032,6 @@
   <p:clrMapOvr>
     <a:masterClrMapping/>
   </p:clrMapOvr>
-  <p:timing>
-    <p:tnLst>
-      <p:par>
-        <p:cTn id="1" dur="indefinite" restart="never" nodeType="tmRoot"/>
-      </p:par>
-    </p:tnLst>
-  </p:timing>
 </p:sld>
 </file>
 
@@ -15406,7 +15074,7 @@
           <a:p>
             <a:pPr eaLnBrk="1" hangingPunct="1"/>
             <a:r>
-              <a:rPr lang="zh-CN" altLang="en-US" smtClean="0"/>
+              <a:rPr lang="zh-CN" altLang="en-US"/>
               <a:t>迪米特法则 </a:t>
             </a:r>
           </a:p>
@@ -15434,25 +15102,25 @@
           <a:p>
             <a:pPr eaLnBrk="1" hangingPunct="1"/>
             <a:r>
-              <a:rPr lang="zh-CN" altLang="en-US" smtClean="0"/>
+              <a:rPr lang="zh-CN" altLang="en-US"/>
               <a:t>迪米特法则分析</a:t>
             </a:r>
           </a:p>
           <a:p>
             <a:pPr lvl="1"/>
             <a:r>
-              <a:rPr lang="zh-CN" altLang="en-US" smtClean="0"/>
+              <a:rPr lang="zh-CN" altLang="en-US"/>
               <a:t>迪米特法则要求在设计系统时，应该</a:t>
             </a:r>
             <a:r>
-              <a:rPr lang="zh-CN" altLang="en-US" smtClean="0">
+              <a:rPr lang="zh-CN" altLang="en-US">
                 <a:solidFill>
                   <a:srgbClr val="FF3300"/>
                 </a:solidFill>
               </a:rPr>
               <a:t>尽量减少对象之间的交互</a:t>
             </a:r>
-            <a:endParaRPr lang="en-US" altLang="zh-CN" smtClean="0">
+            <a:endParaRPr lang="en-US" altLang="zh-CN">
               <a:solidFill>
                 <a:srgbClr val="FF3300"/>
               </a:solidFill>
@@ -15461,18 +15129,18 @@
           <a:p>
             <a:pPr lvl="1"/>
             <a:r>
-              <a:rPr lang="zh-CN" altLang="en-US" smtClean="0"/>
+              <a:rPr lang="zh-CN" altLang="en-US"/>
               <a:t>如果两个对象之间不必彼此直接通信，那么这两个对象就</a:t>
             </a:r>
             <a:r>
-              <a:rPr lang="zh-CN" altLang="en-US" smtClean="0">
+              <a:rPr lang="zh-CN" altLang="en-US">
                 <a:solidFill>
                   <a:srgbClr val="FF3300"/>
                 </a:solidFill>
               </a:rPr>
               <a:t>不应该发生任何直接的相互作用</a:t>
             </a:r>
-            <a:endParaRPr lang="en-US" altLang="zh-CN" smtClean="0">
+            <a:endParaRPr lang="en-US" altLang="zh-CN">
               <a:solidFill>
                 <a:srgbClr val="FF3300"/>
               </a:solidFill>
@@ -15481,11 +15149,11 @@
           <a:p>
             <a:pPr lvl="1"/>
             <a:r>
-              <a:rPr lang="zh-CN" altLang="en-US" smtClean="0"/>
+              <a:rPr lang="zh-CN" altLang="en-US"/>
               <a:t>如果其中一个对象需要调用另一个对象的方法，可以</a:t>
             </a:r>
             <a:r>
-              <a:rPr lang="zh-CN" altLang="en-US" smtClean="0">
+              <a:rPr lang="zh-CN" altLang="en-US">
                 <a:solidFill>
                   <a:srgbClr val="FF3300"/>
                 </a:solidFill>
@@ -15493,26 +15161,26 @@
               <a:t>通过“第三者”转发</a:t>
             </a:r>
             <a:r>
-              <a:rPr lang="zh-CN" altLang="en-US" smtClean="0"/>
+              <a:rPr lang="zh-CN" altLang="en-US"/>
               <a:t>这个调用</a:t>
             </a:r>
-            <a:endParaRPr lang="en-US" altLang="zh-CN" smtClean="0"/>
+            <a:endParaRPr lang="en-US" altLang="zh-CN"/>
           </a:p>
           <a:p>
             <a:pPr lvl="1"/>
             <a:r>
-              <a:rPr lang="zh-CN" altLang="en-US" smtClean="0"/>
+              <a:rPr lang="zh-CN" altLang="en-US"/>
               <a:t>通过</a:t>
             </a:r>
             <a:r>
-              <a:rPr lang="zh-CN" altLang="en-US" smtClean="0">
+              <a:rPr lang="zh-CN" altLang="en-US">
                 <a:solidFill>
                   <a:srgbClr val="FF3300"/>
                 </a:solidFill>
               </a:rPr>
               <a:t>引入一个合理的“第三者”来降低现有对象之间的耦合度</a:t>
             </a:r>
-            <a:endParaRPr lang="zh-CN" altLang="en-US" smtClean="0"/>
+            <a:endParaRPr lang="zh-CN" altLang="en-US"/>
           </a:p>
         </p:txBody>
       </p:sp>
@@ -15744,13 +15412,6 @@
   <p:clrMapOvr>
     <a:masterClrMapping/>
   </p:clrMapOvr>
-  <p:timing>
-    <p:tnLst>
-      <p:par>
-        <p:cTn id="1" dur="indefinite" restart="never" nodeType="tmRoot"/>
-      </p:par>
-    </p:tnLst>
-  </p:timing>
 </p:sld>
 </file>
 
@@ -15793,7 +15454,7 @@
           <a:p>
             <a:pPr eaLnBrk="1" hangingPunct="1"/>
             <a:r>
-              <a:rPr lang="zh-CN" altLang="en-US" smtClean="0"/>
+              <a:rPr lang="zh-CN" altLang="en-US"/>
               <a:t>迪米特法则 </a:t>
             </a:r>
           </a:p>
@@ -15821,14 +15482,14 @@
           <a:p>
             <a:pPr eaLnBrk="1" hangingPunct="1"/>
             <a:r>
-              <a:rPr lang="zh-CN" altLang="en-US" smtClean="0"/>
+              <a:rPr lang="zh-CN" altLang="en-US"/>
               <a:t>迪米特法则实例</a:t>
             </a:r>
           </a:p>
           <a:p>
             <a:pPr lvl="1" eaLnBrk="1" hangingPunct="1"/>
             <a:r>
-              <a:rPr lang="zh-CN" altLang="en-US" smtClean="0"/>
+              <a:rPr lang="zh-CN" altLang="en-US"/>
               <a:t>实例说明</a:t>
             </a:r>
           </a:p>
@@ -15851,7 +15512,13 @@
             <a:tbl>
               <a:tblPr/>
               <a:tblGrid>
-                <a:gridCol w="8534400"/>
+                <a:gridCol w="8534400">
+                  <a:extLst>
+                    <a:ext uri="{9D8B030D-6E8A-4147-A177-3AD203B41FA5}">
+                      <a16:colId xmlns:a16="http://schemas.microsoft.com/office/drawing/2014/main" val="20000"/>
+                    </a:ext>
+                  </a:extLst>
+                </a:gridCol>
               </a:tblGrid>
               <a:tr h="6340475">
                 <a:tc>
@@ -15886,18 +15553,10 @@
                           <a:ea typeface="宋体"/>
                           <a:cs typeface="Times New Roman"/>
                         </a:rPr>
-                        <a:t>系统包含很多业务操作窗口，在这些窗口中，某些界面控件之间存在复杂的交互关系，一个控件事件的触发将导致多个其他界面控件产生</a:t>
-                      </a:r>
-                      <a:r>
-                        <a:rPr lang="zh-CN" sz="2000" kern="100" dirty="0" smtClean="0">
-                          <a:latin typeface="Times New Roman"/>
-                          <a:ea typeface="宋体"/>
-                          <a:cs typeface="Times New Roman"/>
-                        </a:rPr>
-                        <a:t>响应</a:t>
-                      </a:r>
-                      <a:r>
-                        <a:rPr lang="zh-CN" altLang="en-US" sz="2000" kern="100" dirty="0" smtClean="0">
+                        <a:t>系统包含很多业务操作窗口，在这些窗口中，某些界面控件之间存在复杂的交互关系，一个控件事件的触发将导致多个其他界面控件产生响应</a:t>
+                      </a:r>
+                      <a:r>
+                        <a:rPr lang="zh-CN" altLang="en-US" sz="2000" kern="100" dirty="0">
                           <a:latin typeface="Times New Roman"/>
                           <a:ea typeface="宋体"/>
                           <a:cs typeface="Times New Roman"/>
@@ -15905,20 +15564,12 @@
                         <a:t>。</a:t>
                       </a:r>
                       <a:r>
-                        <a:rPr lang="zh-CN" sz="2000" kern="100" dirty="0" smtClean="0">
-                          <a:latin typeface="Times New Roman"/>
-                          <a:ea typeface="宋体"/>
-                          <a:cs typeface="Times New Roman"/>
-                        </a:rPr>
-                        <a:t>例如</a:t>
-                      </a:r>
-                      <a:r>
                         <a:rPr lang="zh-CN" sz="2000" kern="100" dirty="0">
                           <a:latin typeface="Times New Roman"/>
                           <a:ea typeface="宋体"/>
                           <a:cs typeface="Times New Roman"/>
                         </a:rPr>
-                        <a:t>，当一个按钮</a:t>
+                        <a:t>例如，当一个按钮</a:t>
                       </a:r>
                       <a:r>
                         <a:rPr lang="en-US" sz="2000" kern="100" dirty="0">
@@ -16030,18 +15681,10 @@
                           <a:ea typeface="宋体"/>
                           <a:cs typeface="Times New Roman"/>
                         </a:rPr>
-                        <a:t>等都将发生改变，在初始设计方案中，界面控件之间的交互</a:t>
-                      </a:r>
-                      <a:r>
-                        <a:rPr lang="zh-CN" sz="2000" kern="100" dirty="0" smtClean="0">
-                          <a:latin typeface="Times New Roman"/>
-                          <a:ea typeface="宋体"/>
-                          <a:cs typeface="Times New Roman"/>
-                        </a:rPr>
-                        <a:t>关系</a:t>
-                      </a:r>
-                      <a:r>
-                        <a:rPr lang="zh-CN" altLang="en-US" sz="2000" kern="100" dirty="0" smtClean="0">
+                        <a:t>等都将发生改变，在初始设计方案中，界面控件之间的交互关系</a:t>
+                      </a:r>
+                      <a:r>
+                        <a:rPr lang="zh-CN" altLang="en-US" sz="2000" kern="100" dirty="0">
                           <a:latin typeface="Times New Roman"/>
                           <a:ea typeface="宋体"/>
                           <a:cs typeface="Times New Roman"/>
@@ -16049,20 +15692,12 @@
                         <a:t>可以</a:t>
                       </a:r>
                       <a:r>
-                        <a:rPr lang="zh-CN" sz="2000" kern="100" dirty="0" smtClean="0">
-                          <a:latin typeface="Times New Roman"/>
-                          <a:ea typeface="宋体"/>
-                          <a:cs typeface="Times New Roman"/>
-                        </a:rPr>
-                        <a:t>简化</a:t>
-                      </a:r>
-                      <a:r>
                         <a:rPr lang="zh-CN" sz="2000" kern="100" dirty="0">
                           <a:latin typeface="Times New Roman"/>
                           <a:ea typeface="宋体"/>
                           <a:cs typeface="Times New Roman"/>
                         </a:rPr>
-                        <a:t>为如图</a:t>
+                        <a:t>简化为如图</a:t>
                       </a:r>
                       <a:r>
                         <a:rPr lang="en-US" sz="2000" kern="100" dirty="0">
@@ -16078,18 +15713,10 @@
                           <a:ea typeface="宋体"/>
                           <a:cs typeface="Times New Roman"/>
                         </a:rPr>
-                        <a:t>所</a:t>
-                      </a:r>
-                      <a:r>
-                        <a:rPr lang="zh-CN" sz="2000" kern="100" dirty="0" smtClean="0">
-                          <a:latin typeface="Times New Roman"/>
-                          <a:ea typeface="宋体"/>
-                          <a:cs typeface="Times New Roman"/>
-                        </a:rPr>
-                        <a:t>示</a:t>
-                      </a:r>
-                      <a:r>
-                        <a:rPr lang="zh-CN" altLang="en-US" sz="2000" kern="100" dirty="0" smtClean="0">
+                        <a:t>所示</a:t>
+                      </a:r>
+                      <a:r>
+                        <a:rPr lang="zh-CN" altLang="en-US" sz="2000" kern="100" dirty="0">
                           <a:latin typeface="Times New Roman"/>
                           <a:ea typeface="宋体"/>
                           <a:cs typeface="Times New Roman"/>
@@ -16097,7 +15724,7 @@
                         <a:t>的</a:t>
                       </a:r>
                       <a:r>
-                        <a:rPr lang="zh-CN" sz="2000" kern="100" dirty="0" smtClean="0">
+                        <a:rPr lang="zh-CN" sz="2000" kern="100" dirty="0">
                           <a:latin typeface="Times New Roman"/>
                           <a:ea typeface="宋体"/>
                           <a:cs typeface="Times New Roman"/>
@@ -16105,14 +15732,14 @@
                         <a:t>结构</a:t>
                       </a:r>
                       <a:r>
-                        <a:rPr lang="zh-CN" altLang="en-US" sz="2000" kern="100" dirty="0" smtClean="0">
+                        <a:rPr lang="zh-CN" altLang="en-US" sz="2000" kern="100" dirty="0">
                           <a:latin typeface="Times New Roman"/>
                           <a:ea typeface="宋体"/>
                           <a:cs typeface="Times New Roman"/>
                         </a:rPr>
                         <a:t>。</a:t>
                       </a:r>
-                      <a:endParaRPr lang="en-US" altLang="zh-CN" sz="2000" kern="100" dirty="0" smtClean="0">
+                      <a:endParaRPr lang="en-US" altLang="zh-CN" sz="2000" kern="100" dirty="0">
                         <a:latin typeface="Times New Roman"/>
                         <a:ea typeface="宋体"/>
                         <a:cs typeface="Times New Roman"/>
@@ -16124,7 +15751,7 @@
                           <a:spcPts val="0"/>
                         </a:spcAft>
                       </a:pPr>
-                      <a:endParaRPr lang="en-US" altLang="zh-CN" sz="2000" kern="100" dirty="0" smtClean="0">
+                      <a:endParaRPr lang="en-US" altLang="zh-CN" sz="2000" kern="100" dirty="0">
                         <a:latin typeface="Times New Roman"/>
                         <a:ea typeface="宋体"/>
                         <a:cs typeface="Times New Roman"/>
@@ -16136,7 +15763,7 @@
                           <a:spcPts val="0"/>
                         </a:spcAft>
                       </a:pPr>
-                      <a:endParaRPr lang="en-US" altLang="zh-CN" sz="2000" kern="100" dirty="0" smtClean="0">
+                      <a:endParaRPr lang="en-US" altLang="zh-CN" sz="2000" kern="100" dirty="0">
                         <a:latin typeface="Times New Roman"/>
                         <a:ea typeface="宋体"/>
                         <a:cs typeface="Times New Roman"/>
@@ -16148,7 +15775,7 @@
                           <a:spcPts val="0"/>
                         </a:spcAft>
                       </a:pPr>
-                      <a:endParaRPr lang="en-US" altLang="zh-CN" sz="2000" kern="100" dirty="0" smtClean="0">
+                      <a:endParaRPr lang="en-US" altLang="zh-CN" sz="2000" kern="100" dirty="0">
                         <a:latin typeface="Times New Roman"/>
                         <a:ea typeface="宋体"/>
                         <a:cs typeface="Times New Roman"/>
@@ -16160,7 +15787,7 @@
                           <a:spcPts val="0"/>
                         </a:spcAft>
                       </a:pPr>
-                      <a:endParaRPr lang="en-US" altLang="zh-CN" sz="2000" kern="100" dirty="0" smtClean="0">
+                      <a:endParaRPr lang="en-US" altLang="zh-CN" sz="2000" kern="100" dirty="0">
                         <a:latin typeface="Times New Roman"/>
                         <a:ea typeface="宋体"/>
                         <a:cs typeface="Times New Roman"/>
@@ -16172,7 +15799,7 @@
                           <a:spcPts val="0"/>
                         </a:spcAft>
                       </a:pPr>
-                      <a:endParaRPr lang="en-US" altLang="zh-CN" sz="2000" kern="100" dirty="0" smtClean="0">
+                      <a:endParaRPr lang="en-US" altLang="zh-CN" sz="2000" kern="100" dirty="0">
                         <a:latin typeface="Times New Roman"/>
                         <a:ea typeface="宋体"/>
                         <a:cs typeface="Times New Roman"/>
@@ -16184,7 +15811,7 @@
                           <a:spcPts val="0"/>
                         </a:spcAft>
                       </a:pPr>
-                      <a:endParaRPr lang="en-US" altLang="zh-CN" sz="2000" kern="100" dirty="0" smtClean="0">
+                      <a:endParaRPr lang="en-US" altLang="zh-CN" sz="2000" kern="100" dirty="0">
                         <a:latin typeface="Times New Roman"/>
                         <a:ea typeface="宋体"/>
                         <a:cs typeface="Times New Roman"/>
@@ -16196,7 +15823,7 @@
                           <a:spcPts val="0"/>
                         </a:spcAft>
                       </a:pPr>
-                      <a:endParaRPr lang="en-US" altLang="zh-CN" sz="2000" kern="100" dirty="0" smtClean="0">
+                      <a:endParaRPr lang="en-US" altLang="zh-CN" sz="2000" kern="100" dirty="0">
                         <a:latin typeface="Times New Roman"/>
                         <a:ea typeface="宋体"/>
                         <a:cs typeface="Times New Roman"/>
@@ -16208,7 +15835,7 @@
                           <a:spcPts val="0"/>
                         </a:spcAft>
                       </a:pPr>
-                      <a:endParaRPr lang="en-US" altLang="zh-CN" sz="2000" kern="100" dirty="0" smtClean="0">
+                      <a:endParaRPr lang="en-US" altLang="zh-CN" sz="2000" kern="100" dirty="0">
                         <a:latin typeface="Times New Roman"/>
                         <a:ea typeface="宋体"/>
                         <a:cs typeface="Times New Roman"/>
@@ -16220,7 +15847,7 @@
                           <a:spcPts val="0"/>
                         </a:spcAft>
                       </a:pPr>
-                      <a:endParaRPr lang="en-US" altLang="zh-CN" sz="2000" kern="100" dirty="0" smtClean="0">
+                      <a:endParaRPr lang="en-US" altLang="zh-CN" sz="2000" kern="100" dirty="0">
                         <a:latin typeface="Times New Roman"/>
                         <a:ea typeface="宋体"/>
                         <a:cs typeface="Times New Roman"/>
@@ -16310,15 +15937,7 @@
                           <a:ea typeface="宋体"/>
                           <a:cs typeface="Times New Roman"/>
                         </a:rPr>
-                        <a:t>和</a:t>
-                      </a:r>
-                      <a:r>
-                        <a:rPr lang="zh-CN" sz="2000" kern="100" smtClean="0">
-                          <a:latin typeface="Times New Roman"/>
-                          <a:ea typeface="宋体"/>
-                          <a:cs typeface="Times New Roman"/>
-                        </a:rPr>
-                        <a:t>删除控件</a:t>
+                        <a:t>和删除控件</a:t>
                       </a:r>
                       <a:r>
                         <a:rPr lang="zh-CN" sz="2000" kern="100" dirty="0">
@@ -16341,18 +15960,10 @@
                           <a:ea typeface="宋体"/>
                           <a:cs typeface="Times New Roman"/>
                         </a:rPr>
-                        <a:t>现使用迪米</a:t>
-                      </a:r>
-                      <a:r>
-                        <a:rPr lang="zh-CN" sz="2000" kern="100" dirty="0" smtClean="0">
-                          <a:latin typeface="Times New Roman"/>
-                          <a:ea typeface="宋体"/>
-                          <a:cs typeface="Times New Roman"/>
-                        </a:rPr>
-                        <a:t>特</a:t>
-                      </a:r>
-                      <a:r>
-                        <a:rPr lang="zh-CN" altLang="en-US" sz="2000" kern="100" dirty="0" smtClean="0">
+                        <a:t>现使用迪米特</a:t>
+                      </a:r>
+                      <a:r>
+                        <a:rPr lang="zh-CN" altLang="en-US" sz="2000" kern="100" dirty="0">
                           <a:latin typeface="Times New Roman"/>
                           <a:ea typeface="宋体"/>
                           <a:cs typeface="Times New Roman"/>
@@ -16360,20 +15971,12 @@
                         <a:t>法则</a:t>
                       </a:r>
                       <a:r>
-                        <a:rPr lang="zh-CN" sz="2000" kern="100" dirty="0" smtClean="0">
-                          <a:latin typeface="Times New Roman"/>
-                          <a:ea typeface="宋体"/>
-                          <a:cs typeface="Times New Roman"/>
-                        </a:rPr>
-                        <a:t>对</a:t>
-                      </a:r>
-                      <a:r>
                         <a:rPr lang="zh-CN" sz="2000" kern="100" dirty="0">
                           <a:latin typeface="Times New Roman"/>
                           <a:ea typeface="宋体"/>
                           <a:cs typeface="Times New Roman"/>
                         </a:rPr>
-                        <a:t>其进行重构。</a:t>
+                        <a:t>对其进行重构。</a:t>
                       </a:r>
                     </a:p>
                   </a:txBody>
@@ -16421,6 +16024,11 @@
                     </a:solidFill>
                   </a:tcPr>
                 </a:tc>
+                <a:extLst>
+                  <a:ext uri="{0D108BD9-81ED-4DB2-BD59-A6C34878D82A}">
+                    <a16:rowId xmlns:a16="http://schemas.microsoft.com/office/drawing/2014/main" val="10000"/>
+                  </a:ext>
+                </a:extLst>
               </a:tr>
             </a:tbl>
           </a:graphicData>
@@ -16435,7 +16043,7 @@
           <p:nvPr/>
         </p:nvPicPr>
         <p:blipFill>
-          <a:blip r:embed="rId3">
+          <a:blip r:embed="rId2">
             <a:extLst>
               <a:ext uri="{28A0092B-C50C-407E-A947-70E740481C1C}">
                 <a14:useLocalDpi xmlns:a14="http://schemas.microsoft.com/office/drawing/2010/main" val="0"/>
@@ -16714,12 +16322,12 @@
           <a:graphicData uri="http://schemas.openxmlformats.org/presentationml/2006/ole">
             <mc:AlternateContent xmlns:mc="http://schemas.openxmlformats.org/markup-compatibility/2006">
               <mc:Choice xmlns:v="urn:schemas-microsoft-com:vml" Requires="v">
-                <p:oleObj spid="_x0000_s2197" name="Visio" r:id="rId4" imgW="6526766" imgH="3892685" progId="Visio.Drawing.11">
+                <p:oleObj name="Visio" r:id="rId3" imgW="6526766" imgH="3892685" progId="Visio.Drawing.11">
                   <p:embed/>
                 </p:oleObj>
               </mc:Choice>
               <mc:Fallback>
-                <p:oleObj name="Visio" r:id="rId4" imgW="6526766" imgH="3892685" progId="Visio.Drawing.11">
+                <p:oleObj name="Visio" r:id="rId3" imgW="6526766" imgH="3892685" progId="Visio.Drawing.11">
                   <p:embed/>
                   <p:pic>
                     <p:nvPicPr>
@@ -16730,7 +16338,7 @@
                       <p:nvPr/>
                     </p:nvPicPr>
                     <p:blipFill>
-                      <a:blip r:embed="rId5">
+                      <a:blip r:embed="rId4">
                         <a:extLst>
                           <a:ext uri="{28A0092B-C50C-407E-A947-70E740481C1C}">
                             <a14:useLocalDpi xmlns:a14="http://schemas.microsoft.com/office/drawing/2010/main" val="0"/>
@@ -17172,7 +16780,7 @@
           <a:p>
             <a:pPr eaLnBrk="1" hangingPunct="1"/>
             <a:r>
-              <a:rPr lang="zh-CN" altLang="en-US" smtClean="0"/>
+              <a:rPr lang="zh-CN" altLang="en-US"/>
               <a:t>迪米特法则 </a:t>
             </a:r>
           </a:p>
@@ -17200,14 +16808,14 @@
           <a:p>
             <a:pPr eaLnBrk="1" hangingPunct="1"/>
             <a:r>
-              <a:rPr lang="zh-CN" altLang="en-US" smtClean="0"/>
+              <a:rPr lang="zh-CN" altLang="en-US"/>
               <a:t>迪米特法则实例</a:t>
             </a:r>
           </a:p>
           <a:p>
             <a:pPr lvl="1" eaLnBrk="1" hangingPunct="1"/>
             <a:r>
-              <a:rPr lang="zh-CN" altLang="en-US" smtClean="0"/>
+              <a:rPr lang="zh-CN" altLang="en-US"/>
               <a:t>实例解析</a:t>
             </a:r>
           </a:p>
@@ -17216,7 +16824,7 @@
               <a:buFont typeface="Wingdings" panose="05000000000000000000" pitchFamily="2" charset="2"/>
               <a:buNone/>
             </a:pPr>
-            <a:endParaRPr lang="en-US" altLang="zh-CN" smtClean="0">
+            <a:endParaRPr lang="en-US" altLang="zh-CN">
               <a:ea typeface="黑体" panose="02010609060101010101" pitchFamily="49" charset="-122"/>
             </a:endParaRPr>
           </a:p>
@@ -17286,13 +16894,6 @@
   <p:clrMapOvr>
     <a:masterClrMapping/>
   </p:clrMapOvr>
-  <p:timing>
-    <p:tnLst>
-      <p:par>
-        <p:cTn id="1" dur="indefinite" restart="never" nodeType="tmRoot"/>
-      </p:par>
-    </p:tnLst>
-  </p:timing>
 </p:sld>
 </file>
 
@@ -17335,10 +16936,10 @@
           <a:p>
             <a:pPr eaLnBrk="1" hangingPunct="1"/>
             <a:r>
-              <a:rPr lang="en-US" altLang="zh-CN" smtClean="0"/>
+              <a:rPr lang="en-US" altLang="zh-CN"/>
               <a:t>Patterns are coming……</a:t>
             </a:r>
-            <a:endParaRPr lang="zh-CN" altLang="en-US" smtClean="0"/>
+            <a:endParaRPr lang="zh-CN" altLang="en-US"/>
           </a:p>
         </p:txBody>
       </p:sp>
@@ -17987,7 +17588,7 @@
           <a:p>
             <a:pPr eaLnBrk="1" hangingPunct="1"/>
             <a:r>
-              <a:rPr lang="zh-CN" altLang="en-US" smtClean="0"/>
+              <a:rPr lang="zh-CN" altLang="en-US"/>
               <a:t>面向对象设计原则概述</a:t>
             </a:r>
           </a:p>
@@ -18014,18 +17615,18 @@
           <a:lstStyle/>
           <a:p>
             <a:r>
-              <a:rPr lang="zh-CN" altLang="en-US" sz="2800" smtClean="0"/>
+              <a:rPr lang="zh-CN" altLang="en-US" sz="2800" dirty="0"/>
               <a:t>面向对象设计原则为</a:t>
             </a:r>
             <a:r>
-              <a:rPr lang="zh-CN" altLang="en-US" sz="2800" smtClean="0">
+              <a:rPr lang="zh-CN" altLang="en-US" sz="2800" dirty="0">
                 <a:solidFill>
                   <a:srgbClr val="FF3300"/>
                 </a:solidFill>
               </a:rPr>
               <a:t>支持可维护性复用而诞生</a:t>
             </a:r>
-            <a:endParaRPr lang="en-US" altLang="zh-CN" sz="2800" smtClean="0">
+            <a:endParaRPr lang="en-US" altLang="zh-CN" sz="2800" dirty="0">
               <a:solidFill>
                 <a:srgbClr val="FF3300"/>
               </a:solidFill>
@@ -18033,7 +17634,7 @@
           </a:p>
           <a:p>
             <a:r>
-              <a:rPr lang="zh-CN" altLang="en-US" sz="2800" smtClean="0">
+              <a:rPr lang="zh-CN" altLang="en-US" sz="2800" dirty="0">
                 <a:solidFill>
                   <a:srgbClr val="FF3300"/>
                 </a:solidFill>
@@ -18041,18 +17642,18 @@
               <a:t>指导性原则</a:t>
             </a:r>
             <a:r>
-              <a:rPr lang="zh-CN" altLang="en-US" sz="2800" smtClean="0"/>
+              <a:rPr lang="zh-CN" altLang="en-US" sz="2800" dirty="0"/>
               <a:t>，</a:t>
             </a:r>
             <a:r>
-              <a:rPr lang="zh-CN" altLang="en-US" sz="2800" smtClean="0">
+              <a:rPr lang="zh-CN" altLang="en-US" sz="2800" dirty="0">
                 <a:solidFill>
                   <a:srgbClr val="FF3300"/>
                 </a:solidFill>
               </a:rPr>
               <a:t>非强制性原则</a:t>
             </a:r>
-            <a:endParaRPr lang="en-US" altLang="zh-CN" sz="2800" smtClean="0">
+            <a:endParaRPr lang="en-US" altLang="zh-CN" sz="2800" dirty="0">
               <a:solidFill>
                 <a:srgbClr val="FF3300"/>
               </a:solidFill>
@@ -18060,25 +17661,25 @@
           </a:p>
           <a:p>
             <a:r>
-              <a:rPr lang="zh-CN" altLang="en-US" sz="2800" smtClean="0"/>
+              <a:rPr lang="zh-CN" altLang="en-US" sz="2800" dirty="0"/>
               <a:t>每一个设计模式都符合一个或多个面向对象设计原则，面向对象设计原则是</a:t>
             </a:r>
             <a:r>
-              <a:rPr lang="zh-CN" altLang="en-US" sz="2800" smtClean="0">
+              <a:rPr lang="zh-CN" altLang="en-US" sz="2800" dirty="0">
                 <a:solidFill>
                   <a:srgbClr val="FF3300"/>
                 </a:solidFill>
               </a:rPr>
               <a:t>用于评价一个设计模式的使用效果的重要指标之一</a:t>
             </a:r>
-            <a:endParaRPr lang="en-US" altLang="zh-CN" sz="2800" smtClean="0">
+            <a:endParaRPr lang="en-US" altLang="zh-CN" sz="2800" dirty="0">
               <a:solidFill>
                 <a:srgbClr val="FF3300"/>
               </a:solidFill>
             </a:endParaRPr>
           </a:p>
           <a:p>
-            <a:endParaRPr lang="zh-CN" altLang="en-US" sz="2800" smtClean="0"/>
+            <a:endParaRPr lang="zh-CN" altLang="en-US" sz="2800" dirty="0"/>
           </a:p>
         </p:txBody>
       </p:sp>
@@ -18105,7 +17706,7 @@
         </p:blipFill>
         <p:spPr bwMode="auto">
           <a:xfrm>
-            <a:off x="5562600" y="4191000"/>
+            <a:off x="5715000" y="4343400"/>
             <a:ext cx="3205163" cy="2127250"/>
           </a:xfrm>
           <a:prstGeom prst="rect">
@@ -18146,13 +17747,6 @@
   <p:clrMapOvr>
     <a:masterClrMapping/>
   </p:clrMapOvr>
-  <p:timing>
-    <p:tnLst>
-      <p:par>
-        <p:cTn id="1" dur="indefinite" restart="never" nodeType="tmRoot"/>
-      </p:par>
-    </p:tnLst>
-  </p:timing>
 </p:sld>
 </file>
 
@@ -18192,7 +17786,7 @@
               <a:defRPr/>
             </a:pPr>
             <a:r>
-              <a:rPr lang="en-US" altLang="zh-CN" b="1" smtClean="0">
+              <a:rPr lang="en-US" altLang="zh-CN" b="1">
                 <a:effectLst>
                   <a:outerShdw blurRad="38100" dist="38100" dir="2700000" algn="tl">
                     <a:srgbClr val="C0C0C0"/>
@@ -18222,7 +17816,7 @@
           <a:lstStyle/>
           <a:p>
             <a:pPr eaLnBrk="1" hangingPunct="1"/>
-            <a:endParaRPr lang="zh-CN" altLang="zh-CN" smtClean="0"/>
+            <a:endParaRPr lang="zh-CN" altLang="zh-CN"/>
           </a:p>
         </p:txBody>
       </p:sp>
@@ -18386,13 +17980,6 @@
   <p:clrMapOvr>
     <a:masterClrMapping/>
   </p:clrMapOvr>
-  <p:timing>
-    <p:tnLst>
-      <p:par>
-        <p:cTn id="1" dur="indefinite" restart="never" nodeType="tmRoot"/>
-      </p:par>
-    </p:tnLst>
-  </p:timing>
 </p:sld>
 </file>
 
@@ -18435,7 +18022,7 @@
           <a:p>
             <a:pPr eaLnBrk="1" hangingPunct="1"/>
             <a:r>
-              <a:rPr lang="zh-CN" altLang="en-US" smtClean="0"/>
+              <a:rPr lang="zh-CN" altLang="en-US"/>
               <a:t>面向对象设计原则概述</a:t>
             </a:r>
           </a:p>
@@ -18461,7 +18048,7 @@
           <a:bodyPr/>
           <a:lstStyle/>
           <a:p>
-            <a:endParaRPr lang="zh-CN" altLang="en-US" sz="2800" smtClean="0"/>
+            <a:endParaRPr lang="zh-CN" altLang="en-US" sz="2800"/>
           </a:p>
         </p:txBody>
       </p:sp>
@@ -18471,22 +18058,46 @@
           <p:cNvGraphicFramePr>
             <a:graphicFrameLocks noGrp="1"/>
           </p:cNvGraphicFramePr>
-          <p:nvPr/>
+          <p:nvPr>
+            <p:extLst>
+              <p:ext uri="{D42A27DB-BD31-4B8C-83A1-F6EECF244321}">
+                <p14:modId xmlns:p14="http://schemas.microsoft.com/office/powerpoint/2010/main" val="2211020007"/>
+              </p:ext>
+            </p:extLst>
+          </p:nvPr>
         </p:nvGraphicFramePr>
         <p:xfrm>
-          <a:off x="381000" y="1828800"/>
-          <a:ext cx="8458200" cy="4511674"/>
+          <a:off x="381000" y="1606378"/>
+          <a:ext cx="8458200" cy="4511640"/>
         </p:xfrm>
         <a:graphic>
           <a:graphicData uri="http://schemas.openxmlformats.org/drawingml/2006/table">
             <a:tbl>
               <a:tblPr/>
               <a:tblGrid>
-                <a:gridCol w="2206487"/>
-                <a:gridCol w="4045226"/>
-                <a:gridCol w="2206487"/>
+                <a:gridCol w="2057400">
+                  <a:extLst>
+                    <a:ext uri="{9D8B030D-6E8A-4147-A177-3AD203B41FA5}">
+                      <a16:colId xmlns:a16="http://schemas.microsoft.com/office/drawing/2014/main" val="20000"/>
+                    </a:ext>
+                  </a:extLst>
+                </a:gridCol>
+                <a:gridCol w="4194313">
+                  <a:extLst>
+                    <a:ext uri="{9D8B030D-6E8A-4147-A177-3AD203B41FA5}">
+                      <a16:colId xmlns:a16="http://schemas.microsoft.com/office/drawing/2014/main" val="20001"/>
+                    </a:ext>
+                  </a:extLst>
+                </a:gridCol>
+                <a:gridCol w="2206487">
+                  <a:extLst>
+                    <a:ext uri="{9D8B030D-6E8A-4147-A177-3AD203B41FA5}">
+                      <a16:colId xmlns:a16="http://schemas.microsoft.com/office/drawing/2014/main" val="20002"/>
+                    </a:ext>
+                  </a:extLst>
+                </a:gridCol>
               </a:tblGrid>
-              <a:tr h="243874">
+              <a:tr h="0">
                 <a:tc>
                   <a:txBody>
                     <a:bodyPr/>
@@ -18716,6 +18327,11 @@
                     </a:solidFill>
                   </a:tcPr>
                 </a:tc>
+                <a:extLst>
+                  <a:ext uri="{0D108BD9-81ED-4DB2-BD59-A6C34878D82A}">
+                    <a16:rowId xmlns:a16="http://schemas.microsoft.com/office/drawing/2014/main" val="10000"/>
+                  </a:ext>
+                </a:extLst>
               </a:tr>
               <a:tr h="640170">
                 <a:tc>
@@ -18819,21 +18435,8 @@
                           <a:ea typeface="宋体"/>
                           <a:cs typeface="Times New Roman"/>
                         </a:rPr>
-                        <a:t>一个对象应该只包含单一的职责，并且该职责被完整地封装在一个类</a:t>
-                      </a:r>
-                      <a:r>
-                        <a:rPr lang="zh-CN" sz="1400" b="1" kern="100" dirty="0" smtClean="0">
-                          <a:latin typeface="Times New Roman"/>
-                          <a:ea typeface="宋体"/>
-                          <a:cs typeface="Times New Roman"/>
-                        </a:rPr>
-                        <a:t>中</a:t>
-                      </a:r>
-                      <a:endParaRPr lang="zh-CN" sz="1400" b="1" kern="100" dirty="0">
-                        <a:latin typeface="Times New Roman"/>
-                        <a:ea typeface="宋体"/>
-                        <a:cs typeface="Times New Roman"/>
-                      </a:endParaRPr>
+                        <a:t>一个对象应该只包含单一的职责，并且该职责被完整地封装在一个类中</a:t>
+                      </a:r>
                     </a:p>
                   </a:txBody>
                   <a:tcPr marL="68580" marR="68580" marT="0" marB="0">
@@ -18937,6 +18540,11 @@
                     </a:solidFill>
                   </a:tcPr>
                 </a:tc>
+                <a:extLst>
+                  <a:ext uri="{0D108BD9-81ED-4DB2-BD59-A6C34878D82A}">
+                    <a16:rowId xmlns:a16="http://schemas.microsoft.com/office/drawing/2014/main" val="10001"/>
+                  </a:ext>
+                </a:extLst>
               </a:tr>
               <a:tr h="640170">
                 <a:tc>
@@ -19040,21 +18648,8 @@
                           <a:ea typeface="宋体"/>
                           <a:cs typeface="Times New Roman"/>
                         </a:rPr>
-                        <a:t>软件实体应当对扩展开放，对修改</a:t>
-                      </a:r>
-                      <a:r>
-                        <a:rPr lang="zh-CN" sz="1400" b="1" kern="100" dirty="0" smtClean="0">
-                          <a:latin typeface="Times New Roman"/>
-                          <a:ea typeface="宋体"/>
-                          <a:cs typeface="Times New Roman"/>
-                        </a:rPr>
-                        <a:t>关闭</a:t>
-                      </a:r>
-                      <a:endParaRPr lang="zh-CN" sz="1400" b="1" kern="100" dirty="0">
-                        <a:latin typeface="Times New Roman"/>
-                        <a:ea typeface="宋体"/>
-                        <a:cs typeface="Times New Roman"/>
-                      </a:endParaRPr>
+                        <a:t>软件实体应当对扩展开放，对修改关闭</a:t>
+                      </a:r>
                     </a:p>
                   </a:txBody>
                   <a:tcPr marL="68580" marR="68580" marT="0" marB="0">
@@ -19158,6 +18753,11 @@
                     </a:solidFill>
                   </a:tcPr>
                 </a:tc>
+                <a:extLst>
+                  <a:ext uri="{0D108BD9-81ED-4DB2-BD59-A6C34878D82A}">
+                    <a16:rowId xmlns:a16="http://schemas.microsoft.com/office/drawing/2014/main" val="10002"/>
+                  </a:ext>
+                </a:extLst>
               </a:tr>
               <a:tr h="640170">
                 <a:tc>
@@ -19283,21 +18883,8 @@
                           <a:ea typeface="宋体"/>
                           <a:cs typeface="Times New Roman"/>
                         </a:rPr>
-                        <a:t>所有引用基类的地方必须能透明地使用其子类的</a:t>
-                      </a:r>
-                      <a:r>
-                        <a:rPr lang="zh-CN" sz="1400" b="1" kern="100" dirty="0" smtClean="0">
-                          <a:latin typeface="Times New Roman"/>
-                          <a:ea typeface="宋体"/>
-                          <a:cs typeface="Times New Roman"/>
-                        </a:rPr>
-                        <a:t>对象</a:t>
-                      </a:r>
-                      <a:endParaRPr lang="zh-CN" sz="1400" b="1" kern="100" dirty="0">
-                        <a:latin typeface="Times New Roman"/>
-                        <a:ea typeface="宋体"/>
-                        <a:cs typeface="Times New Roman"/>
-                      </a:endParaRPr>
+                        <a:t>所有引用基类的地方必须能透明地使用其子类的对象</a:t>
+                      </a:r>
                     </a:p>
                   </a:txBody>
                   <a:tcPr marL="68580" marR="68580" marT="0" marB="0">
@@ -19401,6 +18988,11 @@
                     </a:solidFill>
                   </a:tcPr>
                 </a:tc>
+                <a:extLst>
+                  <a:ext uri="{0D108BD9-81ED-4DB2-BD59-A6C34878D82A}">
+                    <a16:rowId xmlns:a16="http://schemas.microsoft.com/office/drawing/2014/main" val="10003"/>
+                  </a:ext>
+                </a:extLst>
               </a:tr>
               <a:tr h="640170">
                 <a:tc>
@@ -19504,21 +19096,8 @@
                           <a:ea typeface="宋体"/>
                           <a:cs typeface="Times New Roman"/>
                         </a:rPr>
-                        <a:t>高层模块不应该依赖低层模块，它们都应该依赖抽象。抽象不应该依赖于细节，细节应该依赖于</a:t>
-                      </a:r>
-                      <a:r>
-                        <a:rPr lang="zh-CN" sz="1400" b="1" kern="100" dirty="0" smtClean="0">
-                          <a:latin typeface="Times New Roman"/>
-                          <a:ea typeface="宋体"/>
-                          <a:cs typeface="Times New Roman"/>
-                        </a:rPr>
-                        <a:t>抽象</a:t>
-                      </a:r>
-                      <a:endParaRPr lang="zh-CN" sz="1400" b="1" kern="100" dirty="0">
-                        <a:latin typeface="Times New Roman"/>
-                        <a:ea typeface="宋体"/>
-                        <a:cs typeface="Times New Roman"/>
-                      </a:endParaRPr>
+                        <a:t>高层模块不应该依赖低层模块，它们都应该依赖抽象。抽象不应该依赖于细节，细节应该依赖于抽象</a:t>
+                      </a:r>
                     </a:p>
                   </a:txBody>
                   <a:tcPr marL="68580" marR="68580" marT="0" marB="0">
@@ -19622,6 +19201,11 @@
                     </a:solidFill>
                   </a:tcPr>
                 </a:tc>
+                <a:extLst>
+                  <a:ext uri="{0D108BD9-81ED-4DB2-BD59-A6C34878D82A}">
+                    <a16:rowId xmlns:a16="http://schemas.microsoft.com/office/drawing/2014/main" val="10004"/>
+                  </a:ext>
+                </a:extLst>
               </a:tr>
               <a:tr h="640170">
                 <a:tc>
@@ -19725,21 +19309,8 @@
                           <a:ea typeface="宋体"/>
                           <a:cs typeface="Times New Roman"/>
                         </a:rPr>
-                        <a:t>客户端不应该依赖那些它不需要的</a:t>
-                      </a:r>
-                      <a:r>
-                        <a:rPr lang="zh-CN" sz="1400" b="1" kern="100" dirty="0" smtClean="0">
-                          <a:latin typeface="Times New Roman"/>
-                          <a:ea typeface="宋体"/>
-                          <a:cs typeface="Times New Roman"/>
-                        </a:rPr>
-                        <a:t>接口</a:t>
-                      </a:r>
-                      <a:endParaRPr lang="zh-CN" sz="1400" b="1" kern="100" dirty="0">
-                        <a:latin typeface="Times New Roman"/>
-                        <a:ea typeface="宋体"/>
-                        <a:cs typeface="Times New Roman"/>
-                      </a:endParaRPr>
+                        <a:t>客户端不应该依赖那些它不需要的接口</a:t>
+                      </a:r>
                     </a:p>
                   </a:txBody>
                   <a:tcPr marL="68580" marR="68580" marT="0" marB="0">
@@ -19843,6 +19414,11 @@
                     </a:solidFill>
                   </a:tcPr>
                 </a:tc>
+                <a:extLst>
+                  <a:ext uri="{0D108BD9-81ED-4DB2-BD59-A6C34878D82A}">
+                    <a16:rowId xmlns:a16="http://schemas.microsoft.com/office/drawing/2014/main" val="10005"/>
+                  </a:ext>
+                </a:extLst>
               </a:tr>
               <a:tr h="640170">
                 <a:tc>
@@ -19946,21 +19522,8 @@
                           <a:ea typeface="宋体"/>
                           <a:cs typeface="Times New Roman"/>
                         </a:rPr>
-                        <a:t>优先使用对象组合，而不是继承来达到复用的</a:t>
-                      </a:r>
-                      <a:r>
-                        <a:rPr lang="zh-CN" sz="1400" b="1" kern="100" dirty="0" smtClean="0">
-                          <a:latin typeface="Times New Roman"/>
-                          <a:ea typeface="宋体"/>
-                          <a:cs typeface="Times New Roman"/>
-                        </a:rPr>
-                        <a:t>目的</a:t>
-                      </a:r>
-                      <a:endParaRPr lang="zh-CN" sz="1400" b="1" kern="100" dirty="0">
-                        <a:latin typeface="Times New Roman"/>
-                        <a:ea typeface="宋体"/>
-                        <a:cs typeface="Times New Roman"/>
-                      </a:endParaRPr>
+                        <a:t>优先使用对象组合，而不是继承来达到复用的目的</a:t>
+                      </a:r>
                     </a:p>
                   </a:txBody>
                   <a:tcPr marL="68580" marR="68580" marT="0" marB="0">
@@ -20064,6 +19627,11 @@
                     </a:solidFill>
                   </a:tcPr>
                 </a:tc>
+                <a:extLst>
+                  <a:ext uri="{0D108BD9-81ED-4DB2-BD59-A6C34878D82A}">
+                    <a16:rowId xmlns:a16="http://schemas.microsoft.com/office/drawing/2014/main" val="10006"/>
+                  </a:ext>
+                </a:extLst>
               </a:tr>
               <a:tr h="426780">
                 <a:tc>
@@ -20189,21 +19757,8 @@
                           <a:ea typeface="宋体"/>
                           <a:cs typeface="Times New Roman"/>
                         </a:rPr>
-                        <a:t>每一个软件单位对其他的单位都只有最少的知识，而且局限于那些与本单位密切相关的软件</a:t>
-                      </a:r>
-                      <a:r>
-                        <a:rPr lang="zh-CN" sz="1400" b="1" kern="100" dirty="0" smtClean="0">
-                          <a:latin typeface="Times New Roman"/>
-                          <a:ea typeface="宋体"/>
-                          <a:cs typeface="Times New Roman"/>
-                        </a:rPr>
-                        <a:t>单位</a:t>
-                      </a:r>
-                      <a:endParaRPr lang="zh-CN" sz="1400" b="1" kern="100" dirty="0">
-                        <a:latin typeface="Times New Roman"/>
-                        <a:ea typeface="宋体"/>
-                        <a:cs typeface="Times New Roman"/>
-                      </a:endParaRPr>
+                        <a:t>每一个软件单位对其他的单位都只有最少的知识，而且局限于那些与本单位密切相关的软件单位</a:t>
+                      </a:r>
                     </a:p>
                   </a:txBody>
                   <a:tcPr marL="68580" marR="68580" marT="0" marB="0">
@@ -20307,6 +19862,11 @@
                     </a:solidFill>
                   </a:tcPr>
                 </a:tc>
+                <a:extLst>
+                  <a:ext uri="{0D108BD9-81ED-4DB2-BD59-A6C34878D82A}">
+                    <a16:rowId xmlns:a16="http://schemas.microsoft.com/office/drawing/2014/main" val="10007"/>
+                  </a:ext>
+                </a:extLst>
               </a:tr>
             </a:tbl>
           </a:graphicData>
@@ -20322,13 +19882,6 @@
   <p:clrMapOvr>
     <a:masterClrMapping/>
   </p:clrMapOvr>
-  <p:timing>
-    <p:tnLst>
-      <p:par>
-        <p:cTn id="1" dur="indefinite" restart="never" nodeType="tmRoot"/>
-      </p:par>
-    </p:tnLst>
-  </p:timing>
 </p:sld>
 </file>
 
@@ -20371,7 +19924,7 @@
           <a:p>
             <a:pPr eaLnBrk="1" hangingPunct="1"/>
             <a:r>
-              <a:rPr lang="zh-CN" altLang="en-US" smtClean="0"/>
+              <a:rPr lang="zh-CN" altLang="en-US" dirty="0"/>
               <a:t>单一职责原则 </a:t>
             </a:r>
           </a:p>
@@ -20398,29 +19951,29 @@
               </a:lnSpc>
             </a:pPr>
             <a:r>
-              <a:rPr lang="zh-CN" altLang="en-US" smtClean="0"/>
+              <a:rPr lang="zh-CN" altLang="en-US" dirty="0"/>
               <a:t>单一职责原则定义</a:t>
             </a:r>
           </a:p>
           <a:p>
             <a:pPr lvl="1"/>
             <a:r>
-              <a:rPr lang="zh-CN" altLang="en-US" smtClean="0"/>
+              <a:rPr lang="zh-CN" altLang="en-US" dirty="0"/>
               <a:t>单一职责原则是最简单的面向对象设计原则，</a:t>
             </a:r>
             <a:r>
-              <a:rPr lang="zh-CN" altLang="en-US" smtClean="0">
+              <a:rPr lang="zh-CN" altLang="en-US" dirty="0">
                 <a:solidFill>
                   <a:srgbClr val="FF3300"/>
                 </a:solidFill>
               </a:rPr>
               <a:t>用于控制类的粒度大小</a:t>
             </a:r>
-            <a:endParaRPr lang="en-US" altLang="zh-CN" smtClean="0"/>
+            <a:endParaRPr lang="en-US" altLang="zh-CN" dirty="0"/>
           </a:p>
           <a:p>
             <a:pPr lvl="1"/>
-            <a:endParaRPr lang="zh-CN" altLang="en-US" smtClean="0"/>
+            <a:endParaRPr lang="zh-CN" altLang="en-US" dirty="0"/>
           </a:p>
         </p:txBody>
       </p:sp>
@@ -20441,7 +19994,13 @@
             <a:tbl>
               <a:tblPr/>
               <a:tblGrid>
-                <a:gridCol w="8229600"/>
+                <a:gridCol w="8229600">
+                  <a:extLst>
+                    <a:ext uri="{9D8B030D-6E8A-4147-A177-3AD203B41FA5}">
+                      <a16:colId xmlns:a16="http://schemas.microsoft.com/office/drawing/2014/main" val="20000"/>
+                    </a:ext>
+                  </a:extLst>
+                </a:gridCol>
               </a:tblGrid>
               <a:tr h="2193925">
                 <a:tc>
@@ -20487,17 +20046,9 @@
                           <a:ea typeface="宋体"/>
                           <a:cs typeface="Times New Roman"/>
                         </a:rPr>
-                        <a:t>，并且该职责被完整地封装在一个类中</a:t>
-                      </a:r>
-                      <a:r>
-                        <a:rPr lang="zh-CN" sz="2400" kern="100" dirty="0" smtClean="0">
-                          <a:latin typeface="Times New Roman"/>
-                          <a:ea typeface="宋体"/>
-                          <a:cs typeface="Times New Roman"/>
-                        </a:rPr>
-                        <a:t>。</a:t>
-                      </a:r>
-                      <a:endParaRPr lang="en-US" altLang="zh-CN" sz="2400" kern="100" dirty="0" smtClean="0">
+                        <a:t>，并且该职责被完整地封装在一个类中。</a:t>
+                      </a:r>
+                      <a:endParaRPr lang="en-US" altLang="zh-CN" sz="2400" kern="100" dirty="0">
                         <a:latin typeface="Times New Roman"/>
                         <a:ea typeface="宋体"/>
                         <a:cs typeface="Times New Roman"/>
@@ -20607,6 +20158,11 @@
                     </a:solidFill>
                   </a:tcPr>
                 </a:tc>
+                <a:extLst>
+                  <a:ext uri="{0D108BD9-81ED-4DB2-BD59-A6C34878D82A}">
+                    <a16:rowId xmlns:a16="http://schemas.microsoft.com/office/drawing/2014/main" val="10000"/>
+                  </a:ext>
+                </a:extLst>
               </a:tr>
             </a:tbl>
           </a:graphicData>
@@ -20622,13 +20178,6 @@
   <p:clrMapOvr>
     <a:masterClrMapping/>
   </p:clrMapOvr>
-  <p:timing>
-    <p:tnLst>
-      <p:par>
-        <p:cTn id="1" dur="indefinite" restart="never" nodeType="tmRoot"/>
-      </p:par>
-    </p:tnLst>
-  </p:timing>
 </p:sld>
 </file>
 
@@ -20671,7 +20220,7 @@
           <a:p>
             <a:pPr eaLnBrk="1" hangingPunct="1"/>
             <a:r>
-              <a:rPr lang="zh-CN" altLang="en-US" smtClean="0"/>
+              <a:rPr lang="zh-CN" altLang="en-US"/>
               <a:t>单一职责原则 </a:t>
             </a:r>
           </a:p>
@@ -20698,7 +20247,7 @@
               </a:lnSpc>
             </a:pPr>
             <a:r>
-              <a:rPr lang="zh-CN" altLang="en-US" smtClean="0"/>
+              <a:rPr lang="zh-CN" altLang="en-US" dirty="0"/>
               <a:t>单一职责原则定义</a:t>
             </a:r>
           </a:p>
@@ -20709,18 +20258,18 @@
               </a:lnSpc>
             </a:pPr>
             <a:r>
-              <a:rPr lang="zh-CN" altLang="en-US" smtClean="0"/>
+              <a:rPr lang="zh-CN" altLang="en-US" dirty="0"/>
               <a:t>就一个类而言，应该</a:t>
             </a:r>
             <a:r>
-              <a:rPr lang="zh-CN" altLang="en-US" smtClean="0">
+              <a:rPr lang="zh-CN" altLang="en-US" dirty="0">
                 <a:solidFill>
                   <a:srgbClr val="FF3300"/>
                 </a:solidFill>
               </a:rPr>
               <a:t>仅有一个引起它变化的原因</a:t>
             </a:r>
-            <a:endParaRPr lang="en-US" smtClean="0"/>
+            <a:endParaRPr lang="en-US" dirty="0"/>
           </a:p>
           <a:p>
             <a:pPr lvl="1" eaLnBrk="1" hangingPunct="1">
@@ -20729,11 +20278,11 @@
               </a:lnSpc>
             </a:pPr>
             <a:r>
-              <a:rPr lang="en-US" altLang="zh-CN" smtClean="0"/>
+              <a:rPr lang="en-US" altLang="zh-CN" dirty="0"/>
               <a:t>There should never be more than </a:t>
             </a:r>
             <a:r>
-              <a:rPr lang="en-US" altLang="zh-CN" smtClean="0">
+              <a:rPr lang="en-US" altLang="zh-CN" dirty="0">
                 <a:solidFill>
                   <a:srgbClr val="FF3300"/>
                 </a:solidFill>
@@ -20741,7 +20290,7 @@
               <a:t>one reason for a class to change</a:t>
             </a:r>
             <a:r>
-              <a:rPr lang="en-US" altLang="zh-CN" smtClean="0"/>
+              <a:rPr lang="en-US" altLang="zh-CN" dirty="0"/>
               <a:t>.</a:t>
             </a:r>
           </a:p>
@@ -20751,7 +20300,7 @@
                 <a:spcPct val="110000"/>
               </a:lnSpc>
             </a:pPr>
-            <a:endParaRPr lang="en-US" altLang="zh-CN" sz="2000" smtClean="0">
+            <a:endParaRPr lang="en-US" altLang="zh-CN" sz="2000" dirty="0">
               <a:ea typeface="黑体" panose="02010609060101010101" pitchFamily="49" charset="-122"/>
             </a:endParaRPr>
           </a:p>
@@ -20767,13 +20316,6 @@
   <p:clrMapOvr>
     <a:masterClrMapping/>
   </p:clrMapOvr>
-  <p:timing>
-    <p:tnLst>
-      <p:par>
-        <p:cTn id="1" dur="indefinite" restart="never" nodeType="tmRoot"/>
-      </p:par>
-    </p:tnLst>
-  </p:timing>
 </p:sld>
 </file>
 
@@ -20816,7 +20358,7 @@
           <a:p>
             <a:pPr eaLnBrk="1" hangingPunct="1"/>
             <a:r>
-              <a:rPr lang="zh-CN" altLang="en-US" smtClean="0"/>
+              <a:rPr lang="zh-CN" altLang="en-US"/>
               <a:t>单一职责原则 </a:t>
             </a:r>
           </a:p>
@@ -20843,18 +20385,18 @@
               </a:lnSpc>
             </a:pPr>
             <a:r>
-              <a:rPr lang="zh-CN" altLang="en-US" smtClean="0"/>
+              <a:rPr lang="zh-CN" altLang="en-US" dirty="0"/>
               <a:t>单一职责原则分析 </a:t>
             </a:r>
           </a:p>
           <a:p>
             <a:pPr lvl="1"/>
             <a:r>
-              <a:rPr lang="zh-CN" altLang="en-US" smtClean="0"/>
+              <a:rPr lang="zh-CN" altLang="en-US" dirty="0"/>
               <a:t>一个类（大到模块，小到方法）</a:t>
             </a:r>
             <a:r>
-              <a:rPr lang="zh-CN" altLang="en-US" smtClean="0">
+              <a:rPr lang="zh-CN" altLang="en-US" dirty="0">
                 <a:solidFill>
                   <a:srgbClr val="FF3300"/>
                 </a:solidFill>
@@ -20862,18 +20404,18 @@
               <a:t>承担的职责越多</a:t>
             </a:r>
             <a:r>
-              <a:rPr lang="zh-CN" altLang="en-US" smtClean="0"/>
+              <a:rPr lang="zh-CN" altLang="en-US" dirty="0"/>
               <a:t>，它</a:t>
             </a:r>
             <a:r>
-              <a:rPr lang="zh-CN" altLang="en-US" smtClean="0">
+              <a:rPr lang="zh-CN" altLang="en-US" dirty="0">
                 <a:solidFill>
                   <a:srgbClr val="FF3300"/>
                 </a:solidFill>
               </a:rPr>
               <a:t>被复用的可能性就越小</a:t>
             </a:r>
-            <a:endParaRPr lang="en-US" altLang="zh-CN" smtClean="0">
+            <a:endParaRPr lang="en-US" altLang="zh-CN" dirty="0">
               <a:solidFill>
                 <a:srgbClr val="FF3300"/>
               </a:solidFill>
@@ -20882,7 +20424,7 @@
           <a:p>
             <a:pPr lvl="1"/>
             <a:r>
-              <a:rPr lang="zh-CN" altLang="en-US" smtClean="0">
+              <a:rPr lang="zh-CN" altLang="en-US" dirty="0">
                 <a:solidFill>
                   <a:srgbClr val="FF3300"/>
                 </a:solidFill>
@@ -20890,18 +20432,18 @@
               <a:t>当一个职责变化时</a:t>
             </a:r>
             <a:r>
-              <a:rPr lang="zh-CN" altLang="en-US" smtClean="0"/>
+              <a:rPr lang="zh-CN" altLang="en-US" dirty="0"/>
               <a:t>，可能</a:t>
             </a:r>
             <a:r>
-              <a:rPr lang="zh-CN" altLang="en-US" smtClean="0">
+              <a:rPr lang="zh-CN" altLang="en-US" dirty="0">
                 <a:solidFill>
                   <a:srgbClr val="FF3300"/>
                 </a:solidFill>
               </a:rPr>
               <a:t>会影响其他职责的运作</a:t>
             </a:r>
-            <a:endParaRPr lang="en-US" altLang="zh-CN" smtClean="0">
+            <a:endParaRPr lang="en-US" altLang="zh-CN" dirty="0">
               <a:solidFill>
                 <a:srgbClr val="FF3300"/>
               </a:solidFill>
@@ -20910,18 +20452,18 @@
           <a:p>
             <a:pPr lvl="1"/>
             <a:r>
-              <a:rPr lang="zh-CN" altLang="en-US" smtClean="0"/>
+              <a:rPr lang="zh-CN" altLang="en-US" dirty="0"/>
               <a:t>将这些职责进行分离，</a:t>
             </a:r>
             <a:r>
-              <a:rPr lang="zh-CN" altLang="en-US" smtClean="0">
+              <a:rPr lang="zh-CN" altLang="en-US" dirty="0">
                 <a:solidFill>
                   <a:srgbClr val="FF3300"/>
                 </a:solidFill>
               </a:rPr>
               <a:t>将不同的职责封装在不同的类中</a:t>
             </a:r>
-            <a:endParaRPr lang="en-US" altLang="zh-CN" smtClean="0">
+            <a:endParaRPr lang="en-US" altLang="zh-CN" dirty="0">
               <a:solidFill>
                 <a:srgbClr val="FF3300"/>
               </a:solidFill>
@@ -20930,18 +20472,18 @@
           <a:p>
             <a:pPr lvl="1"/>
             <a:r>
-              <a:rPr lang="zh-CN" altLang="en-US" smtClean="0"/>
+              <a:rPr lang="zh-CN" altLang="en-US" dirty="0"/>
               <a:t>将不同的变化原因封装在不同的类中</a:t>
             </a:r>
           </a:p>
           <a:p>
             <a:pPr lvl="1"/>
             <a:r>
-              <a:rPr lang="zh-CN" altLang="en-US" smtClean="0"/>
+              <a:rPr lang="zh-CN" altLang="en-US" dirty="0"/>
               <a:t>单一职责原则</a:t>
             </a:r>
             <a:r>
-              <a:rPr lang="zh-CN" altLang="en-US" smtClean="0">
+              <a:rPr lang="zh-CN" altLang="en-US" dirty="0">
                 <a:solidFill>
                   <a:srgbClr val="FF3300"/>
                 </a:solidFill>
@@ -20961,13 +20503,6 @@
   <p:clrMapOvr>
     <a:masterClrMapping/>
   </p:clrMapOvr>
-  <p:timing>
-    <p:tnLst>
-      <p:par>
-        <p:cTn id="1" dur="indefinite" restart="never" nodeType="tmRoot"/>
-      </p:par>
-    </p:tnLst>
-  </p:timing>
 </p:sld>
 </file>
 
@@ -21010,7 +20545,7 @@
           <a:p>
             <a:pPr eaLnBrk="1" hangingPunct="1"/>
             <a:r>
-              <a:rPr lang="zh-CN" altLang="en-US" smtClean="0"/>
+              <a:rPr lang="zh-CN" altLang="en-US"/>
               <a:t>单一职责原则 </a:t>
             </a:r>
           </a:p>
@@ -21037,7 +20572,7 @@
               </a:lnSpc>
             </a:pPr>
             <a:r>
-              <a:rPr lang="zh-CN" altLang="en-US" smtClean="0"/>
+              <a:rPr lang="zh-CN" altLang="en-US" dirty="0"/>
               <a:t>单一职责原则实例 </a:t>
             </a:r>
           </a:p>
@@ -21048,7 +20583,7 @@
               </a:lnSpc>
             </a:pPr>
             <a:r>
-              <a:rPr lang="zh-CN" altLang="en-US" smtClean="0"/>
+              <a:rPr lang="zh-CN" altLang="en-US" dirty="0"/>
               <a:t>实例说明</a:t>
             </a:r>
           </a:p>
@@ -21058,7 +20593,7 @@
                 <a:spcPct val="110000"/>
               </a:lnSpc>
             </a:pPr>
-            <a:endParaRPr lang="en-US" altLang="zh-CN" sz="2000" smtClean="0"/>
+            <a:endParaRPr lang="en-US" altLang="zh-CN" sz="2000" dirty="0"/>
           </a:p>
         </p:txBody>
       </p:sp>
@@ -21079,7 +20614,13 @@
             <a:tbl>
               <a:tblPr/>
               <a:tblGrid>
-                <a:gridCol w="8686800"/>
+                <a:gridCol w="8686800">
+                  <a:extLst>
+                    <a:ext uri="{9D8B030D-6E8A-4147-A177-3AD203B41FA5}">
+                      <a16:colId xmlns:a16="http://schemas.microsoft.com/office/drawing/2014/main" val="20000"/>
+                    </a:ext>
+                  </a:extLst>
+                </a:gridCol>
               </a:tblGrid>
               <a:tr h="3962400">
                 <a:tc>
@@ -21130,18 +20671,10 @@
                           <a:ea typeface="宋体"/>
                           <a:cs typeface="Times New Roman"/>
                         </a:rPr>
-                        <a:t>，客户关系管理）系统</a:t>
-                      </a:r>
-                      <a:r>
-                        <a:rPr lang="zh-CN" sz="2000" kern="100" dirty="0" smtClean="0">
-                          <a:latin typeface="Times New Roman"/>
-                          <a:ea typeface="宋体"/>
-                          <a:cs typeface="Times New Roman"/>
-                        </a:rPr>
-                        <a:t>中</a:t>
-                      </a:r>
-                      <a:r>
-                        <a:rPr lang="zh-CN" altLang="en-US" sz="2000" kern="100" dirty="0" smtClean="0">
+                        <a:t>，客户关系管理）系统中</a:t>
+                      </a:r>
+                      <a:r>
+                        <a:rPr lang="zh-CN" altLang="en-US" sz="2000" kern="100" dirty="0">
                           <a:latin typeface="Times New Roman"/>
                           <a:ea typeface="宋体"/>
                           <a:cs typeface="Times New Roman"/>
@@ -21149,7 +20682,7 @@
                         <a:t>的</a:t>
                       </a:r>
                       <a:r>
-                        <a:rPr lang="zh-CN" sz="2000" kern="100" dirty="0" smtClean="0">
+                        <a:rPr lang="zh-CN" sz="2000" kern="100" dirty="0">
                           <a:latin typeface="Times New Roman"/>
                           <a:ea typeface="宋体"/>
                           <a:cs typeface="Times New Roman"/>
@@ -21157,7 +20690,7 @@
                         <a:t>客户信息</a:t>
                       </a:r>
                       <a:r>
-                        <a:rPr lang="zh-CN" altLang="en-US" sz="2000" kern="100" dirty="0" smtClean="0">
+                        <a:rPr lang="zh-CN" altLang="en-US" sz="2000" kern="100" dirty="0">
                           <a:latin typeface="Times New Roman"/>
                           <a:ea typeface="宋体"/>
                           <a:cs typeface="Times New Roman"/>
@@ -21165,20 +20698,12 @@
                         <a:t>图表</a:t>
                       </a:r>
                       <a:r>
-                        <a:rPr lang="zh-CN" sz="2000" kern="100" dirty="0" smtClean="0">
-                          <a:latin typeface="Times New Roman"/>
-                          <a:ea typeface="宋体"/>
-                          <a:cs typeface="Times New Roman"/>
-                        </a:rPr>
-                        <a:t>统计</a:t>
-                      </a:r>
-                      <a:r>
                         <a:rPr lang="zh-CN" sz="2000" kern="100" dirty="0">
                           <a:latin typeface="Times New Roman"/>
                           <a:ea typeface="宋体"/>
                           <a:cs typeface="Times New Roman"/>
                         </a:rPr>
-                        <a:t>模块提出了如图</a:t>
+                        <a:t>统计模块提出了如图</a:t>
                       </a:r>
                       <a:r>
                         <a:rPr lang="en-US" sz="2000" kern="100" dirty="0">
@@ -21194,18 +20719,10 @@
                           <a:ea typeface="宋体"/>
                           <a:cs typeface="Times New Roman"/>
                         </a:rPr>
-                        <a:t>所</a:t>
-                      </a:r>
-                      <a:r>
-                        <a:rPr lang="zh-CN" sz="2000" kern="100" dirty="0" smtClean="0">
-                          <a:latin typeface="Times New Roman"/>
-                          <a:ea typeface="宋体"/>
-                          <a:cs typeface="Times New Roman"/>
-                        </a:rPr>
-                        <a:t>示</a:t>
-                      </a:r>
-                      <a:r>
-                        <a:rPr lang="zh-CN" altLang="en-US" sz="2000" kern="100" dirty="0" smtClean="0">
+                        <a:t>所示</a:t>
+                      </a:r>
+                      <a:r>
+                        <a:rPr lang="zh-CN" altLang="en-US" sz="2000" kern="100" dirty="0">
                           <a:latin typeface="Times New Roman"/>
                           <a:ea typeface="宋体"/>
                           <a:cs typeface="Times New Roman"/>
@@ -21213,7 +20730,7 @@
                         <a:t>的</a:t>
                       </a:r>
                       <a:r>
-                        <a:rPr lang="zh-CN" sz="2000" kern="100" dirty="0" smtClean="0">
+                        <a:rPr lang="zh-CN" sz="2000" kern="100" dirty="0">
                           <a:latin typeface="Times New Roman"/>
                           <a:ea typeface="宋体"/>
                           <a:cs typeface="Times New Roman"/>
@@ -21221,14 +20738,14 @@
                         <a:t>初始设计方案</a:t>
                       </a:r>
                       <a:r>
-                        <a:rPr lang="zh-CN" altLang="en-US" sz="2000" kern="100" dirty="0" smtClean="0">
+                        <a:rPr lang="zh-CN" altLang="en-US" sz="2000" kern="100" dirty="0">
                           <a:latin typeface="Times New Roman"/>
                           <a:ea typeface="宋体"/>
                           <a:cs typeface="Times New Roman"/>
                         </a:rPr>
                         <a:t>。</a:t>
                       </a:r>
-                      <a:endParaRPr lang="en-US" altLang="zh-CN" sz="2000" kern="100" dirty="0" smtClean="0">
+                      <a:endParaRPr lang="en-US" altLang="zh-CN" sz="2000" kern="100" dirty="0">
                         <a:latin typeface="Times New Roman"/>
                         <a:ea typeface="宋体"/>
                         <a:cs typeface="Times New Roman"/>
@@ -21240,7 +20757,7 @@
                           <a:spcPts val="0"/>
                         </a:spcAft>
                       </a:pPr>
-                      <a:endParaRPr lang="en-US" altLang="zh-CN" sz="2000" kern="100" dirty="0" smtClean="0">
+                      <a:endParaRPr lang="en-US" altLang="zh-CN" sz="2000" kern="100" dirty="0">
                         <a:latin typeface="Times New Roman"/>
                         <a:ea typeface="宋体"/>
                         <a:cs typeface="Times New Roman"/>
@@ -21252,7 +20769,7 @@
                           <a:spcPts val="0"/>
                         </a:spcAft>
                       </a:pPr>
-                      <a:endParaRPr lang="en-US" altLang="zh-CN" sz="2000" kern="100" dirty="0" smtClean="0">
+                      <a:endParaRPr lang="en-US" altLang="zh-CN" sz="2000" kern="100" dirty="0">
                         <a:latin typeface="Times New Roman"/>
                         <a:ea typeface="宋体"/>
                         <a:cs typeface="Times New Roman"/>
@@ -21264,7 +20781,7 @@
                           <a:spcPts val="0"/>
                         </a:spcAft>
                       </a:pPr>
-                      <a:endParaRPr lang="en-US" altLang="zh-CN" sz="2000" kern="100" dirty="0" smtClean="0">
+                      <a:endParaRPr lang="en-US" altLang="zh-CN" sz="2000" kern="100" dirty="0">
                         <a:latin typeface="Times New Roman"/>
                         <a:ea typeface="宋体"/>
                         <a:cs typeface="Times New Roman"/>
@@ -21276,7 +20793,7 @@
                           <a:spcPts val="0"/>
                         </a:spcAft>
                       </a:pPr>
-                      <a:endParaRPr lang="en-US" altLang="zh-CN" sz="2000" kern="100" dirty="0" smtClean="0">
+                      <a:endParaRPr lang="en-US" altLang="zh-CN" sz="2000" kern="100" dirty="0">
                         <a:latin typeface="Times New Roman"/>
                         <a:ea typeface="宋体"/>
                         <a:cs typeface="Times New Roman"/>
@@ -21288,7 +20805,7 @@
                           <a:spcPts val="0"/>
                         </a:spcAft>
                       </a:pPr>
-                      <a:endParaRPr lang="en-US" altLang="zh-CN" sz="2000" kern="100" dirty="0" smtClean="0">
+                      <a:endParaRPr lang="en-US" altLang="zh-CN" sz="2000" kern="100" dirty="0">
                         <a:latin typeface="Times New Roman"/>
                         <a:ea typeface="宋体"/>
                         <a:cs typeface="Times New Roman"/>
@@ -21370,18 +20887,10 @@
                           <a:ea typeface="宋体"/>
                           <a:cs typeface="Times New Roman"/>
                         </a:rPr>
-                        <a:t>中</a:t>
-                      </a:r>
-                      <a:r>
-                        <a:rPr lang="zh-CN" sz="2000" kern="100" dirty="0" smtClean="0">
-                          <a:latin typeface="Times New Roman"/>
-                          <a:ea typeface="宋体"/>
-                          <a:cs typeface="Times New Roman"/>
-                        </a:rPr>
-                        <a:t>，</a:t>
-                      </a:r>
-                      <a:r>
-                        <a:rPr lang="en-US" sz="2000" kern="100" dirty="0" err="1" smtClean="0">
+                        <a:t>中，</a:t>
+                      </a:r>
+                      <a:r>
+                        <a:rPr lang="en-US" sz="2000" kern="100" dirty="0" err="1">
                           <a:latin typeface="Times New Roman"/>
                           <a:ea typeface="宋体"/>
                           <a:cs typeface="Times New Roman"/>
@@ -21402,18 +20911,10 @@
                           <a:ea typeface="宋体"/>
                           <a:cs typeface="Times New Roman"/>
                         </a:rPr>
-                        <a:t>方法用于连接数据库</a:t>
-                      </a:r>
-                      <a:r>
-                        <a:rPr lang="zh-CN" sz="2000" kern="100" dirty="0" smtClean="0">
-                          <a:latin typeface="Times New Roman"/>
-                          <a:ea typeface="宋体"/>
-                          <a:cs typeface="Times New Roman"/>
-                        </a:rPr>
-                        <a:t>，</a:t>
-                      </a:r>
-                      <a:r>
-                        <a:rPr lang="en-US" sz="2000" kern="100" dirty="0" err="1" smtClean="0">
+                        <a:t>方法用于连接数据库，</a:t>
+                      </a:r>
+                      <a:r>
+                        <a:rPr lang="en-US" sz="2000" kern="100" dirty="0" err="1">
                           <a:latin typeface="Times New Roman"/>
                           <a:ea typeface="宋体"/>
                           <a:cs typeface="Times New Roman"/>
@@ -21434,18 +20935,10 @@
                           <a:ea typeface="宋体"/>
                           <a:cs typeface="Times New Roman"/>
                         </a:rPr>
-                        <a:t>用于查询所有的客户信息</a:t>
-                      </a:r>
-                      <a:r>
-                        <a:rPr lang="zh-CN" sz="2000" kern="100" dirty="0" smtClean="0">
-                          <a:latin typeface="Times New Roman"/>
-                          <a:ea typeface="宋体"/>
-                          <a:cs typeface="Times New Roman"/>
-                        </a:rPr>
-                        <a:t>，</a:t>
-                      </a:r>
-                      <a:r>
-                        <a:rPr lang="en-US" sz="2000" kern="100" dirty="0" err="1" smtClean="0">
+                        <a:t>用于查询所有的客户信息，</a:t>
+                      </a:r>
+                      <a:r>
+                        <a:rPr lang="en-US" sz="2000" kern="100" dirty="0" err="1">
                           <a:latin typeface="Times New Roman"/>
                           <a:ea typeface="宋体"/>
                           <a:cs typeface="Times New Roman"/>
@@ -21466,18 +20959,10 @@
                           <a:ea typeface="宋体"/>
                           <a:cs typeface="Times New Roman"/>
                         </a:rPr>
-                        <a:t>用于创建图表</a:t>
-                      </a:r>
-                      <a:r>
-                        <a:rPr lang="zh-CN" sz="2000" kern="100" dirty="0" smtClean="0">
-                          <a:latin typeface="Times New Roman"/>
-                          <a:ea typeface="宋体"/>
-                          <a:cs typeface="Times New Roman"/>
-                        </a:rPr>
-                        <a:t>，</a:t>
-                      </a:r>
-                      <a:r>
-                        <a:rPr lang="en-US" sz="2000" kern="100" dirty="0" err="1" smtClean="0">
+                        <a:t>用于创建图表，</a:t>
+                      </a:r>
+                      <a:r>
+                        <a:rPr lang="en-US" sz="2000" kern="100" dirty="0" err="1">
                           <a:latin typeface="Times New Roman"/>
                           <a:ea typeface="宋体"/>
                           <a:cs typeface="Times New Roman"/>
@@ -21561,6 +21046,11 @@
                     </a:solidFill>
                   </a:tcPr>
                 </a:tc>
+                <a:extLst>
+                  <a:ext uri="{0D108BD9-81ED-4DB2-BD59-A6C34878D82A}">
+                    <a16:rowId xmlns:a16="http://schemas.microsoft.com/office/drawing/2014/main" val="10000"/>
+                  </a:ext>
+                </a:extLst>
               </a:tr>
             </a:tbl>
           </a:graphicData>
